--- a/lectures/week10/lecture2/slides/week10_lecture2.pptx
+++ b/lectures/week10/lecture2/slides/week10_lecture2.pptx
@@ -15,19 +15,32 @@
     <p:sldId id="332" r:id="rId9"/>
     <p:sldId id="333" r:id="rId10"/>
     <p:sldId id="334" r:id="rId11"/>
-    <p:sldId id="335" r:id="rId12"/>
-    <p:sldId id="337" r:id="rId13"/>
-    <p:sldId id="336" r:id="rId14"/>
-    <p:sldId id="338" r:id="rId15"/>
-    <p:sldId id="339" r:id="rId16"/>
-    <p:sldId id="340" r:id="rId17"/>
-    <p:sldId id="324" r:id="rId18"/>
-    <p:sldId id="341" r:id="rId19"/>
-    <p:sldId id="342" r:id="rId20"/>
-    <p:sldId id="344" r:id="rId21"/>
-    <p:sldId id="345" r:id="rId22"/>
-    <p:sldId id="346" r:id="rId23"/>
-    <p:sldId id="325" r:id="rId24"/>
+    <p:sldId id="347" r:id="rId12"/>
+    <p:sldId id="335" r:id="rId13"/>
+    <p:sldId id="337" r:id="rId14"/>
+    <p:sldId id="336" r:id="rId15"/>
+    <p:sldId id="338" r:id="rId16"/>
+    <p:sldId id="339" r:id="rId17"/>
+    <p:sldId id="340" r:id="rId18"/>
+    <p:sldId id="324" r:id="rId19"/>
+    <p:sldId id="355" r:id="rId20"/>
+    <p:sldId id="348" r:id="rId21"/>
+    <p:sldId id="349" r:id="rId22"/>
+    <p:sldId id="350" r:id="rId23"/>
+    <p:sldId id="351" r:id="rId24"/>
+    <p:sldId id="352" r:id="rId25"/>
+    <p:sldId id="353" r:id="rId26"/>
+    <p:sldId id="354" r:id="rId27"/>
+    <p:sldId id="341" r:id="rId28"/>
+    <p:sldId id="357" r:id="rId29"/>
+    <p:sldId id="342" r:id="rId30"/>
+    <p:sldId id="344" r:id="rId31"/>
+    <p:sldId id="345" r:id="rId32"/>
+    <p:sldId id="346" r:id="rId33"/>
+    <p:sldId id="356" r:id="rId34"/>
+    <p:sldId id="359" r:id="rId35"/>
+    <p:sldId id="358" r:id="rId36"/>
+    <p:sldId id="325" r:id="rId37"/>
   </p:sldIdLst>
   <p:sldSz cx="12192000" cy="6858000"/>
   <p:notesSz cx="6858000" cy="9144000"/>
@@ -141,6 +154,7 @@
             <p14:sldId id="332"/>
             <p14:sldId id="333"/>
             <p14:sldId id="334"/>
+            <p14:sldId id="347"/>
             <p14:sldId id="335"/>
             <p14:sldId id="337"/>
             <p14:sldId id="336"/>
@@ -148,11 +162,23 @@
             <p14:sldId id="339"/>
             <p14:sldId id="340"/>
             <p14:sldId id="324"/>
+            <p14:sldId id="355"/>
+            <p14:sldId id="348"/>
+            <p14:sldId id="349"/>
+            <p14:sldId id="350"/>
+            <p14:sldId id="351"/>
+            <p14:sldId id="352"/>
+            <p14:sldId id="353"/>
+            <p14:sldId id="354"/>
             <p14:sldId id="341"/>
+            <p14:sldId id="357"/>
             <p14:sldId id="342"/>
             <p14:sldId id="344"/>
             <p14:sldId id="345"/>
             <p14:sldId id="346"/>
+            <p14:sldId id="356"/>
+            <p14:sldId id="359"/>
+            <p14:sldId id="358"/>
             <p14:sldId id="325"/>
           </p14:sldIdLst>
         </p14:section>
@@ -2175,6 +2201,222 @@
       </p:grpSpPr>
       <p:sp>
         <p:nvSpPr>
+          <p:cNvPr id="4" name="Title 3">
+            <a:extLst>
+              <a:ext uri="{FF2B5EF4-FFF2-40B4-BE49-F238E27FC236}">
+                <a16:creationId xmlns:a16="http://schemas.microsoft.com/office/drawing/2014/main" id="{0C118C3C-13F5-4EA8-9EA9-3448AC35375E}"/>
+              </a:ext>
+            </a:extLst>
+          </p:cNvPr>
+          <p:cNvSpPr>
+            <a:spLocks noGrp="1"/>
+          </p:cNvSpPr>
+          <p:nvPr>
+            <p:ph type="title"/>
+          </p:nvPr>
+        </p:nvSpPr>
+        <p:spPr/>
+        <p:txBody>
+          <a:bodyPr>
+            <a:normAutofit fontScale="90000"/>
+          </a:bodyPr>
+          <a:lstStyle/>
+          <a:p>
+            <a:r>
+              <a:rPr lang="en-US" b="1" dirty="0"/>
+              <a:t>Objects in Python</a:t>
+            </a:r>
+          </a:p>
+        </p:txBody>
+      </p:sp>
+      <p:sp>
+        <p:nvSpPr>
+          <p:cNvPr id="8" name="Content Placeholder 2">
+            <a:extLst>
+              <a:ext uri="{FF2B5EF4-FFF2-40B4-BE49-F238E27FC236}">
+                <a16:creationId xmlns:a16="http://schemas.microsoft.com/office/drawing/2014/main" id="{9EF1E632-EB44-4712-B35B-CF93D4F2CB8A}"/>
+              </a:ext>
+            </a:extLst>
+          </p:cNvPr>
+          <p:cNvSpPr>
+            <a:spLocks noGrp="1"/>
+          </p:cNvSpPr>
+          <p:nvPr>
+            <p:ph idx="1"/>
+          </p:nvPr>
+        </p:nvSpPr>
+        <p:spPr>
+          <a:xfrm>
+            <a:off x="838199" y="1825624"/>
+            <a:ext cx="6681537" cy="4835479"/>
+          </a:xfrm>
+        </p:spPr>
+        <p:txBody>
+          <a:bodyPr>
+            <a:normAutofit/>
+          </a:bodyPr>
+          <a:lstStyle/>
+          <a:p>
+            <a:r>
+              <a:rPr lang="en-US" sz="3200" dirty="0"/>
+              <a:t>Really</a:t>
+            </a:r>
+            <a:r>
+              <a:rPr lang="en-US" sz="3200" dirty="0">
+                <a:solidFill>
+                  <a:schemeClr val="accent3"/>
+                </a:solidFill>
+              </a:rPr>
+              <a:t>?</a:t>
+            </a:r>
+            <a:r>
+              <a:rPr lang="en-US" sz="3200" dirty="0"/>
+              <a:t> Everything is an object</a:t>
+            </a:r>
+            <a:r>
+              <a:rPr lang="en-US" sz="3200" dirty="0">
+                <a:solidFill>
+                  <a:schemeClr val="accent3"/>
+                </a:solidFill>
+              </a:rPr>
+              <a:t>?</a:t>
+            </a:r>
+          </a:p>
+        </p:txBody>
+      </p:sp>
+      <p:sp>
+        <p:nvSpPr>
+          <p:cNvPr id="10" name="Rectangle: Rounded Corners 9">
+            <a:extLst>
+              <a:ext uri="{FF2B5EF4-FFF2-40B4-BE49-F238E27FC236}">
+                <a16:creationId xmlns:a16="http://schemas.microsoft.com/office/drawing/2014/main" id="{F24495BB-4318-49FC-B82D-CB18F3B3140F}"/>
+              </a:ext>
+            </a:extLst>
+          </p:cNvPr>
+          <p:cNvSpPr/>
+          <p:nvPr/>
+        </p:nvSpPr>
+        <p:spPr>
+          <a:xfrm>
+            <a:off x="7844590" y="1949006"/>
+            <a:ext cx="3958389" cy="4418765"/>
+          </a:xfrm>
+          <a:prstGeom prst="roundRect">
+            <a:avLst/>
+          </a:prstGeom>
+          <a:noFill/>
+          <a:ln w="76200">
+            <a:solidFill>
+              <a:schemeClr val="accent2"/>
+            </a:solidFill>
+          </a:ln>
+        </p:spPr>
+        <p:style>
+          <a:lnRef idx="2">
+            <a:schemeClr val="accent1">
+              <a:shade val="50000"/>
+            </a:schemeClr>
+          </a:lnRef>
+          <a:fillRef idx="1">
+            <a:schemeClr val="accent1"/>
+          </a:fillRef>
+          <a:effectRef idx="0">
+            <a:schemeClr val="accent1"/>
+          </a:effectRef>
+          <a:fontRef idx="minor">
+            <a:schemeClr val="lt1"/>
+          </a:fontRef>
+        </p:style>
+        <p:txBody>
+          <a:bodyPr rtlCol="0" anchor="ctr"/>
+          <a:lstStyle/>
+          <a:p>
+            <a:r>
+              <a:rPr lang="en-US" sz="4400" b="1" dirty="0">
+                <a:solidFill>
+                  <a:srgbClr val="FFFFFF"/>
+                </a:solidFill>
+              </a:rPr>
+              <a:t>Open your notebook</a:t>
+            </a:r>
+          </a:p>
+          <a:p>
+            <a:endParaRPr lang="en-US" sz="4400" b="1" dirty="0">
+              <a:solidFill>
+                <a:srgbClr val="FFFFFF"/>
+              </a:solidFill>
+            </a:endParaRPr>
+          </a:p>
+          <a:p>
+            <a:r>
+              <a:rPr lang="en-US" sz="2800" b="1" dirty="0">
+                <a:solidFill>
+                  <a:srgbClr val="FFFFFF"/>
+                </a:solidFill>
+              </a:rPr>
+              <a:t>Click Link</a:t>
+            </a:r>
+            <a:r>
+              <a:rPr lang="en-US" sz="2800" b="1" dirty="0">
+                <a:solidFill>
+                  <a:schemeClr val="accent6"/>
+                </a:solidFill>
+              </a:rPr>
+              <a:t>:</a:t>
+            </a:r>
+          </a:p>
+          <a:p>
+            <a:r>
+              <a:rPr lang="en-US" sz="2800" b="1" dirty="0">
+                <a:solidFill>
+                  <a:schemeClr val="accent6"/>
+                </a:solidFill>
+              </a:rPr>
+              <a:t>1. </a:t>
+            </a:r>
+            <a:r>
+              <a:rPr lang="en-US" sz="2600" b="1" dirty="0">
+                <a:solidFill>
+                  <a:schemeClr val="accent6"/>
+                </a:solidFill>
+              </a:rPr>
+              <a:t>Objects in Python</a:t>
+            </a:r>
+          </a:p>
+        </p:txBody>
+      </p:sp>
+    </p:spTree>
+    <p:extLst>
+      <p:ext uri="{BB962C8B-B14F-4D97-AF65-F5344CB8AC3E}">
+        <p14:creationId xmlns:p14="http://schemas.microsoft.com/office/powerpoint/2010/main" val="1210397658"/>
+      </p:ext>
+    </p:extLst>
+  </p:cSld>
+  <p:clrMapOvr>
+    <a:masterClrMapping/>
+  </p:clrMapOvr>
+</p:sld>
+</file>
+
+<file path=ppt/slides/slide12.xml><?xml version="1.0" encoding="utf-8"?>
+<p:sld xmlns:a="http://schemas.openxmlformats.org/drawingml/2006/main" xmlns:r="http://schemas.openxmlformats.org/officeDocument/2006/relationships" xmlns:p="http://schemas.openxmlformats.org/presentationml/2006/main">
+  <p:cSld>
+    <p:spTree>
+      <p:nvGrpSpPr>
+        <p:cNvPr id="1" name=""/>
+        <p:cNvGrpSpPr/>
+        <p:nvPr/>
+      </p:nvGrpSpPr>
+      <p:grpSpPr>
+        <a:xfrm>
+          <a:off x="0" y="0"/>
+          <a:ext cx="0" cy="0"/>
+          <a:chOff x="0" y="0"/>
+          <a:chExt cx="0" cy="0"/>
+        </a:xfrm>
+      </p:grpSpPr>
+      <p:sp>
+        <p:nvSpPr>
           <p:cNvPr id="2" name="Title 1">
             <a:extLst>
               <a:ext uri="{FF2B5EF4-FFF2-40B4-BE49-F238E27FC236}">
@@ -2680,7 +2922,7 @@
 </p:sld>
 </file>
 
-<file path=ppt/slides/slide12.xml><?xml version="1.0" encoding="utf-8"?>
+<file path=ppt/slides/slide13.xml><?xml version="1.0" encoding="utf-8"?>
 <p:sld xmlns:a="http://schemas.openxmlformats.org/drawingml/2006/main" xmlns:r="http://schemas.openxmlformats.org/officeDocument/2006/relationships" xmlns:p="http://schemas.openxmlformats.org/presentationml/2006/main">
   <p:cSld>
     <p:spTree>
@@ -3785,7 +4027,7 @@
 </p:sld>
 </file>
 
-<file path=ppt/slides/slide13.xml><?xml version="1.0" encoding="utf-8"?>
+<file path=ppt/slides/slide14.xml><?xml version="1.0" encoding="utf-8"?>
 <p:sld xmlns:a="http://schemas.openxmlformats.org/drawingml/2006/main" xmlns:r="http://schemas.openxmlformats.org/officeDocument/2006/relationships" xmlns:p="http://schemas.openxmlformats.org/presentationml/2006/main">
   <p:cSld>
     <p:spTree>
@@ -4847,7 +5089,7 @@
 </p:sld>
 </file>
 
-<file path=ppt/slides/slide14.xml><?xml version="1.0" encoding="utf-8"?>
+<file path=ppt/slides/slide15.xml><?xml version="1.0" encoding="utf-8"?>
 <p:sld xmlns:a="http://schemas.openxmlformats.org/drawingml/2006/main" xmlns:r="http://schemas.openxmlformats.org/officeDocument/2006/relationships" xmlns:p="http://schemas.openxmlformats.org/presentationml/2006/main">
   <p:cSld>
     <p:spTree>
@@ -5831,7 +6073,7 @@
 </p:sld>
 </file>
 
-<file path=ppt/slides/slide15.xml><?xml version="1.0" encoding="utf-8"?>
+<file path=ppt/slides/slide16.xml><?xml version="1.0" encoding="utf-8"?>
 <p:sld xmlns:a="http://schemas.openxmlformats.org/drawingml/2006/main" xmlns:r="http://schemas.openxmlformats.org/officeDocument/2006/relationships" xmlns:p="http://schemas.openxmlformats.org/presentationml/2006/main">
   <p:cSld>
     <p:spTree>
@@ -6449,385 +6691,6 @@
 </p:sld>
 </file>
 
-<file path=ppt/slides/slide16.xml><?xml version="1.0" encoding="utf-8"?>
-<p:sld xmlns:a="http://schemas.openxmlformats.org/drawingml/2006/main" xmlns:r="http://schemas.openxmlformats.org/officeDocument/2006/relationships" xmlns:p="http://schemas.openxmlformats.org/presentationml/2006/main">
-  <p:cSld>
-    <p:spTree>
-      <p:nvGrpSpPr>
-        <p:cNvPr id="1" name=""/>
-        <p:cNvGrpSpPr/>
-        <p:nvPr/>
-      </p:nvGrpSpPr>
-      <p:grpSpPr>
-        <a:xfrm>
-          <a:off x="0" y="0"/>
-          <a:ext cx="0" cy="0"/>
-          <a:chOff x="0" y="0"/>
-          <a:chExt cx="0" cy="0"/>
-        </a:xfrm>
-      </p:grpSpPr>
-      <p:sp>
-        <p:nvSpPr>
-          <p:cNvPr id="4" name="Title 3">
-            <a:extLst>
-              <a:ext uri="{FF2B5EF4-FFF2-40B4-BE49-F238E27FC236}">
-                <a16:creationId xmlns:a16="http://schemas.microsoft.com/office/drawing/2014/main" id="{0C118C3C-13F5-4EA8-9EA9-3448AC35375E}"/>
-              </a:ext>
-            </a:extLst>
-          </p:cNvPr>
-          <p:cNvSpPr>
-            <a:spLocks noGrp="1"/>
-          </p:cNvSpPr>
-          <p:nvPr>
-            <p:ph type="title"/>
-          </p:nvPr>
-        </p:nvSpPr>
-        <p:spPr/>
-        <p:txBody>
-          <a:bodyPr>
-            <a:normAutofit fontScale="90000"/>
-          </a:bodyPr>
-          <a:lstStyle/>
-          <a:p>
-            <a:r>
-              <a:rPr lang="en-US" b="1" dirty="0"/>
-              <a:t>Classes</a:t>
-            </a:r>
-          </a:p>
-        </p:txBody>
-      </p:sp>
-      <p:sp>
-        <p:nvSpPr>
-          <p:cNvPr id="6" name="TextBox 5">
-            <a:extLst>
-              <a:ext uri="{FF2B5EF4-FFF2-40B4-BE49-F238E27FC236}">
-                <a16:creationId xmlns:a16="http://schemas.microsoft.com/office/drawing/2014/main" id="{39366C13-2079-4185-B51B-0879CA12EDCA}"/>
-              </a:ext>
-            </a:extLst>
-          </p:cNvPr>
-          <p:cNvSpPr txBox="1"/>
-          <p:nvPr/>
-        </p:nvSpPr>
-        <p:spPr>
-          <a:xfrm>
-            <a:off x="5439206" y="727514"/>
-            <a:ext cx="6453894" cy="5016758"/>
-          </a:xfrm>
-          <a:prstGeom prst="rect">
-            <a:avLst/>
-          </a:prstGeom>
-          <a:noFill/>
-        </p:spPr>
-        <p:txBody>
-          <a:bodyPr wrap="square" rtlCol="0">
-            <a:spAutoFit/>
-          </a:bodyPr>
-          <a:lstStyle/>
-          <a:p>
-            <a:r>
-              <a:rPr lang="en-US" sz="2000" b="1" dirty="0">
-                <a:solidFill>
-                  <a:srgbClr val="00FF00"/>
-                </a:solidFill>
-                <a:latin typeface="Courier New" panose="02070309020205020404" pitchFamily="49" charset="0"/>
-                <a:cs typeface="Courier New" panose="02070309020205020404" pitchFamily="49" charset="0"/>
-              </a:rPr>
-              <a:t>class Name:</a:t>
-            </a:r>
-          </a:p>
-          <a:p>
-            <a:r>
-              <a:rPr lang="en-US" sz="2000" b="1" dirty="0">
-                <a:solidFill>
-                  <a:srgbClr val="00FF00"/>
-                </a:solidFill>
-                <a:latin typeface="Courier New" panose="02070309020205020404" pitchFamily="49" charset="0"/>
-                <a:cs typeface="Courier New" panose="02070309020205020404" pitchFamily="49" charset="0"/>
-              </a:rPr>
-              <a:t>   </a:t>
-            </a:r>
-          </a:p>
-          <a:p>
-            <a:r>
-              <a:rPr lang="en-US" sz="2000" b="1" dirty="0">
-                <a:solidFill>
-                  <a:srgbClr val="FFD6AD"/>
-                </a:solidFill>
-                <a:latin typeface="Courier New" panose="02070309020205020404" pitchFamily="49" charset="0"/>
-                <a:cs typeface="Courier New" panose="02070309020205020404" pitchFamily="49" charset="0"/>
-              </a:rPr>
-              <a:t>   def __init__(self, param1, param2, …):</a:t>
-            </a:r>
-          </a:p>
-          <a:p>
-            <a:r>
-              <a:rPr lang="en-US" sz="2000" b="1" dirty="0">
-                <a:solidFill>
-                  <a:srgbClr val="FFD6AD"/>
-                </a:solidFill>
-                <a:latin typeface="Courier New" panose="02070309020205020404" pitchFamily="49" charset="0"/>
-                <a:cs typeface="Courier New" panose="02070309020205020404" pitchFamily="49" charset="0"/>
-              </a:rPr>
-              <a:t>      self.param1 = param1</a:t>
-            </a:r>
-          </a:p>
-          <a:p>
-            <a:r>
-              <a:rPr lang="en-US" sz="2000" b="1" dirty="0">
-                <a:solidFill>
-                  <a:srgbClr val="FFD6AD"/>
-                </a:solidFill>
-                <a:latin typeface="Courier New" panose="02070309020205020404" pitchFamily="49" charset="0"/>
-                <a:cs typeface="Courier New" panose="02070309020205020404" pitchFamily="49" charset="0"/>
-              </a:rPr>
-              <a:t>	self.param1 = param1</a:t>
-            </a:r>
-          </a:p>
-          <a:p>
-            <a:r>
-              <a:rPr lang="en-US" sz="2000" b="1" dirty="0">
-                <a:solidFill>
-                  <a:srgbClr val="FFD6AD"/>
-                </a:solidFill>
-                <a:latin typeface="Courier New" panose="02070309020205020404" pitchFamily="49" charset="0"/>
-                <a:cs typeface="Courier New" panose="02070309020205020404" pitchFamily="49" charset="0"/>
-              </a:rPr>
-              <a:t>	…</a:t>
-            </a:r>
-          </a:p>
-          <a:p>
-            <a:r>
-              <a:rPr lang="en-US" sz="2000" b="1" dirty="0">
-                <a:solidFill>
-                  <a:srgbClr val="FFD6AD"/>
-                </a:solidFill>
-                <a:latin typeface="Courier New" panose="02070309020205020404" pitchFamily="49" charset="0"/>
-                <a:cs typeface="Courier New" panose="02070309020205020404" pitchFamily="49" charset="0"/>
-              </a:rPr>
-              <a:t>      body</a:t>
-            </a:r>
-          </a:p>
-          <a:p>
-            <a:endParaRPr lang="en-US" sz="2000" b="1" dirty="0">
-              <a:solidFill>
-                <a:srgbClr val="00FF00"/>
-              </a:solidFill>
-              <a:latin typeface="Courier New" panose="02070309020205020404" pitchFamily="49" charset="0"/>
-              <a:cs typeface="Courier New" panose="02070309020205020404" pitchFamily="49" charset="0"/>
-            </a:endParaRPr>
-          </a:p>
-          <a:p>
-            <a:r>
-              <a:rPr lang="en-US" sz="2000" b="1" dirty="0">
-                <a:solidFill>
-                  <a:srgbClr val="00FF00"/>
-                </a:solidFill>
-                <a:latin typeface="Courier New" panose="02070309020205020404" pitchFamily="49" charset="0"/>
-                <a:cs typeface="Courier New" panose="02070309020205020404" pitchFamily="49" charset="0"/>
-              </a:rPr>
-              <a:t>   </a:t>
-            </a:r>
-            <a:r>
-              <a:rPr lang="en-US" sz="2000" b="1" dirty="0">
-                <a:solidFill>
-                  <a:srgbClr val="FF5050"/>
-                </a:solidFill>
-                <a:latin typeface="Courier New" panose="02070309020205020404" pitchFamily="49" charset="0"/>
-                <a:cs typeface="Courier New" panose="02070309020205020404" pitchFamily="49" charset="0"/>
-              </a:rPr>
-              <a:t>def method1(self, parameters):</a:t>
-            </a:r>
-          </a:p>
-          <a:p>
-            <a:r>
-              <a:rPr lang="en-US" sz="2000" b="1" dirty="0">
-                <a:solidFill>
-                  <a:srgbClr val="FF5050"/>
-                </a:solidFill>
-                <a:latin typeface="Courier New" panose="02070309020205020404" pitchFamily="49" charset="0"/>
-                <a:cs typeface="Courier New" panose="02070309020205020404" pitchFamily="49" charset="0"/>
-              </a:rPr>
-              <a:t>      body</a:t>
-            </a:r>
-          </a:p>
-          <a:p>
-            <a:endParaRPr lang="en-US" sz="2000" b="1" dirty="0">
-              <a:solidFill>
-                <a:srgbClr val="FF5050"/>
-              </a:solidFill>
-              <a:latin typeface="Courier New" panose="02070309020205020404" pitchFamily="49" charset="0"/>
-              <a:cs typeface="Courier New" panose="02070309020205020404" pitchFamily="49" charset="0"/>
-            </a:endParaRPr>
-          </a:p>
-          <a:p>
-            <a:r>
-              <a:rPr lang="en-US" sz="2000" b="1" dirty="0">
-                <a:solidFill>
-                  <a:srgbClr val="FF5050"/>
-                </a:solidFill>
-                <a:latin typeface="Courier New" panose="02070309020205020404" pitchFamily="49" charset="0"/>
-                <a:cs typeface="Courier New" panose="02070309020205020404" pitchFamily="49" charset="0"/>
-              </a:rPr>
-              <a:t>   def method2(self, parameters):</a:t>
-            </a:r>
-          </a:p>
-          <a:p>
-            <a:r>
-              <a:rPr lang="en-US" sz="2000" b="1" dirty="0">
-                <a:solidFill>
-                  <a:srgbClr val="FF5050"/>
-                </a:solidFill>
-                <a:latin typeface="Courier New" panose="02070309020205020404" pitchFamily="49" charset="0"/>
-                <a:cs typeface="Courier New" panose="02070309020205020404" pitchFamily="49" charset="0"/>
-              </a:rPr>
-              <a:t>      body</a:t>
-            </a:r>
-          </a:p>
-          <a:p>
-            <a:endParaRPr lang="en-US" sz="2000" b="1" dirty="0">
-              <a:solidFill>
-                <a:srgbClr val="FF5050"/>
-              </a:solidFill>
-              <a:latin typeface="Courier New" panose="02070309020205020404" pitchFamily="49" charset="0"/>
-              <a:cs typeface="Courier New" panose="02070309020205020404" pitchFamily="49" charset="0"/>
-            </a:endParaRPr>
-          </a:p>
-          <a:p>
-            <a:r>
-              <a:rPr lang="en-US" sz="2000" b="1" dirty="0">
-                <a:solidFill>
-                  <a:srgbClr val="FF5050"/>
-                </a:solidFill>
-                <a:latin typeface="Courier New" panose="02070309020205020404" pitchFamily="49" charset="0"/>
-                <a:cs typeface="Courier New" panose="02070309020205020404" pitchFamily="49" charset="0"/>
-              </a:rPr>
-              <a:t>   def method3(self, parameters):</a:t>
-            </a:r>
-          </a:p>
-          <a:p>
-            <a:r>
-              <a:rPr lang="en-US" sz="2000" b="1" dirty="0">
-                <a:solidFill>
-                  <a:srgbClr val="FF5050"/>
-                </a:solidFill>
-                <a:latin typeface="Courier New" panose="02070309020205020404" pitchFamily="49" charset="0"/>
-                <a:cs typeface="Courier New" panose="02070309020205020404" pitchFamily="49" charset="0"/>
-              </a:rPr>
-              <a:t>      body</a:t>
-            </a:r>
-          </a:p>
-        </p:txBody>
-      </p:sp>
-      <p:sp>
-        <p:nvSpPr>
-          <p:cNvPr id="8" name="Content Placeholder 2">
-            <a:extLst>
-              <a:ext uri="{FF2B5EF4-FFF2-40B4-BE49-F238E27FC236}">
-                <a16:creationId xmlns:a16="http://schemas.microsoft.com/office/drawing/2014/main" id="{9EF1E632-EB44-4712-B35B-CF93D4F2CB8A}"/>
-              </a:ext>
-            </a:extLst>
-          </p:cNvPr>
-          <p:cNvSpPr>
-            <a:spLocks noGrp="1"/>
-          </p:cNvSpPr>
-          <p:nvPr>
-            <p:ph idx="1"/>
-          </p:nvPr>
-        </p:nvSpPr>
-        <p:spPr>
-          <a:xfrm>
-            <a:off x="838200" y="1825624"/>
-            <a:ext cx="4853152" cy="4835479"/>
-          </a:xfrm>
-        </p:spPr>
-        <p:txBody>
-          <a:bodyPr>
-            <a:normAutofit/>
-          </a:bodyPr>
-          <a:lstStyle/>
-          <a:p>
-            <a:r>
-              <a:rPr lang="en-US" sz="3200" dirty="0"/>
-              <a:t>General form of a Class</a:t>
-            </a:r>
-            <a:r>
-              <a:rPr lang="en-US" sz="3200" dirty="0">
-                <a:solidFill>
-                  <a:schemeClr val="accent6"/>
-                </a:solidFill>
-              </a:rPr>
-              <a:t>:</a:t>
-            </a:r>
-            <a:endParaRPr lang="en-US" sz="2400" dirty="0">
-              <a:solidFill>
-                <a:schemeClr val="accent6"/>
-              </a:solidFill>
-            </a:endParaRPr>
-          </a:p>
-          <a:p>
-            <a:pPr lvl="1"/>
-            <a:r>
-              <a:rPr lang="en-US" sz="2800" dirty="0">
-                <a:solidFill>
-                  <a:srgbClr val="00FF00"/>
-                </a:solidFill>
-              </a:rPr>
-              <a:t>Class Name</a:t>
-            </a:r>
-          </a:p>
-          <a:p>
-            <a:pPr lvl="1"/>
-            <a:r>
-              <a:rPr lang="en-US" sz="2800" dirty="0">
-                <a:solidFill>
-                  <a:srgbClr val="FFD6AD"/>
-                </a:solidFill>
-              </a:rPr>
-              <a:t>Constructor</a:t>
-            </a:r>
-          </a:p>
-          <a:p>
-            <a:pPr lvl="1"/>
-            <a:r>
-              <a:rPr lang="en-US" sz="2800" dirty="0">
-                <a:solidFill>
-                  <a:srgbClr val="FF5050"/>
-                </a:solidFill>
-              </a:rPr>
-              <a:t>Methods</a:t>
-            </a:r>
-          </a:p>
-          <a:p>
-            <a:pPr lvl="1"/>
-            <a:endParaRPr lang="en-US" sz="2800" dirty="0">
-              <a:solidFill>
-                <a:schemeClr val="accent2"/>
-              </a:solidFill>
-            </a:endParaRPr>
-          </a:p>
-          <a:p>
-            <a:pPr lvl="1"/>
-            <a:endParaRPr lang="en-US" sz="2800" dirty="0">
-              <a:solidFill>
-                <a:schemeClr val="accent2"/>
-              </a:solidFill>
-            </a:endParaRPr>
-          </a:p>
-        </p:txBody>
-      </p:sp>
-    </p:spTree>
-    <p:extLst>
-      <p:ext uri="{BB962C8B-B14F-4D97-AF65-F5344CB8AC3E}">
-        <p14:creationId xmlns:p14="http://schemas.microsoft.com/office/powerpoint/2010/main" val="1495993242"/>
-      </p:ext>
-    </p:extLst>
-  </p:cSld>
-  <p:clrMapOvr>
-    <a:masterClrMapping/>
-  </p:clrMapOvr>
-</p:sld>
-</file>
-
 <file path=ppt/slides/slide17.xml><?xml version="1.0" encoding="utf-8"?>
 <p:sld xmlns:a="http://schemas.openxmlformats.org/drawingml/2006/main" xmlns:r="http://schemas.openxmlformats.org/officeDocument/2006/relationships" xmlns:p="http://schemas.openxmlformats.org/presentationml/2006/main">
   <p:cSld>
@@ -6877,276 +6740,10 @@
       </p:sp>
       <p:sp>
         <p:nvSpPr>
-          <p:cNvPr id="7" name="TextBox 6">
-            <a:extLst>
-              <a:ext uri="{FF2B5EF4-FFF2-40B4-BE49-F238E27FC236}">
-                <a16:creationId xmlns:a16="http://schemas.microsoft.com/office/drawing/2014/main" id="{237342F3-76AB-4231-93A5-33157B7514CA}"/>
-              </a:ext>
-            </a:extLst>
-          </p:cNvPr>
-          <p:cNvSpPr txBox="1"/>
-          <p:nvPr/>
-        </p:nvSpPr>
-        <p:spPr>
-          <a:xfrm>
-            <a:off x="263887" y="3042274"/>
-            <a:ext cx="4695516" cy="3539430"/>
-          </a:xfrm>
-          <a:prstGeom prst="rect">
-            <a:avLst/>
-          </a:prstGeom>
-          <a:noFill/>
-        </p:spPr>
-        <p:txBody>
-          <a:bodyPr wrap="none" rtlCol="0">
-            <a:spAutoFit/>
-          </a:bodyPr>
-          <a:lstStyle/>
-          <a:p>
-            <a:r>
-              <a:rPr lang="en-US" sz="2800" b="1" dirty="0">
-                <a:solidFill>
-                  <a:srgbClr val="00FF00"/>
-                </a:solidFill>
-                <a:latin typeface="Courier New" panose="02070309020205020404" pitchFamily="49" charset="0"/>
-                <a:cs typeface="Courier New" panose="02070309020205020404" pitchFamily="49" charset="0"/>
-              </a:rPr>
-              <a:t>alex = Turtle(</a:t>
-            </a:r>
-            <a:r>
-              <a:rPr lang="en-US" sz="2800" b="1" dirty="0">
-                <a:solidFill>
-                  <a:schemeClr val="accent2"/>
-                </a:solidFill>
-                <a:latin typeface="Courier New" panose="02070309020205020404" pitchFamily="49" charset="0"/>
-                <a:cs typeface="Courier New" panose="02070309020205020404" pitchFamily="49" charset="0"/>
-              </a:rPr>
-              <a:t>0</a:t>
-            </a:r>
-            <a:r>
-              <a:rPr lang="en-US" sz="2800" b="1" dirty="0">
-                <a:solidFill>
-                  <a:srgbClr val="00FF00"/>
-                </a:solidFill>
-                <a:latin typeface="Courier New" panose="02070309020205020404" pitchFamily="49" charset="0"/>
-                <a:cs typeface="Courier New" panose="02070309020205020404" pitchFamily="49" charset="0"/>
-              </a:rPr>
-              <a:t>, </a:t>
-            </a:r>
-            <a:r>
-              <a:rPr lang="en-US" sz="2800" b="1" dirty="0">
-                <a:solidFill>
-                  <a:schemeClr val="accent2"/>
-                </a:solidFill>
-                <a:latin typeface="Courier New" panose="02070309020205020404" pitchFamily="49" charset="0"/>
-                <a:cs typeface="Courier New" panose="02070309020205020404" pitchFamily="49" charset="0"/>
-              </a:rPr>
-              <a:t>0</a:t>
-            </a:r>
-            <a:r>
-              <a:rPr lang="en-US" sz="2800" b="1" dirty="0">
-                <a:solidFill>
-                  <a:srgbClr val="00FF00"/>
-                </a:solidFill>
-                <a:latin typeface="Courier New" panose="02070309020205020404" pitchFamily="49" charset="0"/>
-                <a:cs typeface="Courier New" panose="02070309020205020404" pitchFamily="49" charset="0"/>
-              </a:rPr>
-              <a:t>)</a:t>
-            </a:r>
-          </a:p>
-          <a:p>
-            <a:endParaRPr lang="en-US" sz="2800" b="1" dirty="0">
-              <a:solidFill>
-                <a:srgbClr val="00FF00"/>
-              </a:solidFill>
-              <a:latin typeface="Courier New" panose="02070309020205020404" pitchFamily="49" charset="0"/>
-              <a:cs typeface="Courier New" panose="02070309020205020404" pitchFamily="49" charset="0"/>
-            </a:endParaRPr>
-          </a:p>
-          <a:p>
-            <a:endParaRPr lang="en-US" sz="2800" b="1" dirty="0">
-              <a:solidFill>
-                <a:srgbClr val="00FF00"/>
-              </a:solidFill>
-              <a:latin typeface="Courier New" panose="02070309020205020404" pitchFamily="49" charset="0"/>
-              <a:cs typeface="Courier New" panose="02070309020205020404" pitchFamily="49" charset="0"/>
-            </a:endParaRPr>
-          </a:p>
-          <a:p>
-            <a:r>
-              <a:rPr lang="en-US" sz="2800" b="1" dirty="0">
-                <a:solidFill>
-                  <a:srgbClr val="00FF00"/>
-                </a:solidFill>
-                <a:latin typeface="Courier New" panose="02070309020205020404" pitchFamily="49" charset="0"/>
-                <a:cs typeface="Courier New" panose="02070309020205020404" pitchFamily="49" charset="0"/>
-              </a:rPr>
-              <a:t>alex.</a:t>
-            </a:r>
-            <a:r>
-              <a:rPr lang="en-US" sz="2800" b="1" dirty="0">
-                <a:solidFill>
-                  <a:schemeClr val="accent6"/>
-                </a:solidFill>
-                <a:latin typeface="Courier New" panose="02070309020205020404" pitchFamily="49" charset="0"/>
-                <a:cs typeface="Courier New" panose="02070309020205020404" pitchFamily="49" charset="0"/>
-              </a:rPr>
-              <a:t>up()           </a:t>
-            </a:r>
-          </a:p>
-          <a:p>
-            <a:r>
-              <a:rPr lang="en-US" sz="2800" b="1" dirty="0">
-                <a:solidFill>
-                  <a:srgbClr val="00FF00"/>
-                </a:solidFill>
-                <a:latin typeface="Courier New" panose="02070309020205020404" pitchFamily="49" charset="0"/>
-                <a:cs typeface="Courier New" panose="02070309020205020404" pitchFamily="49" charset="0"/>
-              </a:rPr>
-              <a:t>alex.</a:t>
-            </a:r>
-            <a:r>
-              <a:rPr lang="en-US" sz="2800" b="1" dirty="0">
-                <a:solidFill>
-                  <a:schemeClr val="accent6"/>
-                </a:solidFill>
-                <a:latin typeface="Courier New" panose="02070309020205020404" pitchFamily="49" charset="0"/>
-                <a:cs typeface="Courier New" panose="02070309020205020404" pitchFamily="49" charset="0"/>
-              </a:rPr>
-              <a:t>goto(</a:t>
-            </a:r>
-            <a:r>
-              <a:rPr lang="en-US" sz="2800" b="1" dirty="0">
-                <a:solidFill>
-                  <a:srgbClr val="00FF00"/>
-                </a:solidFill>
-                <a:latin typeface="Courier New" panose="02070309020205020404" pitchFamily="49" charset="0"/>
-                <a:cs typeface="Courier New" panose="02070309020205020404" pitchFamily="49" charset="0"/>
-              </a:rPr>
-              <a:t>-150, 100</a:t>
-            </a:r>
-            <a:r>
-              <a:rPr lang="en-US" sz="2800" b="1" dirty="0">
-                <a:solidFill>
-                  <a:schemeClr val="accent6"/>
-                </a:solidFill>
-                <a:latin typeface="Courier New" panose="02070309020205020404" pitchFamily="49" charset="0"/>
-                <a:cs typeface="Courier New" panose="02070309020205020404" pitchFamily="49" charset="0"/>
-              </a:rPr>
-              <a:t>)</a:t>
-            </a:r>
-          </a:p>
-          <a:p>
-            <a:r>
-              <a:rPr lang="en-US" sz="2800" b="1" dirty="0">
-                <a:solidFill>
-                  <a:srgbClr val="00FF00"/>
-                </a:solidFill>
-                <a:latin typeface="Courier New" panose="02070309020205020404" pitchFamily="49" charset="0"/>
-                <a:cs typeface="Courier New" panose="02070309020205020404" pitchFamily="49" charset="0"/>
-              </a:rPr>
-              <a:t>alex.</a:t>
-            </a:r>
-            <a:r>
-              <a:rPr lang="en-US" sz="2800" b="1" dirty="0">
-                <a:solidFill>
-                  <a:schemeClr val="accent6"/>
-                </a:solidFill>
-                <a:latin typeface="Courier New" panose="02070309020205020404" pitchFamily="49" charset="0"/>
-                <a:cs typeface="Courier New" panose="02070309020205020404" pitchFamily="49" charset="0"/>
-              </a:rPr>
-              <a:t>down()</a:t>
-            </a:r>
-          </a:p>
-          <a:p>
-            <a:endParaRPr lang="en-US" sz="2800" b="1" dirty="0">
-              <a:solidFill>
-                <a:schemeClr val="accent6"/>
-              </a:solidFill>
-              <a:latin typeface="Courier New" panose="02070309020205020404" pitchFamily="49" charset="0"/>
-              <a:cs typeface="Courier New" panose="02070309020205020404" pitchFamily="49" charset="0"/>
-            </a:endParaRPr>
-          </a:p>
-          <a:p>
-            <a:r>
-              <a:rPr lang="en-US" sz="2800" b="1" dirty="0">
-                <a:solidFill>
-                  <a:srgbClr val="00FF00"/>
-                </a:solidFill>
-                <a:latin typeface="Courier New" panose="02070309020205020404" pitchFamily="49" charset="0"/>
-                <a:cs typeface="Courier New" panose="02070309020205020404" pitchFamily="49" charset="0"/>
-              </a:rPr>
-              <a:t>print(alex.</a:t>
-            </a:r>
-            <a:r>
-              <a:rPr lang="en-US" sz="2800" b="1" dirty="0">
-                <a:solidFill>
-                  <a:schemeClr val="accent2"/>
-                </a:solidFill>
-                <a:latin typeface="Courier New" panose="02070309020205020404" pitchFamily="49" charset="0"/>
-                <a:cs typeface="Courier New" panose="02070309020205020404" pitchFamily="49" charset="0"/>
-              </a:rPr>
-              <a:t>x</a:t>
-            </a:r>
-            <a:r>
-              <a:rPr lang="en-US" sz="2800" b="1" dirty="0">
-                <a:solidFill>
-                  <a:srgbClr val="00FF00"/>
-                </a:solidFill>
-                <a:latin typeface="Courier New" panose="02070309020205020404" pitchFamily="49" charset="0"/>
-                <a:cs typeface="Courier New" panose="02070309020205020404" pitchFamily="49" charset="0"/>
-              </a:rPr>
-              <a:t>,</a:t>
-            </a:r>
-            <a:r>
-              <a:rPr lang="en-US" sz="2800" b="1" dirty="0">
-                <a:solidFill>
-                  <a:schemeClr val="accent6"/>
-                </a:solidFill>
-                <a:latin typeface="Courier New" panose="02070309020205020404" pitchFamily="49" charset="0"/>
-                <a:cs typeface="Courier New" panose="02070309020205020404" pitchFamily="49" charset="0"/>
-              </a:rPr>
-              <a:t> </a:t>
-            </a:r>
-            <a:r>
-              <a:rPr lang="en-US" sz="2800" b="1" dirty="0">
-                <a:solidFill>
-                  <a:srgbClr val="00FF00"/>
-                </a:solidFill>
-                <a:latin typeface="Courier New" panose="02070309020205020404" pitchFamily="49" charset="0"/>
-                <a:cs typeface="Courier New" panose="02070309020205020404" pitchFamily="49" charset="0"/>
-              </a:rPr>
-              <a:t>alex.</a:t>
-            </a:r>
-            <a:r>
-              <a:rPr lang="en-US" sz="2800" b="1" dirty="0">
-                <a:solidFill>
-                  <a:schemeClr val="accent2"/>
-                </a:solidFill>
-                <a:latin typeface="Courier New" panose="02070309020205020404" pitchFamily="49" charset="0"/>
-                <a:cs typeface="Courier New" panose="02070309020205020404" pitchFamily="49" charset="0"/>
-              </a:rPr>
-              <a:t>y</a:t>
-            </a:r>
-            <a:r>
-              <a:rPr lang="en-US" sz="2800" b="1" dirty="0">
-                <a:solidFill>
-                  <a:srgbClr val="00FF00"/>
-                </a:solidFill>
-                <a:latin typeface="Courier New" panose="02070309020205020404" pitchFamily="49" charset="0"/>
-                <a:cs typeface="Courier New" panose="02070309020205020404" pitchFamily="49" charset="0"/>
-              </a:rPr>
-              <a:t>)</a:t>
-            </a:r>
-          </a:p>
-        </p:txBody>
-      </p:sp>
-      <p:sp>
-        <p:nvSpPr>
-          <p:cNvPr id="8" name="TextBox 7">
-            <a:extLst>
-              <a:ext uri="{FF2B5EF4-FFF2-40B4-BE49-F238E27FC236}">
-                <a16:creationId xmlns:a16="http://schemas.microsoft.com/office/drawing/2014/main" id="{4F44D4F8-8898-4119-8855-0C4DDEF2FA56}"/>
+          <p:cNvPr id="6" name="TextBox 5">
+            <a:extLst>
+              <a:ext uri="{FF2B5EF4-FFF2-40B4-BE49-F238E27FC236}">
+                <a16:creationId xmlns:a16="http://schemas.microsoft.com/office/drawing/2014/main" id="{39366C13-2079-4185-B51B-0879CA12EDCA}"/>
               </a:ext>
             </a:extLst>
           </p:cNvPr>
@@ -7156,7 +6753,7 @@
         <p:spPr>
           <a:xfrm>
             <a:off x="5439206" y="727514"/>
-            <a:ext cx="6453894" cy="4401205"/>
+            <a:ext cx="6453894" cy="5016758"/>
           </a:xfrm>
           <a:prstGeom prst="rect">
             <a:avLst/>
@@ -7177,7 +6774,7 @@
                 <a:latin typeface="Courier New" panose="02070309020205020404" pitchFamily="49" charset="0"/>
                 <a:cs typeface="Courier New" panose="02070309020205020404" pitchFamily="49" charset="0"/>
               </a:rPr>
-              <a:t>class Turtle:</a:t>
+              <a:t>class Name:</a:t>
             </a:r>
           </a:p>
           <a:p>
@@ -7201,7 +6798,7 @@
                 <a:latin typeface="Courier New" panose="02070309020205020404" pitchFamily="49" charset="0"/>
                 <a:cs typeface="Courier New" panose="02070309020205020404" pitchFamily="49" charset="0"/>
               </a:rPr>
-              <a:t>   def __init__(self, x, y):</a:t>
+              <a:t>   def __init__(self, param1, param2, …):</a:t>
             </a:r>
           </a:p>
           <a:p>
@@ -7213,7 +6810,7 @@
                 <a:latin typeface="Courier New" panose="02070309020205020404" pitchFamily="49" charset="0"/>
                 <a:cs typeface="Courier New" panose="02070309020205020404" pitchFamily="49" charset="0"/>
               </a:rPr>
-              <a:t>      self.x = x</a:t>
+              <a:t>      self.param1 = param1</a:t>
             </a:r>
           </a:p>
           <a:p>
@@ -7225,7 +6822,7 @@
                 <a:latin typeface="Courier New" panose="02070309020205020404" pitchFamily="49" charset="0"/>
                 <a:cs typeface="Courier New" panose="02070309020205020404" pitchFamily="49" charset="0"/>
               </a:rPr>
-              <a:t>	self.y = y</a:t>
+              <a:t>	self.param2 = param2</a:t>
             </a:r>
           </a:p>
           <a:p>
@@ -7237,8 +6834,22 @@
                 <a:latin typeface="Courier New" panose="02070309020205020404" pitchFamily="49" charset="0"/>
                 <a:cs typeface="Courier New" panose="02070309020205020404" pitchFamily="49" charset="0"/>
               </a:rPr>
-              <a:t>	</a:t>
-            </a:r>
+              <a:t>	…</a:t>
+            </a:r>
+          </a:p>
+          <a:p>
+            <a:r>
+              <a:rPr lang="en-US" sz="2000" b="1" dirty="0">
+                <a:solidFill>
+                  <a:srgbClr val="FFD6AD"/>
+                </a:solidFill>
+                <a:latin typeface="Courier New" panose="02070309020205020404" pitchFamily="49" charset="0"/>
+                <a:cs typeface="Courier New" panose="02070309020205020404" pitchFamily="49" charset="0"/>
+              </a:rPr>
+              <a:t>      body</a:t>
+            </a:r>
+          </a:p>
+          <a:p>
             <a:endParaRPr lang="en-US" sz="2000" b="1" dirty="0">
               <a:solidFill>
                 <a:srgbClr val="00FF00"/>
@@ -7266,7 +6877,7 @@
                 <a:latin typeface="Courier New" panose="02070309020205020404" pitchFamily="49" charset="0"/>
                 <a:cs typeface="Courier New" panose="02070309020205020404" pitchFamily="49" charset="0"/>
               </a:rPr>
-              <a:t>def up(self):</a:t>
+              <a:t>def method1(self, parameters):</a:t>
             </a:r>
           </a:p>
           <a:p>
@@ -7299,7 +6910,7 @@
                 <a:latin typeface="Courier New" panose="02070309020205020404" pitchFamily="49" charset="0"/>
                 <a:cs typeface="Courier New" panose="02070309020205020404" pitchFamily="49" charset="0"/>
               </a:rPr>
-              <a:t>   def goto(self, x, y):</a:t>
+              <a:t>   def method2(self, parameters):</a:t>
             </a:r>
           </a:p>
           <a:p>
@@ -7332,7 +6943,7 @@
                 <a:latin typeface="Courier New" panose="02070309020205020404" pitchFamily="49" charset="0"/>
                 <a:cs typeface="Courier New" panose="02070309020205020404" pitchFamily="49" charset="0"/>
               </a:rPr>
-              <a:t>   def down():</a:t>
+              <a:t>   def method3(self, parameters):</a:t>
             </a:r>
           </a:p>
           <a:p>
@@ -7349,57 +6960,107 @@
           </a:p>
         </p:txBody>
       </p:sp>
-      <p:pic>
-        <p:nvPicPr>
-          <p:cNvPr id="9" name="Picture 4" descr="Turtle Icon | Flat Animal Iconset | Martin Berube">
-            <a:extLst>
-              <a:ext uri="{FF2B5EF4-FFF2-40B4-BE49-F238E27FC236}">
-                <a16:creationId xmlns:a16="http://schemas.microsoft.com/office/drawing/2014/main" id="{AF327F94-8753-4212-8602-FAA2129C061A}"/>
-              </a:ext>
-            </a:extLst>
-          </p:cNvPr>
-          <p:cNvPicPr>
-            <a:picLocks noChangeAspect="1" noChangeArrowheads="1"/>
-          </p:cNvPicPr>
-          <p:nvPr/>
-        </p:nvPicPr>
-        <p:blipFill>
-          <a:blip r:embed="rId2">
-            <a:extLst>
-              <a:ext uri="{28A0092B-C50C-407E-A947-70E740481C1C}">
-                <a14:useLocalDpi xmlns:a14="http://schemas.microsoft.com/office/drawing/2010/main" val="0"/>
-              </a:ext>
-            </a:extLst>
-          </a:blip>
-          <a:srcRect/>
-          <a:stretch>
-            <a:fillRect/>
-          </a:stretch>
-        </p:blipFill>
-        <p:spPr bwMode="auto">
+      <p:sp>
+        <p:nvSpPr>
+          <p:cNvPr id="8" name="Content Placeholder 2">
+            <a:extLst>
+              <a:ext uri="{FF2B5EF4-FFF2-40B4-BE49-F238E27FC236}">
+                <a16:creationId xmlns:a16="http://schemas.microsoft.com/office/drawing/2014/main" id="{9EF1E632-EB44-4712-B35B-CF93D4F2CB8A}"/>
+              </a:ext>
+            </a:extLst>
+          </p:cNvPr>
+          <p:cNvSpPr>
+            <a:spLocks noGrp="1"/>
+          </p:cNvSpPr>
+          <p:nvPr>
+            <p:ph idx="1"/>
+          </p:nvPr>
+        </p:nvSpPr>
+        <p:spPr>
           <a:xfrm>
-            <a:off x="207435" y="1200950"/>
-            <a:ext cx="2109796" cy="2109796"/>
+            <a:off x="838200" y="1825624"/>
+            <a:ext cx="4853152" cy="4835479"/>
           </a:xfrm>
-          <a:prstGeom prst="rect">
-            <a:avLst/>
-          </a:prstGeom>
-          <a:noFill/>
-          <a:extLst>
-            <a:ext uri="{909E8E84-426E-40DD-AFC4-6F175D3DCCD1}">
-              <a14:hiddenFill xmlns:a14="http://schemas.microsoft.com/office/drawing/2010/main">
-                <a:solidFill>
-                  <a:srgbClr val="FFFFFF"/>
-                </a:solidFill>
-              </a14:hiddenFill>
-            </a:ext>
-          </a:extLst>
         </p:spPr>
-      </p:pic>
+        <p:txBody>
+          <a:bodyPr>
+            <a:normAutofit/>
+          </a:bodyPr>
+          <a:lstStyle/>
+          <a:p>
+            <a:r>
+              <a:rPr lang="en-US" sz="3200" dirty="0"/>
+              <a:t>General form of a Class</a:t>
+            </a:r>
+            <a:r>
+              <a:rPr lang="en-US" sz="3200" dirty="0">
+                <a:solidFill>
+                  <a:schemeClr val="accent6"/>
+                </a:solidFill>
+              </a:rPr>
+              <a:t>:</a:t>
+            </a:r>
+            <a:endParaRPr lang="en-US" sz="2400" dirty="0">
+              <a:solidFill>
+                <a:schemeClr val="accent6"/>
+              </a:solidFill>
+            </a:endParaRPr>
+          </a:p>
+          <a:p>
+            <a:pPr lvl="1"/>
+            <a:r>
+              <a:rPr lang="en-US" sz="2800" dirty="0">
+                <a:solidFill>
+                  <a:srgbClr val="00FF00"/>
+                </a:solidFill>
+              </a:rPr>
+              <a:t>Class Name</a:t>
+            </a:r>
+          </a:p>
+          <a:p>
+            <a:pPr lvl="1"/>
+            <a:r>
+              <a:rPr lang="en-US" sz="2800" dirty="0">
+                <a:solidFill>
+                  <a:srgbClr val="FFD6AD"/>
+                </a:solidFill>
+              </a:rPr>
+              <a:t>Constructor</a:t>
+            </a:r>
+          </a:p>
+          <a:p>
+            <a:pPr lvl="1"/>
+            <a:r>
+              <a:rPr lang="en-US" sz="2800" dirty="0">
+                <a:solidFill>
+                  <a:srgbClr val="FF5050"/>
+                </a:solidFill>
+              </a:rPr>
+              <a:t>Methods</a:t>
+            </a:r>
+          </a:p>
+          <a:p>
+            <a:pPr lvl="1"/>
+            <a:endParaRPr lang="en-US" sz="2800" dirty="0">
+              <a:solidFill>
+                <a:schemeClr val="accent2"/>
+              </a:solidFill>
+            </a:endParaRPr>
+          </a:p>
+          <a:p>
+            <a:pPr lvl="1"/>
+            <a:endParaRPr lang="en-US" sz="2800" dirty="0">
+              <a:solidFill>
+                <a:schemeClr val="accent2"/>
+              </a:solidFill>
+            </a:endParaRPr>
+          </a:p>
+        </p:txBody>
+      </p:sp>
     </p:spTree>
     <p:extLst>
       <p:ext uri="{BB962C8B-B14F-4D97-AF65-F5344CB8AC3E}">
-        <p14:creationId xmlns:p14="http://schemas.microsoft.com/office/powerpoint/2010/main" val="577522275"/>
+        <p14:creationId xmlns:p14="http://schemas.microsoft.com/office/powerpoint/2010/main" val="1495993242"/>
       </p:ext>
     </p:extLst>
   </p:cSld>
@@ -7458,6 +7119,5071 @@
       </p:sp>
       <p:sp>
         <p:nvSpPr>
+          <p:cNvPr id="7" name="TextBox 6">
+            <a:extLst>
+              <a:ext uri="{FF2B5EF4-FFF2-40B4-BE49-F238E27FC236}">
+                <a16:creationId xmlns:a16="http://schemas.microsoft.com/office/drawing/2014/main" id="{237342F3-76AB-4231-93A5-33157B7514CA}"/>
+              </a:ext>
+            </a:extLst>
+          </p:cNvPr>
+          <p:cNvSpPr txBox="1"/>
+          <p:nvPr/>
+        </p:nvSpPr>
+        <p:spPr>
+          <a:xfrm>
+            <a:off x="263887" y="3042274"/>
+            <a:ext cx="4695516" cy="3539430"/>
+          </a:xfrm>
+          <a:prstGeom prst="rect">
+            <a:avLst/>
+          </a:prstGeom>
+          <a:noFill/>
+        </p:spPr>
+        <p:txBody>
+          <a:bodyPr wrap="none" rtlCol="0">
+            <a:spAutoFit/>
+          </a:bodyPr>
+          <a:lstStyle/>
+          <a:p>
+            <a:r>
+              <a:rPr lang="en-US" sz="2800" b="1" dirty="0">
+                <a:solidFill>
+                  <a:srgbClr val="00FF00"/>
+                </a:solidFill>
+                <a:latin typeface="Courier New" panose="02070309020205020404" pitchFamily="49" charset="0"/>
+                <a:cs typeface="Courier New" panose="02070309020205020404" pitchFamily="49" charset="0"/>
+              </a:rPr>
+              <a:t>alex = Turtle(</a:t>
+            </a:r>
+            <a:r>
+              <a:rPr lang="en-US" sz="2800" b="1" dirty="0">
+                <a:solidFill>
+                  <a:schemeClr val="accent2"/>
+                </a:solidFill>
+                <a:latin typeface="Courier New" panose="02070309020205020404" pitchFamily="49" charset="0"/>
+                <a:cs typeface="Courier New" panose="02070309020205020404" pitchFamily="49" charset="0"/>
+              </a:rPr>
+              <a:t>0</a:t>
+            </a:r>
+            <a:r>
+              <a:rPr lang="en-US" sz="2800" b="1" dirty="0">
+                <a:solidFill>
+                  <a:srgbClr val="00FF00"/>
+                </a:solidFill>
+                <a:latin typeface="Courier New" panose="02070309020205020404" pitchFamily="49" charset="0"/>
+                <a:cs typeface="Courier New" panose="02070309020205020404" pitchFamily="49" charset="0"/>
+              </a:rPr>
+              <a:t>, </a:t>
+            </a:r>
+            <a:r>
+              <a:rPr lang="en-US" sz="2800" b="1" dirty="0">
+                <a:solidFill>
+                  <a:schemeClr val="accent2"/>
+                </a:solidFill>
+                <a:latin typeface="Courier New" panose="02070309020205020404" pitchFamily="49" charset="0"/>
+                <a:cs typeface="Courier New" panose="02070309020205020404" pitchFamily="49" charset="0"/>
+              </a:rPr>
+              <a:t>0</a:t>
+            </a:r>
+            <a:r>
+              <a:rPr lang="en-US" sz="2800" b="1" dirty="0">
+                <a:solidFill>
+                  <a:srgbClr val="00FF00"/>
+                </a:solidFill>
+                <a:latin typeface="Courier New" panose="02070309020205020404" pitchFamily="49" charset="0"/>
+                <a:cs typeface="Courier New" panose="02070309020205020404" pitchFamily="49" charset="0"/>
+              </a:rPr>
+              <a:t>)</a:t>
+            </a:r>
+          </a:p>
+          <a:p>
+            <a:endParaRPr lang="en-US" sz="2800" b="1" dirty="0">
+              <a:solidFill>
+                <a:srgbClr val="00FF00"/>
+              </a:solidFill>
+              <a:latin typeface="Courier New" panose="02070309020205020404" pitchFamily="49" charset="0"/>
+              <a:cs typeface="Courier New" panose="02070309020205020404" pitchFamily="49" charset="0"/>
+            </a:endParaRPr>
+          </a:p>
+          <a:p>
+            <a:endParaRPr lang="en-US" sz="2800" b="1" dirty="0">
+              <a:solidFill>
+                <a:srgbClr val="00FF00"/>
+              </a:solidFill>
+              <a:latin typeface="Courier New" panose="02070309020205020404" pitchFamily="49" charset="0"/>
+              <a:cs typeface="Courier New" panose="02070309020205020404" pitchFamily="49" charset="0"/>
+            </a:endParaRPr>
+          </a:p>
+          <a:p>
+            <a:r>
+              <a:rPr lang="en-US" sz="2800" b="1" dirty="0">
+                <a:solidFill>
+                  <a:srgbClr val="00FF00"/>
+                </a:solidFill>
+                <a:latin typeface="Courier New" panose="02070309020205020404" pitchFamily="49" charset="0"/>
+                <a:cs typeface="Courier New" panose="02070309020205020404" pitchFamily="49" charset="0"/>
+              </a:rPr>
+              <a:t>alex.</a:t>
+            </a:r>
+            <a:r>
+              <a:rPr lang="en-US" sz="2800" b="1" dirty="0">
+                <a:solidFill>
+                  <a:schemeClr val="accent6"/>
+                </a:solidFill>
+                <a:latin typeface="Courier New" panose="02070309020205020404" pitchFamily="49" charset="0"/>
+                <a:cs typeface="Courier New" panose="02070309020205020404" pitchFamily="49" charset="0"/>
+              </a:rPr>
+              <a:t>up()           </a:t>
+            </a:r>
+          </a:p>
+          <a:p>
+            <a:r>
+              <a:rPr lang="en-US" sz="2800" b="1" dirty="0">
+                <a:solidFill>
+                  <a:srgbClr val="00FF00"/>
+                </a:solidFill>
+                <a:latin typeface="Courier New" panose="02070309020205020404" pitchFamily="49" charset="0"/>
+                <a:cs typeface="Courier New" panose="02070309020205020404" pitchFamily="49" charset="0"/>
+              </a:rPr>
+              <a:t>alex.</a:t>
+            </a:r>
+            <a:r>
+              <a:rPr lang="en-US" sz="2800" b="1" dirty="0">
+                <a:solidFill>
+                  <a:schemeClr val="accent6"/>
+                </a:solidFill>
+                <a:latin typeface="Courier New" panose="02070309020205020404" pitchFamily="49" charset="0"/>
+                <a:cs typeface="Courier New" panose="02070309020205020404" pitchFamily="49" charset="0"/>
+              </a:rPr>
+              <a:t>goto(</a:t>
+            </a:r>
+            <a:r>
+              <a:rPr lang="en-US" sz="2800" b="1" dirty="0">
+                <a:solidFill>
+                  <a:srgbClr val="00FF00"/>
+                </a:solidFill>
+                <a:latin typeface="Courier New" panose="02070309020205020404" pitchFamily="49" charset="0"/>
+                <a:cs typeface="Courier New" panose="02070309020205020404" pitchFamily="49" charset="0"/>
+              </a:rPr>
+              <a:t>-150, 100</a:t>
+            </a:r>
+            <a:r>
+              <a:rPr lang="en-US" sz="2800" b="1" dirty="0">
+                <a:solidFill>
+                  <a:schemeClr val="accent6"/>
+                </a:solidFill>
+                <a:latin typeface="Courier New" panose="02070309020205020404" pitchFamily="49" charset="0"/>
+                <a:cs typeface="Courier New" panose="02070309020205020404" pitchFamily="49" charset="0"/>
+              </a:rPr>
+              <a:t>)</a:t>
+            </a:r>
+          </a:p>
+          <a:p>
+            <a:r>
+              <a:rPr lang="en-US" sz="2800" b="1" dirty="0">
+                <a:solidFill>
+                  <a:srgbClr val="00FF00"/>
+                </a:solidFill>
+                <a:latin typeface="Courier New" panose="02070309020205020404" pitchFamily="49" charset="0"/>
+                <a:cs typeface="Courier New" panose="02070309020205020404" pitchFamily="49" charset="0"/>
+              </a:rPr>
+              <a:t>alex.</a:t>
+            </a:r>
+            <a:r>
+              <a:rPr lang="en-US" sz="2800" b="1" dirty="0">
+                <a:solidFill>
+                  <a:schemeClr val="accent6"/>
+                </a:solidFill>
+                <a:latin typeface="Courier New" panose="02070309020205020404" pitchFamily="49" charset="0"/>
+                <a:cs typeface="Courier New" panose="02070309020205020404" pitchFamily="49" charset="0"/>
+              </a:rPr>
+              <a:t>down()</a:t>
+            </a:r>
+          </a:p>
+          <a:p>
+            <a:endParaRPr lang="en-US" sz="2800" b="1" dirty="0">
+              <a:solidFill>
+                <a:schemeClr val="accent6"/>
+              </a:solidFill>
+              <a:latin typeface="Courier New" panose="02070309020205020404" pitchFamily="49" charset="0"/>
+              <a:cs typeface="Courier New" panose="02070309020205020404" pitchFamily="49" charset="0"/>
+            </a:endParaRPr>
+          </a:p>
+          <a:p>
+            <a:r>
+              <a:rPr lang="en-US" sz="2800" b="1" dirty="0">
+                <a:solidFill>
+                  <a:srgbClr val="00FF00"/>
+                </a:solidFill>
+                <a:latin typeface="Courier New" panose="02070309020205020404" pitchFamily="49" charset="0"/>
+                <a:cs typeface="Courier New" panose="02070309020205020404" pitchFamily="49" charset="0"/>
+              </a:rPr>
+              <a:t>print(alex.</a:t>
+            </a:r>
+            <a:r>
+              <a:rPr lang="en-US" sz="2800" b="1" dirty="0">
+                <a:solidFill>
+                  <a:schemeClr val="accent2"/>
+                </a:solidFill>
+                <a:latin typeface="Courier New" panose="02070309020205020404" pitchFamily="49" charset="0"/>
+                <a:cs typeface="Courier New" panose="02070309020205020404" pitchFamily="49" charset="0"/>
+              </a:rPr>
+              <a:t>x</a:t>
+            </a:r>
+            <a:r>
+              <a:rPr lang="en-US" sz="2800" b="1" dirty="0">
+                <a:solidFill>
+                  <a:srgbClr val="00FF00"/>
+                </a:solidFill>
+                <a:latin typeface="Courier New" panose="02070309020205020404" pitchFamily="49" charset="0"/>
+                <a:cs typeface="Courier New" panose="02070309020205020404" pitchFamily="49" charset="0"/>
+              </a:rPr>
+              <a:t>,</a:t>
+            </a:r>
+            <a:r>
+              <a:rPr lang="en-US" sz="2800" b="1" dirty="0">
+                <a:solidFill>
+                  <a:schemeClr val="accent6"/>
+                </a:solidFill>
+                <a:latin typeface="Courier New" panose="02070309020205020404" pitchFamily="49" charset="0"/>
+                <a:cs typeface="Courier New" panose="02070309020205020404" pitchFamily="49" charset="0"/>
+              </a:rPr>
+              <a:t> </a:t>
+            </a:r>
+            <a:r>
+              <a:rPr lang="en-US" sz="2800" b="1" dirty="0">
+                <a:solidFill>
+                  <a:srgbClr val="00FF00"/>
+                </a:solidFill>
+                <a:latin typeface="Courier New" panose="02070309020205020404" pitchFamily="49" charset="0"/>
+                <a:cs typeface="Courier New" panose="02070309020205020404" pitchFamily="49" charset="0"/>
+              </a:rPr>
+              <a:t>alex.</a:t>
+            </a:r>
+            <a:r>
+              <a:rPr lang="en-US" sz="2800" b="1" dirty="0">
+                <a:solidFill>
+                  <a:schemeClr val="accent2"/>
+                </a:solidFill>
+                <a:latin typeface="Courier New" panose="02070309020205020404" pitchFamily="49" charset="0"/>
+                <a:cs typeface="Courier New" panose="02070309020205020404" pitchFamily="49" charset="0"/>
+              </a:rPr>
+              <a:t>y</a:t>
+            </a:r>
+            <a:r>
+              <a:rPr lang="en-US" sz="2800" b="1" dirty="0">
+                <a:solidFill>
+                  <a:srgbClr val="00FF00"/>
+                </a:solidFill>
+                <a:latin typeface="Courier New" panose="02070309020205020404" pitchFamily="49" charset="0"/>
+                <a:cs typeface="Courier New" panose="02070309020205020404" pitchFamily="49" charset="0"/>
+              </a:rPr>
+              <a:t>)</a:t>
+            </a:r>
+          </a:p>
+        </p:txBody>
+      </p:sp>
+      <p:sp>
+        <p:nvSpPr>
+          <p:cNvPr id="8" name="TextBox 7">
+            <a:extLst>
+              <a:ext uri="{FF2B5EF4-FFF2-40B4-BE49-F238E27FC236}">
+                <a16:creationId xmlns:a16="http://schemas.microsoft.com/office/drawing/2014/main" id="{4F44D4F8-8898-4119-8855-0C4DDEF2FA56}"/>
+              </a:ext>
+            </a:extLst>
+          </p:cNvPr>
+          <p:cNvSpPr txBox="1"/>
+          <p:nvPr/>
+        </p:nvSpPr>
+        <p:spPr>
+          <a:xfrm>
+            <a:off x="5439206" y="727514"/>
+            <a:ext cx="6453894" cy="4401205"/>
+          </a:xfrm>
+          <a:prstGeom prst="rect">
+            <a:avLst/>
+          </a:prstGeom>
+          <a:noFill/>
+        </p:spPr>
+        <p:txBody>
+          <a:bodyPr wrap="square" rtlCol="0">
+            <a:spAutoFit/>
+          </a:bodyPr>
+          <a:lstStyle/>
+          <a:p>
+            <a:r>
+              <a:rPr lang="en-US" sz="2000" b="1" dirty="0">
+                <a:solidFill>
+                  <a:srgbClr val="00FF00"/>
+                </a:solidFill>
+                <a:latin typeface="Courier New" panose="02070309020205020404" pitchFamily="49" charset="0"/>
+                <a:cs typeface="Courier New" panose="02070309020205020404" pitchFamily="49" charset="0"/>
+              </a:rPr>
+              <a:t>class Turtle:</a:t>
+            </a:r>
+          </a:p>
+          <a:p>
+            <a:r>
+              <a:rPr lang="en-US" sz="2000" b="1" dirty="0">
+                <a:solidFill>
+                  <a:srgbClr val="00FF00"/>
+                </a:solidFill>
+                <a:latin typeface="Courier New" panose="02070309020205020404" pitchFamily="49" charset="0"/>
+                <a:cs typeface="Courier New" panose="02070309020205020404" pitchFamily="49" charset="0"/>
+              </a:rPr>
+              <a:t>   </a:t>
+            </a:r>
+          </a:p>
+          <a:p>
+            <a:r>
+              <a:rPr lang="en-US" sz="2000" b="1" dirty="0">
+                <a:solidFill>
+                  <a:srgbClr val="FFD6AD"/>
+                </a:solidFill>
+                <a:latin typeface="Courier New" panose="02070309020205020404" pitchFamily="49" charset="0"/>
+                <a:cs typeface="Courier New" panose="02070309020205020404" pitchFamily="49" charset="0"/>
+              </a:rPr>
+              <a:t>   def __init__(self, x, y):</a:t>
+            </a:r>
+          </a:p>
+          <a:p>
+            <a:r>
+              <a:rPr lang="en-US" sz="2000" b="1" dirty="0">
+                <a:solidFill>
+                  <a:srgbClr val="FFD6AD"/>
+                </a:solidFill>
+                <a:latin typeface="Courier New" panose="02070309020205020404" pitchFamily="49" charset="0"/>
+                <a:cs typeface="Courier New" panose="02070309020205020404" pitchFamily="49" charset="0"/>
+              </a:rPr>
+              <a:t>      self.x = x</a:t>
+            </a:r>
+          </a:p>
+          <a:p>
+            <a:r>
+              <a:rPr lang="en-US" sz="2000" b="1" dirty="0">
+                <a:solidFill>
+                  <a:srgbClr val="FFD6AD"/>
+                </a:solidFill>
+                <a:latin typeface="Courier New" panose="02070309020205020404" pitchFamily="49" charset="0"/>
+                <a:cs typeface="Courier New" panose="02070309020205020404" pitchFamily="49" charset="0"/>
+              </a:rPr>
+              <a:t>	self.y = y</a:t>
+            </a:r>
+          </a:p>
+          <a:p>
+            <a:r>
+              <a:rPr lang="en-US" sz="2000" b="1" dirty="0">
+                <a:solidFill>
+                  <a:srgbClr val="FFD6AD"/>
+                </a:solidFill>
+                <a:latin typeface="Courier New" panose="02070309020205020404" pitchFamily="49" charset="0"/>
+                <a:cs typeface="Courier New" panose="02070309020205020404" pitchFamily="49" charset="0"/>
+              </a:rPr>
+              <a:t>	</a:t>
+            </a:r>
+            <a:endParaRPr lang="en-US" sz="2000" b="1" dirty="0">
+              <a:solidFill>
+                <a:srgbClr val="00FF00"/>
+              </a:solidFill>
+              <a:latin typeface="Courier New" panose="02070309020205020404" pitchFamily="49" charset="0"/>
+              <a:cs typeface="Courier New" panose="02070309020205020404" pitchFamily="49" charset="0"/>
+            </a:endParaRPr>
+          </a:p>
+          <a:p>
+            <a:r>
+              <a:rPr lang="en-US" sz="2000" b="1" dirty="0">
+                <a:solidFill>
+                  <a:srgbClr val="00FF00"/>
+                </a:solidFill>
+                <a:latin typeface="Courier New" panose="02070309020205020404" pitchFamily="49" charset="0"/>
+                <a:cs typeface="Courier New" panose="02070309020205020404" pitchFamily="49" charset="0"/>
+              </a:rPr>
+              <a:t>   </a:t>
+            </a:r>
+            <a:r>
+              <a:rPr lang="en-US" sz="2000" b="1" dirty="0">
+                <a:solidFill>
+                  <a:srgbClr val="FF5050"/>
+                </a:solidFill>
+                <a:latin typeface="Courier New" panose="02070309020205020404" pitchFamily="49" charset="0"/>
+                <a:cs typeface="Courier New" panose="02070309020205020404" pitchFamily="49" charset="0"/>
+              </a:rPr>
+              <a:t>def up(self):</a:t>
+            </a:r>
+          </a:p>
+          <a:p>
+            <a:r>
+              <a:rPr lang="en-US" sz="2000" b="1" dirty="0">
+                <a:solidFill>
+                  <a:srgbClr val="FF5050"/>
+                </a:solidFill>
+                <a:latin typeface="Courier New" panose="02070309020205020404" pitchFamily="49" charset="0"/>
+                <a:cs typeface="Courier New" panose="02070309020205020404" pitchFamily="49" charset="0"/>
+              </a:rPr>
+              <a:t>      body</a:t>
+            </a:r>
+          </a:p>
+          <a:p>
+            <a:endParaRPr lang="en-US" sz="2000" b="1" dirty="0">
+              <a:solidFill>
+                <a:srgbClr val="FF5050"/>
+              </a:solidFill>
+              <a:latin typeface="Courier New" panose="02070309020205020404" pitchFamily="49" charset="0"/>
+              <a:cs typeface="Courier New" panose="02070309020205020404" pitchFamily="49" charset="0"/>
+            </a:endParaRPr>
+          </a:p>
+          <a:p>
+            <a:r>
+              <a:rPr lang="en-US" sz="2000" b="1" dirty="0">
+                <a:solidFill>
+                  <a:srgbClr val="FF5050"/>
+                </a:solidFill>
+                <a:latin typeface="Courier New" panose="02070309020205020404" pitchFamily="49" charset="0"/>
+                <a:cs typeface="Courier New" panose="02070309020205020404" pitchFamily="49" charset="0"/>
+              </a:rPr>
+              <a:t>   def goto(self, x, y):</a:t>
+            </a:r>
+          </a:p>
+          <a:p>
+            <a:r>
+              <a:rPr lang="en-US" sz="2000" b="1" dirty="0">
+                <a:solidFill>
+                  <a:srgbClr val="FF5050"/>
+                </a:solidFill>
+                <a:latin typeface="Courier New" panose="02070309020205020404" pitchFamily="49" charset="0"/>
+                <a:cs typeface="Courier New" panose="02070309020205020404" pitchFamily="49" charset="0"/>
+              </a:rPr>
+              <a:t>      body</a:t>
+            </a:r>
+          </a:p>
+          <a:p>
+            <a:endParaRPr lang="en-US" sz="2000" b="1" dirty="0">
+              <a:solidFill>
+                <a:srgbClr val="FF5050"/>
+              </a:solidFill>
+              <a:latin typeface="Courier New" panose="02070309020205020404" pitchFamily="49" charset="0"/>
+              <a:cs typeface="Courier New" panose="02070309020205020404" pitchFamily="49" charset="0"/>
+            </a:endParaRPr>
+          </a:p>
+          <a:p>
+            <a:r>
+              <a:rPr lang="en-US" sz="2000" b="1" dirty="0">
+                <a:solidFill>
+                  <a:srgbClr val="FF5050"/>
+                </a:solidFill>
+                <a:latin typeface="Courier New" panose="02070309020205020404" pitchFamily="49" charset="0"/>
+                <a:cs typeface="Courier New" panose="02070309020205020404" pitchFamily="49" charset="0"/>
+              </a:rPr>
+              <a:t>   def down():</a:t>
+            </a:r>
+          </a:p>
+          <a:p>
+            <a:r>
+              <a:rPr lang="en-US" sz="2000" b="1" dirty="0">
+                <a:solidFill>
+                  <a:srgbClr val="FF5050"/>
+                </a:solidFill>
+                <a:latin typeface="Courier New" panose="02070309020205020404" pitchFamily="49" charset="0"/>
+                <a:cs typeface="Courier New" panose="02070309020205020404" pitchFamily="49" charset="0"/>
+              </a:rPr>
+              <a:t>      body</a:t>
+            </a:r>
+          </a:p>
+        </p:txBody>
+      </p:sp>
+      <p:pic>
+        <p:nvPicPr>
+          <p:cNvPr id="9" name="Picture 4" descr="Turtle Icon | Flat Animal Iconset | Martin Berube">
+            <a:extLst>
+              <a:ext uri="{FF2B5EF4-FFF2-40B4-BE49-F238E27FC236}">
+                <a16:creationId xmlns:a16="http://schemas.microsoft.com/office/drawing/2014/main" id="{AF327F94-8753-4212-8602-FAA2129C061A}"/>
+              </a:ext>
+            </a:extLst>
+          </p:cNvPr>
+          <p:cNvPicPr>
+            <a:picLocks noChangeAspect="1" noChangeArrowheads="1"/>
+          </p:cNvPicPr>
+          <p:nvPr/>
+        </p:nvPicPr>
+        <p:blipFill>
+          <a:blip r:embed="rId2">
+            <a:extLst>
+              <a:ext uri="{28A0092B-C50C-407E-A947-70E740481C1C}">
+                <a14:useLocalDpi xmlns:a14="http://schemas.microsoft.com/office/drawing/2010/main" val="0"/>
+              </a:ext>
+            </a:extLst>
+          </a:blip>
+          <a:srcRect/>
+          <a:stretch>
+            <a:fillRect/>
+          </a:stretch>
+        </p:blipFill>
+        <p:spPr bwMode="auto">
+          <a:xfrm>
+            <a:off x="207435" y="1200950"/>
+            <a:ext cx="2109796" cy="2109796"/>
+          </a:xfrm>
+          <a:prstGeom prst="rect">
+            <a:avLst/>
+          </a:prstGeom>
+          <a:noFill/>
+          <a:extLst>
+            <a:ext uri="{909E8E84-426E-40DD-AFC4-6F175D3DCCD1}">
+              <a14:hiddenFill xmlns:a14="http://schemas.microsoft.com/office/drawing/2010/main">
+                <a:solidFill>
+                  <a:srgbClr val="FFFFFF"/>
+                </a:solidFill>
+              </a14:hiddenFill>
+            </a:ext>
+          </a:extLst>
+        </p:spPr>
+      </p:pic>
+    </p:spTree>
+    <p:extLst>
+      <p:ext uri="{BB962C8B-B14F-4D97-AF65-F5344CB8AC3E}">
+        <p14:creationId xmlns:p14="http://schemas.microsoft.com/office/powerpoint/2010/main" val="577522275"/>
+      </p:ext>
+    </p:extLst>
+  </p:cSld>
+  <p:clrMapOvr>
+    <a:masterClrMapping/>
+  </p:clrMapOvr>
+</p:sld>
+</file>
+
+<file path=ppt/slides/slide19.xml><?xml version="1.0" encoding="utf-8"?>
+<p:sld xmlns:a="http://schemas.openxmlformats.org/drawingml/2006/main" xmlns:r="http://schemas.openxmlformats.org/officeDocument/2006/relationships" xmlns:p="http://schemas.openxmlformats.org/presentationml/2006/main">
+  <p:cSld>
+    <p:spTree>
+      <p:nvGrpSpPr>
+        <p:cNvPr id="1" name=""/>
+        <p:cNvGrpSpPr/>
+        <p:nvPr/>
+      </p:nvGrpSpPr>
+      <p:grpSpPr>
+        <a:xfrm>
+          <a:off x="0" y="0"/>
+          <a:ext cx="0" cy="0"/>
+          <a:chOff x="0" y="0"/>
+          <a:chExt cx="0" cy="0"/>
+        </a:xfrm>
+      </p:grpSpPr>
+      <p:sp>
+        <p:nvSpPr>
+          <p:cNvPr id="2" name="Title 1">
+            <a:extLst>
+              <a:ext uri="{FF2B5EF4-FFF2-40B4-BE49-F238E27FC236}">
+                <a16:creationId xmlns:a16="http://schemas.microsoft.com/office/drawing/2014/main" id="{F3D77582-2C41-4F4F-B3C6-29B46A02AE77}"/>
+              </a:ext>
+            </a:extLst>
+          </p:cNvPr>
+          <p:cNvSpPr>
+            <a:spLocks noGrp="1"/>
+          </p:cNvSpPr>
+          <p:nvPr>
+            <p:ph type="title"/>
+          </p:nvPr>
+        </p:nvSpPr>
+        <p:spPr/>
+        <p:txBody>
+          <a:bodyPr>
+            <a:normAutofit fontScale="90000"/>
+          </a:bodyPr>
+          <a:lstStyle/>
+          <a:p>
+            <a:r>
+              <a:rPr lang="en-US" b="1" dirty="0"/>
+              <a:t>Definition Recap</a:t>
+            </a:r>
+          </a:p>
+        </p:txBody>
+      </p:sp>
+      <p:sp>
+        <p:nvSpPr>
+          <p:cNvPr id="3" name="Content Placeholder 2">
+            <a:extLst>
+              <a:ext uri="{FF2B5EF4-FFF2-40B4-BE49-F238E27FC236}">
+                <a16:creationId xmlns:a16="http://schemas.microsoft.com/office/drawing/2014/main" id="{AD945F59-D3F1-4C5E-9BB2-14E933A18625}"/>
+              </a:ext>
+            </a:extLst>
+          </p:cNvPr>
+          <p:cNvSpPr>
+            <a:spLocks noGrp="1"/>
+          </p:cNvSpPr>
+          <p:nvPr>
+            <p:ph idx="1"/>
+          </p:nvPr>
+        </p:nvSpPr>
+        <p:spPr>
+          <a:xfrm>
+            <a:off x="838200" y="1825624"/>
+            <a:ext cx="7006389" cy="4835479"/>
+          </a:xfrm>
+        </p:spPr>
+        <p:txBody>
+          <a:bodyPr/>
+          <a:lstStyle/>
+          <a:p>
+            <a:r>
+              <a:rPr lang="en-US" dirty="0"/>
+              <a:t>Let</a:t>
+            </a:r>
+            <a:r>
+              <a:rPr lang="en-US" dirty="0">
+                <a:solidFill>
+                  <a:schemeClr val="accent6"/>
+                </a:solidFill>
+              </a:rPr>
+              <a:t>’</a:t>
+            </a:r>
+            <a:r>
+              <a:rPr lang="en-US" dirty="0"/>
+              <a:t>s formally cover some important definitions</a:t>
+            </a:r>
+            <a:r>
+              <a:rPr lang="en-US" dirty="0">
+                <a:solidFill>
+                  <a:schemeClr val="accent2"/>
+                </a:solidFill>
+              </a:rPr>
+              <a:t>.</a:t>
+            </a:r>
+          </a:p>
+        </p:txBody>
+      </p:sp>
+      <p:sp>
+        <p:nvSpPr>
+          <p:cNvPr id="4" name="TextBox 3">
+            <a:extLst>
+              <a:ext uri="{FF2B5EF4-FFF2-40B4-BE49-F238E27FC236}">
+                <a16:creationId xmlns:a16="http://schemas.microsoft.com/office/drawing/2014/main" id="{94408458-4389-4779-9214-B3D27D684AF3}"/>
+              </a:ext>
+            </a:extLst>
+          </p:cNvPr>
+          <p:cNvSpPr txBox="1"/>
+          <p:nvPr/>
+        </p:nvSpPr>
+        <p:spPr>
+          <a:xfrm>
+            <a:off x="8877154" y="727514"/>
+            <a:ext cx="3035896" cy="5770811"/>
+          </a:xfrm>
+          <a:prstGeom prst="rect">
+            <a:avLst/>
+          </a:prstGeom>
+          <a:noFill/>
+        </p:spPr>
+        <p:txBody>
+          <a:bodyPr wrap="none" rtlCol="0">
+            <a:spAutoFit/>
+          </a:bodyPr>
+          <a:lstStyle/>
+          <a:p>
+            <a:r>
+              <a:rPr lang="en-US" sz="4000" b="1" dirty="0">
+                <a:solidFill>
+                  <a:srgbClr val="444445"/>
+                </a:solidFill>
+              </a:rPr>
+              <a:t>Class</a:t>
+            </a:r>
+          </a:p>
+          <a:p>
+            <a:r>
+              <a:rPr lang="en-US" sz="1400" b="1" dirty="0"/>
+              <a:t>   </a:t>
+            </a:r>
+          </a:p>
+          <a:p>
+            <a:r>
+              <a:rPr lang="en-US" sz="4000" b="1" dirty="0"/>
+              <a:t>Object</a:t>
+            </a:r>
+          </a:p>
+          <a:p>
+            <a:endParaRPr lang="en-US" sz="1400" b="1" dirty="0"/>
+          </a:p>
+          <a:p>
+            <a:r>
+              <a:rPr lang="en-US" sz="4000" b="1" dirty="0"/>
+              <a:t>Instantiate</a:t>
+            </a:r>
+          </a:p>
+          <a:p>
+            <a:endParaRPr lang="en-US" sz="1400" b="1" dirty="0"/>
+          </a:p>
+          <a:p>
+            <a:r>
+              <a:rPr lang="en-US" sz="4000" b="1" dirty="0"/>
+              <a:t>Method</a:t>
+            </a:r>
+          </a:p>
+          <a:p>
+            <a:endParaRPr lang="en-US" sz="1400" b="1" dirty="0"/>
+          </a:p>
+          <a:p>
+            <a:r>
+              <a:rPr lang="en-US" sz="4000" b="1" dirty="0"/>
+              <a:t>Attribute</a:t>
+            </a:r>
+          </a:p>
+          <a:p>
+            <a:endParaRPr lang="en-US" sz="1400" b="1" dirty="0"/>
+          </a:p>
+          <a:p>
+            <a:r>
+              <a:rPr lang="en-US" sz="4000" b="1" dirty="0"/>
+              <a:t>Constructor</a:t>
+            </a:r>
+          </a:p>
+          <a:p>
+            <a:endParaRPr lang="en-US" sz="1400" b="1" dirty="0"/>
+          </a:p>
+          <a:p>
+            <a:r>
+              <a:rPr lang="en-US" sz="4000" b="1" dirty="0"/>
+              <a:t>self</a:t>
+            </a:r>
+          </a:p>
+        </p:txBody>
+      </p:sp>
+    </p:spTree>
+    <p:extLst>
+      <p:ext uri="{BB962C8B-B14F-4D97-AF65-F5344CB8AC3E}">
+        <p14:creationId xmlns:p14="http://schemas.microsoft.com/office/powerpoint/2010/main" val="2445947928"/>
+      </p:ext>
+    </p:extLst>
+  </p:cSld>
+  <p:clrMapOvr>
+    <a:masterClrMapping/>
+  </p:clrMapOvr>
+</p:sld>
+</file>
+
+<file path=ppt/slides/slide2.xml><?xml version="1.0" encoding="utf-8"?>
+<p:sld xmlns:a="http://schemas.openxmlformats.org/drawingml/2006/main" xmlns:r="http://schemas.openxmlformats.org/officeDocument/2006/relationships" xmlns:p="http://schemas.openxmlformats.org/presentationml/2006/main">
+  <p:cSld>
+    <p:spTree>
+      <p:nvGrpSpPr>
+        <p:cNvPr id="1" name=""/>
+        <p:cNvGrpSpPr/>
+        <p:nvPr/>
+      </p:nvGrpSpPr>
+      <p:grpSpPr>
+        <a:xfrm>
+          <a:off x="0" y="0"/>
+          <a:ext cx="0" cy="0"/>
+          <a:chOff x="0" y="0"/>
+          <a:chExt cx="0" cy="0"/>
+        </a:xfrm>
+      </p:grpSpPr>
+      <p:sp>
+        <p:nvSpPr>
+          <p:cNvPr id="2" name="Title 1">
+            <a:extLst>
+              <a:ext uri="{FF2B5EF4-FFF2-40B4-BE49-F238E27FC236}">
+                <a16:creationId xmlns:a16="http://schemas.microsoft.com/office/drawing/2014/main" id="{8969A57B-21DC-4557-9D2E-36BBF1E923C9}"/>
+              </a:ext>
+            </a:extLst>
+          </p:cNvPr>
+          <p:cNvSpPr>
+            <a:spLocks noGrp="1"/>
+          </p:cNvSpPr>
+          <p:nvPr>
+            <p:ph type="title"/>
+          </p:nvPr>
+        </p:nvSpPr>
+        <p:spPr/>
+        <p:txBody>
+          <a:bodyPr>
+            <a:normAutofit fontScale="90000"/>
+          </a:bodyPr>
+          <a:lstStyle/>
+          <a:p>
+            <a:r>
+              <a:rPr lang="en-US" b="1" dirty="0"/>
+              <a:t>This Week</a:t>
+            </a:r>
+            <a:r>
+              <a:rPr lang="en-US" b="1" dirty="0">
+                <a:solidFill>
+                  <a:schemeClr val="accent1"/>
+                </a:solidFill>
+              </a:rPr>
+              <a:t>’</a:t>
+            </a:r>
+            <a:r>
+              <a:rPr lang="en-US" b="1" dirty="0"/>
+              <a:t>s Content</a:t>
+            </a:r>
+          </a:p>
+        </p:txBody>
+      </p:sp>
+      <p:sp>
+        <p:nvSpPr>
+          <p:cNvPr id="3" name="Content Placeholder 2">
+            <a:extLst>
+              <a:ext uri="{FF2B5EF4-FFF2-40B4-BE49-F238E27FC236}">
+                <a16:creationId xmlns:a16="http://schemas.microsoft.com/office/drawing/2014/main" id="{7AB50049-8F6C-4DF3-BA59-31343B218CF3}"/>
+              </a:ext>
+            </a:extLst>
+          </p:cNvPr>
+          <p:cNvSpPr>
+            <a:spLocks noGrp="1"/>
+          </p:cNvSpPr>
+          <p:nvPr>
+            <p:ph idx="1"/>
+          </p:nvPr>
+        </p:nvSpPr>
+        <p:spPr/>
+        <p:txBody>
+          <a:bodyPr/>
+          <a:lstStyle/>
+          <a:p>
+            <a:r>
+              <a:rPr lang="en-US" b="1" dirty="0"/>
+              <a:t>Lecture </a:t>
+            </a:r>
+            <a:r>
+              <a:rPr lang="en-US" b="1" dirty="0">
+                <a:solidFill>
+                  <a:schemeClr val="accent1"/>
+                </a:solidFill>
+              </a:rPr>
+              <a:t>10.1</a:t>
+            </a:r>
+          </a:p>
+          <a:p>
+            <a:pPr lvl="1"/>
+            <a:r>
+              <a:rPr lang="en-US" dirty="0"/>
+              <a:t>Midterm Review</a:t>
+            </a:r>
+          </a:p>
+          <a:p>
+            <a:r>
+              <a:rPr lang="en-US" b="1" dirty="0"/>
+              <a:t>Lecture </a:t>
+            </a:r>
+            <a:r>
+              <a:rPr lang="en-US" b="1" dirty="0">
+                <a:solidFill>
+                  <a:schemeClr val="accent1"/>
+                </a:solidFill>
+              </a:rPr>
+              <a:t>10.2</a:t>
+            </a:r>
+          </a:p>
+          <a:p>
+            <a:pPr lvl="1"/>
+            <a:r>
+              <a:rPr lang="en-US" b="1" dirty="0"/>
+              <a:t>objects, classes, and methods</a:t>
+            </a:r>
+          </a:p>
+          <a:p>
+            <a:pPr lvl="1"/>
+            <a:r>
+              <a:rPr lang="en-US" b="1" dirty="0"/>
+              <a:t>Reading: Chapter 14</a:t>
+            </a:r>
+          </a:p>
+          <a:p>
+            <a:r>
+              <a:rPr lang="en-US" b="1" dirty="0"/>
+              <a:t>Lecture </a:t>
+            </a:r>
+            <a:r>
+              <a:rPr lang="en-US" b="1" dirty="0">
+                <a:solidFill>
+                  <a:schemeClr val="accent1"/>
+                </a:solidFill>
+              </a:rPr>
+              <a:t>10.3</a:t>
+            </a:r>
+          </a:p>
+          <a:p>
+            <a:pPr lvl="1"/>
+            <a:r>
+              <a:rPr lang="en-US" dirty="0"/>
+              <a:t>Classes in Classes, Functions, and Collections</a:t>
+            </a:r>
+          </a:p>
+          <a:p>
+            <a:pPr lvl="1"/>
+            <a:r>
+              <a:rPr lang="en-US" dirty="0"/>
+              <a:t>Reading: Chapter 14</a:t>
+            </a:r>
+          </a:p>
+          <a:p>
+            <a:pPr lvl="1"/>
+            <a:endParaRPr lang="en-US" dirty="0"/>
+          </a:p>
+        </p:txBody>
+      </p:sp>
+    </p:spTree>
+    <p:extLst>
+      <p:ext uri="{BB962C8B-B14F-4D97-AF65-F5344CB8AC3E}">
+        <p14:creationId xmlns:p14="http://schemas.microsoft.com/office/powerpoint/2010/main" val="2832463924"/>
+      </p:ext>
+    </p:extLst>
+  </p:cSld>
+  <p:clrMapOvr>
+    <a:masterClrMapping/>
+  </p:clrMapOvr>
+</p:sld>
+</file>
+
+<file path=ppt/slides/slide20.xml><?xml version="1.0" encoding="utf-8"?>
+<p:sld xmlns:a="http://schemas.openxmlformats.org/drawingml/2006/main" xmlns:r="http://schemas.openxmlformats.org/officeDocument/2006/relationships" xmlns:p="http://schemas.openxmlformats.org/presentationml/2006/main">
+  <p:cSld>
+    <p:spTree>
+      <p:nvGrpSpPr>
+        <p:cNvPr id="1" name=""/>
+        <p:cNvGrpSpPr/>
+        <p:nvPr/>
+      </p:nvGrpSpPr>
+      <p:grpSpPr>
+        <a:xfrm>
+          <a:off x="0" y="0"/>
+          <a:ext cx="0" cy="0"/>
+          <a:chOff x="0" y="0"/>
+          <a:chExt cx="0" cy="0"/>
+        </a:xfrm>
+      </p:grpSpPr>
+      <p:sp>
+        <p:nvSpPr>
+          <p:cNvPr id="2" name="Title 1">
+            <a:extLst>
+              <a:ext uri="{FF2B5EF4-FFF2-40B4-BE49-F238E27FC236}">
+                <a16:creationId xmlns:a16="http://schemas.microsoft.com/office/drawing/2014/main" id="{F3D77582-2C41-4F4F-B3C6-29B46A02AE77}"/>
+              </a:ext>
+            </a:extLst>
+          </p:cNvPr>
+          <p:cNvSpPr>
+            <a:spLocks noGrp="1"/>
+          </p:cNvSpPr>
+          <p:nvPr>
+            <p:ph type="title"/>
+          </p:nvPr>
+        </p:nvSpPr>
+        <p:spPr/>
+        <p:txBody>
+          <a:bodyPr>
+            <a:normAutofit fontScale="90000"/>
+          </a:bodyPr>
+          <a:lstStyle/>
+          <a:p>
+            <a:r>
+              <a:rPr lang="en-US" b="1" dirty="0"/>
+              <a:t>Definition Recap</a:t>
+            </a:r>
+          </a:p>
+        </p:txBody>
+      </p:sp>
+      <p:sp>
+        <p:nvSpPr>
+          <p:cNvPr id="3" name="Content Placeholder 2">
+            <a:extLst>
+              <a:ext uri="{FF2B5EF4-FFF2-40B4-BE49-F238E27FC236}">
+                <a16:creationId xmlns:a16="http://schemas.microsoft.com/office/drawing/2014/main" id="{AD945F59-D3F1-4C5E-9BB2-14E933A18625}"/>
+              </a:ext>
+            </a:extLst>
+          </p:cNvPr>
+          <p:cNvSpPr>
+            <a:spLocks noGrp="1"/>
+          </p:cNvSpPr>
+          <p:nvPr>
+            <p:ph idx="1"/>
+          </p:nvPr>
+        </p:nvSpPr>
+        <p:spPr>
+          <a:xfrm>
+            <a:off x="838200" y="1825624"/>
+            <a:ext cx="7006389" cy="4835479"/>
+          </a:xfrm>
+        </p:spPr>
+        <p:txBody>
+          <a:bodyPr/>
+          <a:lstStyle/>
+          <a:p>
+            <a:r>
+              <a:rPr lang="en-US" dirty="0"/>
+              <a:t>Template for creating objects</a:t>
+            </a:r>
+            <a:r>
+              <a:rPr lang="en-US" dirty="0">
+                <a:solidFill>
+                  <a:schemeClr val="accent2"/>
+                </a:solidFill>
+              </a:rPr>
+              <a:t>.</a:t>
+            </a:r>
+          </a:p>
+        </p:txBody>
+      </p:sp>
+      <p:sp>
+        <p:nvSpPr>
+          <p:cNvPr id="4" name="TextBox 3">
+            <a:extLst>
+              <a:ext uri="{FF2B5EF4-FFF2-40B4-BE49-F238E27FC236}">
+                <a16:creationId xmlns:a16="http://schemas.microsoft.com/office/drawing/2014/main" id="{94408458-4389-4779-9214-B3D27D684AF3}"/>
+              </a:ext>
+            </a:extLst>
+          </p:cNvPr>
+          <p:cNvSpPr txBox="1"/>
+          <p:nvPr/>
+        </p:nvSpPr>
+        <p:spPr>
+          <a:xfrm>
+            <a:off x="8877154" y="727514"/>
+            <a:ext cx="3035896" cy="5770811"/>
+          </a:xfrm>
+          <a:prstGeom prst="rect">
+            <a:avLst/>
+          </a:prstGeom>
+          <a:noFill/>
+        </p:spPr>
+        <p:txBody>
+          <a:bodyPr wrap="none" rtlCol="0">
+            <a:spAutoFit/>
+          </a:bodyPr>
+          <a:lstStyle/>
+          <a:p>
+            <a:r>
+              <a:rPr lang="en-US" sz="4000" b="1" dirty="0">
+                <a:solidFill>
+                  <a:schemeClr val="accent6"/>
+                </a:solidFill>
+              </a:rPr>
+              <a:t>Class</a:t>
+            </a:r>
+          </a:p>
+          <a:p>
+            <a:r>
+              <a:rPr lang="en-US" sz="1400" b="1" dirty="0"/>
+              <a:t>   </a:t>
+            </a:r>
+          </a:p>
+          <a:p>
+            <a:r>
+              <a:rPr lang="en-US" sz="4000" b="1" dirty="0"/>
+              <a:t>Object</a:t>
+            </a:r>
+          </a:p>
+          <a:p>
+            <a:endParaRPr lang="en-US" sz="1400" b="1" dirty="0"/>
+          </a:p>
+          <a:p>
+            <a:r>
+              <a:rPr lang="en-US" sz="4000" b="1" dirty="0"/>
+              <a:t>Instantiate</a:t>
+            </a:r>
+          </a:p>
+          <a:p>
+            <a:endParaRPr lang="en-US" sz="1400" b="1" dirty="0"/>
+          </a:p>
+          <a:p>
+            <a:r>
+              <a:rPr lang="en-US" sz="4000" b="1" dirty="0"/>
+              <a:t>Method</a:t>
+            </a:r>
+          </a:p>
+          <a:p>
+            <a:endParaRPr lang="en-US" sz="1400" b="1" dirty="0"/>
+          </a:p>
+          <a:p>
+            <a:r>
+              <a:rPr lang="en-US" sz="4000" b="1" dirty="0"/>
+              <a:t>Attribute</a:t>
+            </a:r>
+          </a:p>
+          <a:p>
+            <a:endParaRPr lang="en-US" sz="1400" b="1" dirty="0"/>
+          </a:p>
+          <a:p>
+            <a:r>
+              <a:rPr lang="en-US" sz="4000" b="1" dirty="0"/>
+              <a:t>Constructor</a:t>
+            </a:r>
+          </a:p>
+          <a:p>
+            <a:endParaRPr lang="en-US" sz="1400" b="1" dirty="0"/>
+          </a:p>
+          <a:p>
+            <a:r>
+              <a:rPr lang="en-US" sz="4000" b="1" dirty="0"/>
+              <a:t>self</a:t>
+            </a:r>
+          </a:p>
+        </p:txBody>
+      </p:sp>
+      <p:sp>
+        <p:nvSpPr>
+          <p:cNvPr id="6" name="TextBox 5">
+            <a:extLst>
+              <a:ext uri="{FF2B5EF4-FFF2-40B4-BE49-F238E27FC236}">
+                <a16:creationId xmlns:a16="http://schemas.microsoft.com/office/drawing/2014/main" id="{61C777C0-51E3-4D88-BC4B-96E5A6DF01AF}"/>
+              </a:ext>
+            </a:extLst>
+          </p:cNvPr>
+          <p:cNvSpPr txBox="1"/>
+          <p:nvPr/>
+        </p:nvSpPr>
+        <p:spPr>
+          <a:xfrm>
+            <a:off x="1083774" y="2546602"/>
+            <a:ext cx="6453894" cy="4031873"/>
+          </a:xfrm>
+          <a:prstGeom prst="rect">
+            <a:avLst/>
+          </a:prstGeom>
+          <a:noFill/>
+        </p:spPr>
+        <p:txBody>
+          <a:bodyPr wrap="square" rtlCol="0">
+            <a:spAutoFit/>
+          </a:bodyPr>
+          <a:lstStyle/>
+          <a:p>
+            <a:r>
+              <a:rPr lang="en-US" sz="1600" b="1" dirty="0">
+                <a:solidFill>
+                  <a:srgbClr val="00FF00"/>
+                </a:solidFill>
+                <a:latin typeface="Courier New" panose="02070309020205020404" pitchFamily="49" charset="0"/>
+                <a:cs typeface="Courier New" panose="02070309020205020404" pitchFamily="49" charset="0"/>
+              </a:rPr>
+              <a:t>class Name:</a:t>
+            </a:r>
+          </a:p>
+          <a:p>
+            <a:r>
+              <a:rPr lang="en-US" sz="1600" b="1" dirty="0">
+                <a:solidFill>
+                  <a:srgbClr val="00FF00"/>
+                </a:solidFill>
+                <a:latin typeface="Courier New" panose="02070309020205020404" pitchFamily="49" charset="0"/>
+                <a:cs typeface="Courier New" panose="02070309020205020404" pitchFamily="49" charset="0"/>
+              </a:rPr>
+              <a:t>   </a:t>
+            </a:r>
+          </a:p>
+          <a:p>
+            <a:r>
+              <a:rPr lang="en-US" sz="1600" b="1" dirty="0">
+                <a:solidFill>
+                  <a:srgbClr val="FFD6AD"/>
+                </a:solidFill>
+                <a:latin typeface="Courier New" panose="02070309020205020404" pitchFamily="49" charset="0"/>
+                <a:cs typeface="Courier New" panose="02070309020205020404" pitchFamily="49" charset="0"/>
+              </a:rPr>
+              <a:t>   def __init__(self, param1, param2, …):</a:t>
+            </a:r>
+          </a:p>
+          <a:p>
+            <a:r>
+              <a:rPr lang="en-US" sz="1600" b="1" dirty="0">
+                <a:solidFill>
+                  <a:srgbClr val="FFD6AD"/>
+                </a:solidFill>
+                <a:latin typeface="Courier New" panose="02070309020205020404" pitchFamily="49" charset="0"/>
+                <a:cs typeface="Courier New" panose="02070309020205020404" pitchFamily="49" charset="0"/>
+              </a:rPr>
+              <a:t>      self.param1 = param1</a:t>
+            </a:r>
+          </a:p>
+          <a:p>
+            <a:r>
+              <a:rPr lang="en-US" sz="1600" b="1" dirty="0">
+                <a:solidFill>
+                  <a:srgbClr val="FFD6AD"/>
+                </a:solidFill>
+                <a:latin typeface="Courier New" panose="02070309020205020404" pitchFamily="49" charset="0"/>
+                <a:cs typeface="Courier New" panose="02070309020205020404" pitchFamily="49" charset="0"/>
+              </a:rPr>
+              <a:t>      self.param2 = param2</a:t>
+            </a:r>
+          </a:p>
+          <a:p>
+            <a:r>
+              <a:rPr lang="en-US" sz="1600" b="1" dirty="0">
+                <a:solidFill>
+                  <a:srgbClr val="FFD6AD"/>
+                </a:solidFill>
+                <a:latin typeface="Courier New" panose="02070309020205020404" pitchFamily="49" charset="0"/>
+                <a:cs typeface="Courier New" panose="02070309020205020404" pitchFamily="49" charset="0"/>
+              </a:rPr>
+              <a:t>      …</a:t>
+            </a:r>
+          </a:p>
+          <a:p>
+            <a:r>
+              <a:rPr lang="en-US" sz="1600" b="1" dirty="0">
+                <a:solidFill>
+                  <a:srgbClr val="FFD6AD"/>
+                </a:solidFill>
+                <a:latin typeface="Courier New" panose="02070309020205020404" pitchFamily="49" charset="0"/>
+                <a:cs typeface="Courier New" panose="02070309020205020404" pitchFamily="49" charset="0"/>
+              </a:rPr>
+              <a:t>      body</a:t>
+            </a:r>
+          </a:p>
+          <a:p>
+            <a:endParaRPr lang="en-US" sz="1600" b="1" dirty="0">
+              <a:solidFill>
+                <a:srgbClr val="00FF00"/>
+              </a:solidFill>
+              <a:latin typeface="Courier New" panose="02070309020205020404" pitchFamily="49" charset="0"/>
+              <a:cs typeface="Courier New" panose="02070309020205020404" pitchFamily="49" charset="0"/>
+            </a:endParaRPr>
+          </a:p>
+          <a:p>
+            <a:r>
+              <a:rPr lang="en-US" sz="1600" b="1" dirty="0">
+                <a:solidFill>
+                  <a:srgbClr val="00FF00"/>
+                </a:solidFill>
+                <a:latin typeface="Courier New" panose="02070309020205020404" pitchFamily="49" charset="0"/>
+                <a:cs typeface="Courier New" panose="02070309020205020404" pitchFamily="49" charset="0"/>
+              </a:rPr>
+              <a:t>   </a:t>
+            </a:r>
+            <a:r>
+              <a:rPr lang="en-US" sz="1600" b="1" dirty="0">
+                <a:solidFill>
+                  <a:srgbClr val="FF5050"/>
+                </a:solidFill>
+                <a:latin typeface="Courier New" panose="02070309020205020404" pitchFamily="49" charset="0"/>
+                <a:cs typeface="Courier New" panose="02070309020205020404" pitchFamily="49" charset="0"/>
+              </a:rPr>
+              <a:t>def method1(self, parameters):</a:t>
+            </a:r>
+          </a:p>
+          <a:p>
+            <a:r>
+              <a:rPr lang="en-US" sz="1600" b="1" dirty="0">
+                <a:solidFill>
+                  <a:srgbClr val="FF5050"/>
+                </a:solidFill>
+                <a:latin typeface="Courier New" panose="02070309020205020404" pitchFamily="49" charset="0"/>
+                <a:cs typeface="Courier New" panose="02070309020205020404" pitchFamily="49" charset="0"/>
+              </a:rPr>
+              <a:t>      body</a:t>
+            </a:r>
+          </a:p>
+          <a:p>
+            <a:endParaRPr lang="en-US" sz="1600" b="1" dirty="0">
+              <a:solidFill>
+                <a:srgbClr val="FF5050"/>
+              </a:solidFill>
+              <a:latin typeface="Courier New" panose="02070309020205020404" pitchFamily="49" charset="0"/>
+              <a:cs typeface="Courier New" panose="02070309020205020404" pitchFamily="49" charset="0"/>
+            </a:endParaRPr>
+          </a:p>
+          <a:p>
+            <a:r>
+              <a:rPr lang="en-US" sz="1600" b="1" dirty="0">
+                <a:solidFill>
+                  <a:srgbClr val="FF5050"/>
+                </a:solidFill>
+                <a:latin typeface="Courier New" panose="02070309020205020404" pitchFamily="49" charset="0"/>
+                <a:cs typeface="Courier New" panose="02070309020205020404" pitchFamily="49" charset="0"/>
+              </a:rPr>
+              <a:t>   def method2(self, parameters):</a:t>
+            </a:r>
+          </a:p>
+          <a:p>
+            <a:r>
+              <a:rPr lang="en-US" sz="1600" b="1" dirty="0">
+                <a:solidFill>
+                  <a:srgbClr val="FF5050"/>
+                </a:solidFill>
+                <a:latin typeface="Courier New" panose="02070309020205020404" pitchFamily="49" charset="0"/>
+                <a:cs typeface="Courier New" panose="02070309020205020404" pitchFamily="49" charset="0"/>
+              </a:rPr>
+              <a:t>      body</a:t>
+            </a:r>
+          </a:p>
+          <a:p>
+            <a:endParaRPr lang="en-US" sz="1600" b="1" dirty="0">
+              <a:solidFill>
+                <a:srgbClr val="FF5050"/>
+              </a:solidFill>
+              <a:latin typeface="Courier New" panose="02070309020205020404" pitchFamily="49" charset="0"/>
+              <a:cs typeface="Courier New" panose="02070309020205020404" pitchFamily="49" charset="0"/>
+            </a:endParaRPr>
+          </a:p>
+          <a:p>
+            <a:r>
+              <a:rPr lang="en-US" sz="1600" b="1" dirty="0">
+                <a:solidFill>
+                  <a:srgbClr val="FF5050"/>
+                </a:solidFill>
+                <a:latin typeface="Courier New" panose="02070309020205020404" pitchFamily="49" charset="0"/>
+                <a:cs typeface="Courier New" panose="02070309020205020404" pitchFamily="49" charset="0"/>
+              </a:rPr>
+              <a:t>   def method3(self, parameters):</a:t>
+            </a:r>
+          </a:p>
+          <a:p>
+            <a:r>
+              <a:rPr lang="en-US" sz="1600" b="1" dirty="0">
+                <a:solidFill>
+                  <a:srgbClr val="FF5050"/>
+                </a:solidFill>
+                <a:latin typeface="Courier New" panose="02070309020205020404" pitchFamily="49" charset="0"/>
+                <a:cs typeface="Courier New" panose="02070309020205020404" pitchFamily="49" charset="0"/>
+              </a:rPr>
+              <a:t>      body</a:t>
+            </a:r>
+          </a:p>
+        </p:txBody>
+      </p:sp>
+    </p:spTree>
+    <p:extLst>
+      <p:ext uri="{BB962C8B-B14F-4D97-AF65-F5344CB8AC3E}">
+        <p14:creationId xmlns:p14="http://schemas.microsoft.com/office/powerpoint/2010/main" val="2216082051"/>
+      </p:ext>
+    </p:extLst>
+  </p:cSld>
+  <p:clrMapOvr>
+    <a:masterClrMapping/>
+  </p:clrMapOvr>
+</p:sld>
+</file>
+
+<file path=ppt/slides/slide21.xml><?xml version="1.0" encoding="utf-8"?>
+<p:sld xmlns:a="http://schemas.openxmlformats.org/drawingml/2006/main" xmlns:r="http://schemas.openxmlformats.org/officeDocument/2006/relationships" xmlns:p="http://schemas.openxmlformats.org/presentationml/2006/main">
+  <p:cSld>
+    <p:spTree>
+      <p:nvGrpSpPr>
+        <p:cNvPr id="1" name=""/>
+        <p:cNvGrpSpPr/>
+        <p:nvPr/>
+      </p:nvGrpSpPr>
+      <p:grpSpPr>
+        <a:xfrm>
+          <a:off x="0" y="0"/>
+          <a:ext cx="0" cy="0"/>
+          <a:chOff x="0" y="0"/>
+          <a:chExt cx="0" cy="0"/>
+        </a:xfrm>
+      </p:grpSpPr>
+      <p:sp>
+        <p:nvSpPr>
+          <p:cNvPr id="2" name="Title 1">
+            <a:extLst>
+              <a:ext uri="{FF2B5EF4-FFF2-40B4-BE49-F238E27FC236}">
+                <a16:creationId xmlns:a16="http://schemas.microsoft.com/office/drawing/2014/main" id="{F3D77582-2C41-4F4F-B3C6-29B46A02AE77}"/>
+              </a:ext>
+            </a:extLst>
+          </p:cNvPr>
+          <p:cNvSpPr>
+            <a:spLocks noGrp="1"/>
+          </p:cNvSpPr>
+          <p:nvPr>
+            <p:ph type="title"/>
+          </p:nvPr>
+        </p:nvSpPr>
+        <p:spPr/>
+        <p:txBody>
+          <a:bodyPr>
+            <a:normAutofit fontScale="90000"/>
+          </a:bodyPr>
+          <a:lstStyle/>
+          <a:p>
+            <a:r>
+              <a:rPr lang="en-US" b="1" dirty="0"/>
+              <a:t>Definitions</a:t>
+            </a:r>
+          </a:p>
+        </p:txBody>
+      </p:sp>
+      <p:sp>
+        <p:nvSpPr>
+          <p:cNvPr id="3" name="Content Placeholder 2">
+            <a:extLst>
+              <a:ext uri="{FF2B5EF4-FFF2-40B4-BE49-F238E27FC236}">
+                <a16:creationId xmlns:a16="http://schemas.microsoft.com/office/drawing/2014/main" id="{AD945F59-D3F1-4C5E-9BB2-14E933A18625}"/>
+              </a:ext>
+            </a:extLst>
+          </p:cNvPr>
+          <p:cNvSpPr>
+            <a:spLocks noGrp="1"/>
+          </p:cNvSpPr>
+          <p:nvPr>
+            <p:ph idx="1"/>
+          </p:nvPr>
+        </p:nvSpPr>
+        <p:spPr>
+          <a:xfrm>
+            <a:off x="838201" y="1825624"/>
+            <a:ext cx="4191000" cy="4835479"/>
+          </a:xfrm>
+        </p:spPr>
+        <p:txBody>
+          <a:bodyPr/>
+          <a:lstStyle/>
+          <a:p>
+            <a:r>
+              <a:rPr lang="en-US" dirty="0"/>
+              <a:t>An instance of a class</a:t>
+            </a:r>
+            <a:r>
+              <a:rPr lang="en-US" dirty="0">
+                <a:solidFill>
+                  <a:schemeClr val="accent2"/>
+                </a:solidFill>
+              </a:rPr>
+              <a:t>.</a:t>
+            </a:r>
+          </a:p>
+        </p:txBody>
+      </p:sp>
+      <p:sp>
+        <p:nvSpPr>
+          <p:cNvPr id="4" name="TextBox 3">
+            <a:extLst>
+              <a:ext uri="{FF2B5EF4-FFF2-40B4-BE49-F238E27FC236}">
+                <a16:creationId xmlns:a16="http://schemas.microsoft.com/office/drawing/2014/main" id="{94408458-4389-4779-9214-B3D27D684AF3}"/>
+              </a:ext>
+            </a:extLst>
+          </p:cNvPr>
+          <p:cNvSpPr txBox="1"/>
+          <p:nvPr/>
+        </p:nvSpPr>
+        <p:spPr>
+          <a:xfrm>
+            <a:off x="8877154" y="727514"/>
+            <a:ext cx="3035896" cy="5770811"/>
+          </a:xfrm>
+          <a:prstGeom prst="rect">
+            <a:avLst/>
+          </a:prstGeom>
+          <a:noFill/>
+        </p:spPr>
+        <p:txBody>
+          <a:bodyPr wrap="none" rtlCol="0">
+            <a:spAutoFit/>
+          </a:bodyPr>
+          <a:lstStyle/>
+          <a:p>
+            <a:r>
+              <a:rPr lang="en-US" sz="4000" b="1" dirty="0">
+                <a:solidFill>
+                  <a:srgbClr val="444445"/>
+                </a:solidFill>
+              </a:rPr>
+              <a:t>Class</a:t>
+            </a:r>
+          </a:p>
+          <a:p>
+            <a:r>
+              <a:rPr lang="en-US" sz="1400" b="1" dirty="0"/>
+              <a:t>   </a:t>
+            </a:r>
+          </a:p>
+          <a:p>
+            <a:r>
+              <a:rPr lang="en-US" sz="4000" b="1" dirty="0">
+                <a:solidFill>
+                  <a:schemeClr val="accent6"/>
+                </a:solidFill>
+              </a:rPr>
+              <a:t>Object</a:t>
+            </a:r>
+          </a:p>
+          <a:p>
+            <a:endParaRPr lang="en-US" sz="1400" b="1" dirty="0"/>
+          </a:p>
+          <a:p>
+            <a:r>
+              <a:rPr lang="en-US" sz="4000" b="1" dirty="0"/>
+              <a:t>Instantiate</a:t>
+            </a:r>
+          </a:p>
+          <a:p>
+            <a:endParaRPr lang="en-US" sz="1400" b="1" dirty="0"/>
+          </a:p>
+          <a:p>
+            <a:r>
+              <a:rPr lang="en-US" sz="4000" b="1" dirty="0"/>
+              <a:t>Method</a:t>
+            </a:r>
+          </a:p>
+          <a:p>
+            <a:endParaRPr lang="en-US" sz="1400" b="1" dirty="0"/>
+          </a:p>
+          <a:p>
+            <a:r>
+              <a:rPr lang="en-US" sz="4000" b="1" dirty="0"/>
+              <a:t>Attribute</a:t>
+            </a:r>
+          </a:p>
+          <a:p>
+            <a:endParaRPr lang="en-US" sz="1400" b="1" dirty="0"/>
+          </a:p>
+          <a:p>
+            <a:r>
+              <a:rPr lang="en-US" sz="4000" b="1" dirty="0"/>
+              <a:t>Constructor</a:t>
+            </a:r>
+          </a:p>
+          <a:p>
+            <a:endParaRPr lang="en-US" sz="1400" b="1" dirty="0"/>
+          </a:p>
+          <a:p>
+            <a:r>
+              <a:rPr lang="en-US" sz="4000" b="1" dirty="0"/>
+              <a:t>self</a:t>
+            </a:r>
+          </a:p>
+        </p:txBody>
+      </p:sp>
+      <p:sp>
+        <p:nvSpPr>
+          <p:cNvPr id="5" name="Arrow: Bent-Up 4">
+            <a:extLst>
+              <a:ext uri="{FF2B5EF4-FFF2-40B4-BE49-F238E27FC236}">
+                <a16:creationId xmlns:a16="http://schemas.microsoft.com/office/drawing/2014/main" id="{6C81E9B9-35D9-498D-BB52-38410AC9D25E}"/>
+              </a:ext>
+            </a:extLst>
+          </p:cNvPr>
+          <p:cNvSpPr/>
+          <p:nvPr/>
+        </p:nvSpPr>
+        <p:spPr>
+          <a:xfrm flipH="1">
+            <a:off x="493295" y="4740442"/>
+            <a:ext cx="1130969" cy="1618644"/>
+          </a:xfrm>
+          <a:prstGeom prst="bentUpArrow">
+            <a:avLst/>
+          </a:prstGeom>
+        </p:spPr>
+        <p:style>
+          <a:lnRef idx="2">
+            <a:schemeClr val="accent1">
+              <a:shade val="50000"/>
+            </a:schemeClr>
+          </a:lnRef>
+          <a:fillRef idx="1">
+            <a:schemeClr val="accent1"/>
+          </a:fillRef>
+          <a:effectRef idx="0">
+            <a:schemeClr val="accent1"/>
+          </a:effectRef>
+          <a:fontRef idx="minor">
+            <a:schemeClr val="lt1"/>
+          </a:fontRef>
+        </p:style>
+        <p:txBody>
+          <a:bodyPr rtlCol="0" anchor="ctr"/>
+          <a:lstStyle/>
+          <a:p>
+            <a:pPr algn="ctr"/>
+            <a:endParaRPr lang="en-US"/>
+          </a:p>
+        </p:txBody>
+      </p:sp>
+      <p:sp>
+        <p:nvSpPr>
+          <p:cNvPr id="7" name="TextBox 6">
+            <a:extLst>
+              <a:ext uri="{FF2B5EF4-FFF2-40B4-BE49-F238E27FC236}">
+                <a16:creationId xmlns:a16="http://schemas.microsoft.com/office/drawing/2014/main" id="{6CEE6CDD-6875-4C1C-A3A4-1B55B4482DD1}"/>
+              </a:ext>
+            </a:extLst>
+          </p:cNvPr>
+          <p:cNvSpPr txBox="1"/>
+          <p:nvPr/>
+        </p:nvSpPr>
+        <p:spPr>
+          <a:xfrm>
+            <a:off x="1732547" y="5981183"/>
+            <a:ext cx="6125331" cy="523220"/>
+          </a:xfrm>
+          <a:prstGeom prst="rect">
+            <a:avLst/>
+          </a:prstGeom>
+          <a:noFill/>
+        </p:spPr>
+        <p:txBody>
+          <a:bodyPr wrap="none" rtlCol="0">
+            <a:spAutoFit/>
+          </a:bodyPr>
+          <a:lstStyle/>
+          <a:p>
+            <a:r>
+              <a:rPr lang="en-US" sz="2800" b="1" dirty="0">
+                <a:solidFill>
+                  <a:schemeClr val="accent6"/>
+                </a:solidFill>
+              </a:rPr>
+              <a:t>alex</a:t>
+            </a:r>
+            <a:r>
+              <a:rPr lang="en-US" sz="2800" dirty="0">
+                <a:solidFill>
+                  <a:srgbClr val="FFFFFF"/>
+                </a:solidFill>
+              </a:rPr>
+              <a:t> is an instance of the</a:t>
+            </a:r>
+            <a:r>
+              <a:rPr lang="en-US" sz="2800" dirty="0">
+                <a:solidFill>
+                  <a:schemeClr val="accent6"/>
+                </a:solidFill>
+              </a:rPr>
+              <a:t> </a:t>
+            </a:r>
+            <a:r>
+              <a:rPr lang="en-US" sz="2800" b="1" dirty="0">
+                <a:solidFill>
+                  <a:schemeClr val="accent6"/>
+                </a:solidFill>
+              </a:rPr>
+              <a:t>Turtle</a:t>
+            </a:r>
+            <a:r>
+              <a:rPr lang="en-US" sz="2800" dirty="0">
+                <a:solidFill>
+                  <a:schemeClr val="accent6"/>
+                </a:solidFill>
+              </a:rPr>
+              <a:t> </a:t>
+            </a:r>
+            <a:r>
+              <a:rPr lang="en-US" sz="2800" dirty="0">
+                <a:solidFill>
+                  <a:srgbClr val="FFFFFF"/>
+                </a:solidFill>
+              </a:rPr>
+              <a:t>class</a:t>
+            </a:r>
+            <a:r>
+              <a:rPr lang="en-US" sz="2800" dirty="0">
+                <a:solidFill>
+                  <a:schemeClr val="accent2"/>
+                </a:solidFill>
+              </a:rPr>
+              <a:t>.</a:t>
+            </a:r>
+          </a:p>
+        </p:txBody>
+      </p:sp>
+      <p:sp>
+        <p:nvSpPr>
+          <p:cNvPr id="8" name="TextBox 7">
+            <a:extLst>
+              <a:ext uri="{FF2B5EF4-FFF2-40B4-BE49-F238E27FC236}">
+                <a16:creationId xmlns:a16="http://schemas.microsoft.com/office/drawing/2014/main" id="{C97CA0F1-957C-4F5D-8940-5798437789DB}"/>
+              </a:ext>
+            </a:extLst>
+          </p:cNvPr>
+          <p:cNvSpPr txBox="1"/>
+          <p:nvPr/>
+        </p:nvSpPr>
+        <p:spPr>
+          <a:xfrm>
+            <a:off x="4368393" y="727514"/>
+            <a:ext cx="6453894" cy="4401205"/>
+          </a:xfrm>
+          <a:prstGeom prst="rect">
+            <a:avLst/>
+          </a:prstGeom>
+          <a:noFill/>
+        </p:spPr>
+        <p:txBody>
+          <a:bodyPr wrap="square" rtlCol="0">
+            <a:spAutoFit/>
+          </a:bodyPr>
+          <a:lstStyle/>
+          <a:p>
+            <a:r>
+              <a:rPr lang="en-US" sz="2000" b="1" dirty="0">
+                <a:solidFill>
+                  <a:srgbClr val="00FF00"/>
+                </a:solidFill>
+                <a:latin typeface="Courier New" panose="02070309020205020404" pitchFamily="49" charset="0"/>
+                <a:cs typeface="Courier New" panose="02070309020205020404" pitchFamily="49" charset="0"/>
+              </a:rPr>
+              <a:t>class Turtle:</a:t>
+            </a:r>
+          </a:p>
+          <a:p>
+            <a:r>
+              <a:rPr lang="en-US" sz="2000" b="1" dirty="0">
+                <a:solidFill>
+                  <a:srgbClr val="00FF00"/>
+                </a:solidFill>
+                <a:latin typeface="Courier New" panose="02070309020205020404" pitchFamily="49" charset="0"/>
+                <a:cs typeface="Courier New" panose="02070309020205020404" pitchFamily="49" charset="0"/>
+              </a:rPr>
+              <a:t>   </a:t>
+            </a:r>
+          </a:p>
+          <a:p>
+            <a:r>
+              <a:rPr lang="en-US" sz="2000" b="1" dirty="0">
+                <a:solidFill>
+                  <a:srgbClr val="FFD6AD"/>
+                </a:solidFill>
+                <a:latin typeface="Courier New" panose="02070309020205020404" pitchFamily="49" charset="0"/>
+                <a:cs typeface="Courier New" panose="02070309020205020404" pitchFamily="49" charset="0"/>
+              </a:rPr>
+              <a:t>   def __init__(self, x, y):</a:t>
+            </a:r>
+          </a:p>
+          <a:p>
+            <a:r>
+              <a:rPr lang="en-US" sz="2000" b="1" dirty="0">
+                <a:solidFill>
+                  <a:srgbClr val="FFD6AD"/>
+                </a:solidFill>
+                <a:latin typeface="Courier New" panose="02070309020205020404" pitchFamily="49" charset="0"/>
+                <a:cs typeface="Courier New" panose="02070309020205020404" pitchFamily="49" charset="0"/>
+              </a:rPr>
+              <a:t>      self.x = x</a:t>
+            </a:r>
+          </a:p>
+          <a:p>
+            <a:r>
+              <a:rPr lang="en-US" sz="2000" b="1" dirty="0">
+                <a:solidFill>
+                  <a:srgbClr val="FFD6AD"/>
+                </a:solidFill>
+                <a:latin typeface="Courier New" panose="02070309020205020404" pitchFamily="49" charset="0"/>
+                <a:cs typeface="Courier New" panose="02070309020205020404" pitchFamily="49" charset="0"/>
+              </a:rPr>
+              <a:t>	self.y = y</a:t>
+            </a:r>
+          </a:p>
+          <a:p>
+            <a:r>
+              <a:rPr lang="en-US" sz="2000" b="1" dirty="0">
+                <a:solidFill>
+                  <a:srgbClr val="FFD6AD"/>
+                </a:solidFill>
+                <a:latin typeface="Courier New" panose="02070309020205020404" pitchFamily="49" charset="0"/>
+                <a:cs typeface="Courier New" panose="02070309020205020404" pitchFamily="49" charset="0"/>
+              </a:rPr>
+              <a:t>	</a:t>
+            </a:r>
+            <a:endParaRPr lang="en-US" sz="2000" b="1" dirty="0">
+              <a:solidFill>
+                <a:srgbClr val="00FF00"/>
+              </a:solidFill>
+              <a:latin typeface="Courier New" panose="02070309020205020404" pitchFamily="49" charset="0"/>
+              <a:cs typeface="Courier New" panose="02070309020205020404" pitchFamily="49" charset="0"/>
+            </a:endParaRPr>
+          </a:p>
+          <a:p>
+            <a:r>
+              <a:rPr lang="en-US" sz="2000" b="1" dirty="0">
+                <a:solidFill>
+                  <a:srgbClr val="00FF00"/>
+                </a:solidFill>
+                <a:latin typeface="Courier New" panose="02070309020205020404" pitchFamily="49" charset="0"/>
+                <a:cs typeface="Courier New" panose="02070309020205020404" pitchFamily="49" charset="0"/>
+              </a:rPr>
+              <a:t>   </a:t>
+            </a:r>
+            <a:r>
+              <a:rPr lang="en-US" sz="2000" b="1" dirty="0">
+                <a:solidFill>
+                  <a:srgbClr val="FF5050"/>
+                </a:solidFill>
+                <a:latin typeface="Courier New" panose="02070309020205020404" pitchFamily="49" charset="0"/>
+                <a:cs typeface="Courier New" panose="02070309020205020404" pitchFamily="49" charset="0"/>
+              </a:rPr>
+              <a:t>def up(self):</a:t>
+            </a:r>
+          </a:p>
+          <a:p>
+            <a:r>
+              <a:rPr lang="en-US" sz="2000" b="1" dirty="0">
+                <a:solidFill>
+                  <a:srgbClr val="FF5050"/>
+                </a:solidFill>
+                <a:latin typeface="Courier New" panose="02070309020205020404" pitchFamily="49" charset="0"/>
+                <a:cs typeface="Courier New" panose="02070309020205020404" pitchFamily="49" charset="0"/>
+              </a:rPr>
+              <a:t>      body</a:t>
+            </a:r>
+          </a:p>
+          <a:p>
+            <a:endParaRPr lang="en-US" sz="2000" b="1" dirty="0">
+              <a:solidFill>
+                <a:srgbClr val="FF5050"/>
+              </a:solidFill>
+              <a:latin typeface="Courier New" panose="02070309020205020404" pitchFamily="49" charset="0"/>
+              <a:cs typeface="Courier New" panose="02070309020205020404" pitchFamily="49" charset="0"/>
+            </a:endParaRPr>
+          </a:p>
+          <a:p>
+            <a:r>
+              <a:rPr lang="en-US" sz="2000" b="1" dirty="0">
+                <a:solidFill>
+                  <a:srgbClr val="FF5050"/>
+                </a:solidFill>
+                <a:latin typeface="Courier New" panose="02070309020205020404" pitchFamily="49" charset="0"/>
+                <a:cs typeface="Courier New" panose="02070309020205020404" pitchFamily="49" charset="0"/>
+              </a:rPr>
+              <a:t>   def goto(self, x, y):</a:t>
+            </a:r>
+          </a:p>
+          <a:p>
+            <a:r>
+              <a:rPr lang="en-US" sz="2000" b="1" dirty="0">
+                <a:solidFill>
+                  <a:srgbClr val="FF5050"/>
+                </a:solidFill>
+                <a:latin typeface="Courier New" panose="02070309020205020404" pitchFamily="49" charset="0"/>
+                <a:cs typeface="Courier New" panose="02070309020205020404" pitchFamily="49" charset="0"/>
+              </a:rPr>
+              <a:t>      body</a:t>
+            </a:r>
+          </a:p>
+          <a:p>
+            <a:endParaRPr lang="en-US" sz="2000" b="1" dirty="0">
+              <a:solidFill>
+                <a:srgbClr val="FF5050"/>
+              </a:solidFill>
+              <a:latin typeface="Courier New" panose="02070309020205020404" pitchFamily="49" charset="0"/>
+              <a:cs typeface="Courier New" panose="02070309020205020404" pitchFamily="49" charset="0"/>
+            </a:endParaRPr>
+          </a:p>
+          <a:p>
+            <a:r>
+              <a:rPr lang="en-US" sz="2000" b="1" dirty="0">
+                <a:solidFill>
+                  <a:srgbClr val="FF5050"/>
+                </a:solidFill>
+                <a:latin typeface="Courier New" panose="02070309020205020404" pitchFamily="49" charset="0"/>
+                <a:cs typeface="Courier New" panose="02070309020205020404" pitchFamily="49" charset="0"/>
+              </a:rPr>
+              <a:t>   def down():</a:t>
+            </a:r>
+          </a:p>
+          <a:p>
+            <a:r>
+              <a:rPr lang="en-US" sz="2000" b="1" dirty="0">
+                <a:solidFill>
+                  <a:srgbClr val="FF5050"/>
+                </a:solidFill>
+                <a:latin typeface="Courier New" panose="02070309020205020404" pitchFamily="49" charset="0"/>
+                <a:cs typeface="Courier New" panose="02070309020205020404" pitchFamily="49" charset="0"/>
+              </a:rPr>
+              <a:t>      body</a:t>
+            </a:r>
+          </a:p>
+        </p:txBody>
+      </p:sp>
+      <p:sp>
+        <p:nvSpPr>
+          <p:cNvPr id="9" name="TextBox 8">
+            <a:extLst>
+              <a:ext uri="{FF2B5EF4-FFF2-40B4-BE49-F238E27FC236}">
+                <a16:creationId xmlns:a16="http://schemas.microsoft.com/office/drawing/2014/main" id="{8355FBBC-6338-4B3B-883A-18677625505B}"/>
+              </a:ext>
+            </a:extLst>
+          </p:cNvPr>
+          <p:cNvSpPr txBox="1"/>
+          <p:nvPr/>
+        </p:nvSpPr>
+        <p:spPr>
+          <a:xfrm>
+            <a:off x="263887" y="4149178"/>
+            <a:ext cx="4265911" cy="523220"/>
+          </a:xfrm>
+          <a:prstGeom prst="rect">
+            <a:avLst/>
+          </a:prstGeom>
+          <a:noFill/>
+        </p:spPr>
+        <p:txBody>
+          <a:bodyPr wrap="none" rtlCol="0">
+            <a:spAutoFit/>
+          </a:bodyPr>
+          <a:lstStyle/>
+          <a:p>
+            <a:r>
+              <a:rPr lang="en-US" sz="2800" b="1" dirty="0">
+                <a:solidFill>
+                  <a:srgbClr val="00FF00"/>
+                </a:solidFill>
+                <a:latin typeface="Courier New" panose="02070309020205020404" pitchFamily="49" charset="0"/>
+                <a:cs typeface="Courier New" panose="02070309020205020404" pitchFamily="49" charset="0"/>
+              </a:rPr>
+              <a:t>alex = Turtle(</a:t>
+            </a:r>
+            <a:r>
+              <a:rPr lang="en-US" sz="2800" b="1" dirty="0">
+                <a:solidFill>
+                  <a:schemeClr val="accent2"/>
+                </a:solidFill>
+                <a:latin typeface="Courier New" panose="02070309020205020404" pitchFamily="49" charset="0"/>
+                <a:cs typeface="Courier New" panose="02070309020205020404" pitchFamily="49" charset="0"/>
+              </a:rPr>
+              <a:t>0</a:t>
+            </a:r>
+            <a:r>
+              <a:rPr lang="en-US" sz="2800" b="1" dirty="0">
+                <a:solidFill>
+                  <a:srgbClr val="00FF00"/>
+                </a:solidFill>
+                <a:latin typeface="Courier New" panose="02070309020205020404" pitchFamily="49" charset="0"/>
+                <a:cs typeface="Courier New" panose="02070309020205020404" pitchFamily="49" charset="0"/>
+              </a:rPr>
+              <a:t>, </a:t>
+            </a:r>
+            <a:r>
+              <a:rPr lang="en-US" sz="2800" b="1" dirty="0">
+                <a:solidFill>
+                  <a:schemeClr val="accent2"/>
+                </a:solidFill>
+                <a:latin typeface="Courier New" panose="02070309020205020404" pitchFamily="49" charset="0"/>
+                <a:cs typeface="Courier New" panose="02070309020205020404" pitchFamily="49" charset="0"/>
+              </a:rPr>
+              <a:t>0</a:t>
+            </a:r>
+            <a:r>
+              <a:rPr lang="en-US" sz="2800" b="1" dirty="0">
+                <a:solidFill>
+                  <a:srgbClr val="00FF00"/>
+                </a:solidFill>
+                <a:latin typeface="Courier New" panose="02070309020205020404" pitchFamily="49" charset="0"/>
+                <a:cs typeface="Courier New" panose="02070309020205020404" pitchFamily="49" charset="0"/>
+              </a:rPr>
+              <a:t>)</a:t>
+            </a:r>
+          </a:p>
+        </p:txBody>
+      </p:sp>
+      <p:pic>
+        <p:nvPicPr>
+          <p:cNvPr id="10" name="Picture 4" descr="Turtle Icon | Flat Animal Iconset | Martin Berube">
+            <a:extLst>
+              <a:ext uri="{FF2B5EF4-FFF2-40B4-BE49-F238E27FC236}">
+                <a16:creationId xmlns:a16="http://schemas.microsoft.com/office/drawing/2014/main" id="{A6BE149B-E0E8-4C0A-8B07-F791B0D261A4}"/>
+              </a:ext>
+            </a:extLst>
+          </p:cNvPr>
+          <p:cNvPicPr>
+            <a:picLocks noChangeAspect="1" noChangeArrowheads="1"/>
+          </p:cNvPicPr>
+          <p:nvPr/>
+        </p:nvPicPr>
+        <p:blipFill>
+          <a:blip r:embed="rId2">
+            <a:extLst>
+              <a:ext uri="{28A0092B-C50C-407E-A947-70E740481C1C}">
+                <a14:useLocalDpi xmlns:a14="http://schemas.microsoft.com/office/drawing/2010/main" val="0"/>
+              </a:ext>
+            </a:extLst>
+          </a:blip>
+          <a:srcRect/>
+          <a:stretch>
+            <a:fillRect/>
+          </a:stretch>
+        </p:blipFill>
+        <p:spPr bwMode="auto">
+          <a:xfrm>
+            <a:off x="207435" y="2307854"/>
+            <a:ext cx="2109796" cy="2109796"/>
+          </a:xfrm>
+          <a:prstGeom prst="rect">
+            <a:avLst/>
+          </a:prstGeom>
+          <a:noFill/>
+          <a:extLst>
+            <a:ext uri="{909E8E84-426E-40DD-AFC4-6F175D3DCCD1}">
+              <a14:hiddenFill xmlns:a14="http://schemas.microsoft.com/office/drawing/2010/main">
+                <a:solidFill>
+                  <a:srgbClr val="FFFFFF"/>
+                </a:solidFill>
+              </a14:hiddenFill>
+            </a:ext>
+          </a:extLst>
+        </p:spPr>
+      </p:pic>
+    </p:spTree>
+    <p:extLst>
+      <p:ext uri="{BB962C8B-B14F-4D97-AF65-F5344CB8AC3E}">
+        <p14:creationId xmlns:p14="http://schemas.microsoft.com/office/powerpoint/2010/main" val="3595383615"/>
+      </p:ext>
+    </p:extLst>
+  </p:cSld>
+  <p:clrMapOvr>
+    <a:masterClrMapping/>
+  </p:clrMapOvr>
+</p:sld>
+</file>
+
+<file path=ppt/slides/slide22.xml><?xml version="1.0" encoding="utf-8"?>
+<p:sld xmlns:a="http://schemas.openxmlformats.org/drawingml/2006/main" xmlns:r="http://schemas.openxmlformats.org/officeDocument/2006/relationships" xmlns:p="http://schemas.openxmlformats.org/presentationml/2006/main">
+  <p:cSld>
+    <p:spTree>
+      <p:nvGrpSpPr>
+        <p:cNvPr id="1" name=""/>
+        <p:cNvGrpSpPr/>
+        <p:nvPr/>
+      </p:nvGrpSpPr>
+      <p:grpSpPr>
+        <a:xfrm>
+          <a:off x="0" y="0"/>
+          <a:ext cx="0" cy="0"/>
+          <a:chOff x="0" y="0"/>
+          <a:chExt cx="0" cy="0"/>
+        </a:xfrm>
+      </p:grpSpPr>
+      <p:sp>
+        <p:nvSpPr>
+          <p:cNvPr id="2" name="Title 1">
+            <a:extLst>
+              <a:ext uri="{FF2B5EF4-FFF2-40B4-BE49-F238E27FC236}">
+                <a16:creationId xmlns:a16="http://schemas.microsoft.com/office/drawing/2014/main" id="{F3D77582-2C41-4F4F-B3C6-29B46A02AE77}"/>
+              </a:ext>
+            </a:extLst>
+          </p:cNvPr>
+          <p:cNvSpPr>
+            <a:spLocks noGrp="1"/>
+          </p:cNvSpPr>
+          <p:nvPr>
+            <p:ph type="title"/>
+          </p:nvPr>
+        </p:nvSpPr>
+        <p:spPr/>
+        <p:txBody>
+          <a:bodyPr>
+            <a:normAutofit fontScale="90000"/>
+          </a:bodyPr>
+          <a:lstStyle/>
+          <a:p>
+            <a:r>
+              <a:rPr lang="en-US" b="1" dirty="0"/>
+              <a:t>Definition Recap</a:t>
+            </a:r>
+          </a:p>
+        </p:txBody>
+      </p:sp>
+      <p:sp>
+        <p:nvSpPr>
+          <p:cNvPr id="3" name="Content Placeholder 2">
+            <a:extLst>
+              <a:ext uri="{FF2B5EF4-FFF2-40B4-BE49-F238E27FC236}">
+                <a16:creationId xmlns:a16="http://schemas.microsoft.com/office/drawing/2014/main" id="{AD945F59-D3F1-4C5E-9BB2-14E933A18625}"/>
+              </a:ext>
+            </a:extLst>
+          </p:cNvPr>
+          <p:cNvSpPr>
+            <a:spLocks noGrp="1"/>
+          </p:cNvSpPr>
+          <p:nvPr>
+            <p:ph idx="1"/>
+          </p:nvPr>
+        </p:nvSpPr>
+        <p:spPr>
+          <a:xfrm>
+            <a:off x="838200" y="1825624"/>
+            <a:ext cx="7973932" cy="4835479"/>
+          </a:xfrm>
+        </p:spPr>
+        <p:txBody>
+          <a:bodyPr/>
+          <a:lstStyle/>
+          <a:p>
+            <a:r>
+              <a:rPr lang="en-US" dirty="0"/>
+              <a:t>Creating </a:t>
+            </a:r>
+            <a:r>
+              <a:rPr lang="en-US" dirty="0">
+                <a:solidFill>
+                  <a:schemeClr val="accent6"/>
+                </a:solidFill>
+              </a:rPr>
+              <a:t>(</a:t>
+            </a:r>
+            <a:r>
+              <a:rPr lang="en-US" dirty="0"/>
+              <a:t>constructing</a:t>
+            </a:r>
+            <a:r>
+              <a:rPr lang="en-US" dirty="0">
+                <a:solidFill>
+                  <a:schemeClr val="accent6"/>
+                </a:solidFill>
+              </a:rPr>
+              <a:t>)</a:t>
+            </a:r>
+            <a:r>
+              <a:rPr lang="en-US" dirty="0"/>
+              <a:t> an instance of a class</a:t>
+            </a:r>
+            <a:r>
+              <a:rPr lang="en-US" dirty="0">
+                <a:solidFill>
+                  <a:schemeClr val="accent2"/>
+                </a:solidFill>
+              </a:rPr>
+              <a:t>.</a:t>
+            </a:r>
+          </a:p>
+        </p:txBody>
+      </p:sp>
+      <p:sp>
+        <p:nvSpPr>
+          <p:cNvPr id="4" name="TextBox 3">
+            <a:extLst>
+              <a:ext uri="{FF2B5EF4-FFF2-40B4-BE49-F238E27FC236}">
+                <a16:creationId xmlns:a16="http://schemas.microsoft.com/office/drawing/2014/main" id="{94408458-4389-4779-9214-B3D27D684AF3}"/>
+              </a:ext>
+            </a:extLst>
+          </p:cNvPr>
+          <p:cNvSpPr txBox="1"/>
+          <p:nvPr/>
+        </p:nvSpPr>
+        <p:spPr>
+          <a:xfrm>
+            <a:off x="8877154" y="727514"/>
+            <a:ext cx="3035896" cy="5770811"/>
+          </a:xfrm>
+          <a:prstGeom prst="rect">
+            <a:avLst/>
+          </a:prstGeom>
+          <a:noFill/>
+        </p:spPr>
+        <p:txBody>
+          <a:bodyPr wrap="none" rtlCol="0">
+            <a:spAutoFit/>
+          </a:bodyPr>
+          <a:lstStyle/>
+          <a:p>
+            <a:r>
+              <a:rPr lang="en-US" sz="4000" b="1" dirty="0">
+                <a:solidFill>
+                  <a:srgbClr val="444445"/>
+                </a:solidFill>
+              </a:rPr>
+              <a:t>Class</a:t>
+            </a:r>
+          </a:p>
+          <a:p>
+            <a:r>
+              <a:rPr lang="en-US" sz="1400" b="1" dirty="0"/>
+              <a:t>   </a:t>
+            </a:r>
+          </a:p>
+          <a:p>
+            <a:r>
+              <a:rPr lang="en-US" sz="4000" b="1" dirty="0"/>
+              <a:t>Object</a:t>
+            </a:r>
+          </a:p>
+          <a:p>
+            <a:endParaRPr lang="en-US" sz="1400" b="1" dirty="0"/>
+          </a:p>
+          <a:p>
+            <a:r>
+              <a:rPr lang="en-US" sz="4000" b="1" dirty="0">
+                <a:solidFill>
+                  <a:schemeClr val="accent6"/>
+                </a:solidFill>
+              </a:rPr>
+              <a:t>Instantiate</a:t>
+            </a:r>
+          </a:p>
+          <a:p>
+            <a:endParaRPr lang="en-US" sz="1400" b="1" dirty="0"/>
+          </a:p>
+          <a:p>
+            <a:r>
+              <a:rPr lang="en-US" sz="4000" b="1" dirty="0"/>
+              <a:t>Method</a:t>
+            </a:r>
+          </a:p>
+          <a:p>
+            <a:endParaRPr lang="en-US" sz="1400" b="1" dirty="0"/>
+          </a:p>
+          <a:p>
+            <a:r>
+              <a:rPr lang="en-US" sz="4000" b="1" dirty="0"/>
+              <a:t>Attribute</a:t>
+            </a:r>
+          </a:p>
+          <a:p>
+            <a:endParaRPr lang="en-US" sz="1400" b="1" dirty="0"/>
+          </a:p>
+          <a:p>
+            <a:r>
+              <a:rPr lang="en-US" sz="4000" b="1" dirty="0"/>
+              <a:t>Constructor</a:t>
+            </a:r>
+          </a:p>
+          <a:p>
+            <a:endParaRPr lang="en-US" sz="1400" b="1" dirty="0"/>
+          </a:p>
+          <a:p>
+            <a:r>
+              <a:rPr lang="en-US" sz="4000" b="1" dirty="0"/>
+              <a:t>self</a:t>
+            </a:r>
+          </a:p>
+        </p:txBody>
+      </p:sp>
+      <p:sp>
+        <p:nvSpPr>
+          <p:cNvPr id="7" name="Arrow: Bent-Up 6">
+            <a:extLst>
+              <a:ext uri="{FF2B5EF4-FFF2-40B4-BE49-F238E27FC236}">
+                <a16:creationId xmlns:a16="http://schemas.microsoft.com/office/drawing/2014/main" id="{34B24F35-F97A-49C2-ACCA-283EED1A8534}"/>
+              </a:ext>
+            </a:extLst>
+          </p:cNvPr>
+          <p:cNvSpPr/>
+          <p:nvPr/>
+        </p:nvSpPr>
+        <p:spPr>
+          <a:xfrm flipH="1">
+            <a:off x="1239252" y="4740442"/>
+            <a:ext cx="1130969" cy="1618644"/>
+          </a:xfrm>
+          <a:prstGeom prst="bentUpArrow">
+            <a:avLst/>
+          </a:prstGeom>
+        </p:spPr>
+        <p:style>
+          <a:lnRef idx="2">
+            <a:schemeClr val="accent1">
+              <a:shade val="50000"/>
+            </a:schemeClr>
+          </a:lnRef>
+          <a:fillRef idx="1">
+            <a:schemeClr val="accent1"/>
+          </a:fillRef>
+          <a:effectRef idx="0">
+            <a:schemeClr val="accent1"/>
+          </a:effectRef>
+          <a:fontRef idx="minor">
+            <a:schemeClr val="lt1"/>
+          </a:fontRef>
+        </p:style>
+        <p:txBody>
+          <a:bodyPr rtlCol="0" anchor="ctr"/>
+          <a:lstStyle/>
+          <a:p>
+            <a:pPr algn="ctr"/>
+            <a:endParaRPr lang="en-US"/>
+          </a:p>
+        </p:txBody>
+      </p:sp>
+      <p:sp>
+        <p:nvSpPr>
+          <p:cNvPr id="8" name="TextBox 7">
+            <a:extLst>
+              <a:ext uri="{FF2B5EF4-FFF2-40B4-BE49-F238E27FC236}">
+                <a16:creationId xmlns:a16="http://schemas.microsoft.com/office/drawing/2014/main" id="{3277F5BA-32F4-420B-BB78-40A9CA225ADD}"/>
+              </a:ext>
+            </a:extLst>
+          </p:cNvPr>
+          <p:cNvSpPr txBox="1"/>
+          <p:nvPr/>
+        </p:nvSpPr>
+        <p:spPr>
+          <a:xfrm>
+            <a:off x="2478504" y="5981183"/>
+            <a:ext cx="5614037" cy="523220"/>
+          </a:xfrm>
+          <a:prstGeom prst="rect">
+            <a:avLst/>
+          </a:prstGeom>
+          <a:noFill/>
+        </p:spPr>
+        <p:txBody>
+          <a:bodyPr wrap="none" rtlCol="0">
+            <a:spAutoFit/>
+          </a:bodyPr>
+          <a:lstStyle/>
+          <a:p>
+            <a:r>
+              <a:rPr lang="en-US" sz="2800" dirty="0">
+                <a:solidFill>
+                  <a:srgbClr val="FFFFFF"/>
+                </a:solidFill>
+              </a:rPr>
+              <a:t>This is the process of instantiating</a:t>
+            </a:r>
+            <a:r>
+              <a:rPr lang="en-US" sz="2800" dirty="0">
+                <a:solidFill>
+                  <a:schemeClr val="accent3"/>
+                </a:solidFill>
+              </a:rPr>
+              <a:t>.</a:t>
+            </a:r>
+          </a:p>
+        </p:txBody>
+      </p:sp>
+      <p:sp>
+        <p:nvSpPr>
+          <p:cNvPr id="9" name="TextBox 8">
+            <a:extLst>
+              <a:ext uri="{FF2B5EF4-FFF2-40B4-BE49-F238E27FC236}">
+                <a16:creationId xmlns:a16="http://schemas.microsoft.com/office/drawing/2014/main" id="{BF80D512-64A1-4793-B775-1E3CC27653B1}"/>
+              </a:ext>
+            </a:extLst>
+          </p:cNvPr>
+          <p:cNvSpPr txBox="1"/>
+          <p:nvPr/>
+        </p:nvSpPr>
+        <p:spPr>
+          <a:xfrm>
+            <a:off x="263887" y="4149178"/>
+            <a:ext cx="4265911" cy="523220"/>
+          </a:xfrm>
+          <a:prstGeom prst="rect">
+            <a:avLst/>
+          </a:prstGeom>
+          <a:noFill/>
+        </p:spPr>
+        <p:txBody>
+          <a:bodyPr wrap="none" rtlCol="0">
+            <a:spAutoFit/>
+          </a:bodyPr>
+          <a:lstStyle/>
+          <a:p>
+            <a:r>
+              <a:rPr lang="en-US" sz="2800" b="1" dirty="0">
+                <a:solidFill>
+                  <a:srgbClr val="00FF00"/>
+                </a:solidFill>
+                <a:latin typeface="Courier New" panose="02070309020205020404" pitchFamily="49" charset="0"/>
+                <a:cs typeface="Courier New" panose="02070309020205020404" pitchFamily="49" charset="0"/>
+              </a:rPr>
+              <a:t>alex = Turtle(</a:t>
+            </a:r>
+            <a:r>
+              <a:rPr lang="en-US" sz="2800" b="1" dirty="0">
+                <a:solidFill>
+                  <a:schemeClr val="accent2"/>
+                </a:solidFill>
+                <a:latin typeface="Courier New" panose="02070309020205020404" pitchFamily="49" charset="0"/>
+                <a:cs typeface="Courier New" panose="02070309020205020404" pitchFamily="49" charset="0"/>
+              </a:rPr>
+              <a:t>0</a:t>
+            </a:r>
+            <a:r>
+              <a:rPr lang="en-US" sz="2800" b="1" dirty="0">
+                <a:solidFill>
+                  <a:srgbClr val="00FF00"/>
+                </a:solidFill>
+                <a:latin typeface="Courier New" panose="02070309020205020404" pitchFamily="49" charset="0"/>
+                <a:cs typeface="Courier New" panose="02070309020205020404" pitchFamily="49" charset="0"/>
+              </a:rPr>
+              <a:t>, </a:t>
+            </a:r>
+            <a:r>
+              <a:rPr lang="en-US" sz="2800" b="1" dirty="0">
+                <a:solidFill>
+                  <a:schemeClr val="accent2"/>
+                </a:solidFill>
+                <a:latin typeface="Courier New" panose="02070309020205020404" pitchFamily="49" charset="0"/>
+                <a:cs typeface="Courier New" panose="02070309020205020404" pitchFamily="49" charset="0"/>
+              </a:rPr>
+              <a:t>0</a:t>
+            </a:r>
+            <a:r>
+              <a:rPr lang="en-US" sz="2800" b="1" dirty="0">
+                <a:solidFill>
+                  <a:srgbClr val="00FF00"/>
+                </a:solidFill>
+                <a:latin typeface="Courier New" panose="02070309020205020404" pitchFamily="49" charset="0"/>
+                <a:cs typeface="Courier New" panose="02070309020205020404" pitchFamily="49" charset="0"/>
+              </a:rPr>
+              <a:t>)</a:t>
+            </a:r>
+          </a:p>
+        </p:txBody>
+      </p:sp>
+      <p:pic>
+        <p:nvPicPr>
+          <p:cNvPr id="10" name="Picture 4" descr="Turtle Icon | Flat Animal Iconset | Martin Berube">
+            <a:extLst>
+              <a:ext uri="{FF2B5EF4-FFF2-40B4-BE49-F238E27FC236}">
+                <a16:creationId xmlns:a16="http://schemas.microsoft.com/office/drawing/2014/main" id="{DDF77CF9-24ED-4F01-8D42-B9966DED4871}"/>
+              </a:ext>
+            </a:extLst>
+          </p:cNvPr>
+          <p:cNvPicPr>
+            <a:picLocks noChangeAspect="1" noChangeArrowheads="1"/>
+          </p:cNvPicPr>
+          <p:nvPr/>
+        </p:nvPicPr>
+        <p:blipFill>
+          <a:blip r:embed="rId2">
+            <a:extLst>
+              <a:ext uri="{28A0092B-C50C-407E-A947-70E740481C1C}">
+                <a14:useLocalDpi xmlns:a14="http://schemas.microsoft.com/office/drawing/2010/main" val="0"/>
+              </a:ext>
+            </a:extLst>
+          </a:blip>
+          <a:srcRect/>
+          <a:stretch>
+            <a:fillRect/>
+          </a:stretch>
+        </p:blipFill>
+        <p:spPr bwMode="auto">
+          <a:xfrm>
+            <a:off x="207435" y="2307854"/>
+            <a:ext cx="2109796" cy="2109796"/>
+          </a:xfrm>
+          <a:prstGeom prst="rect">
+            <a:avLst/>
+          </a:prstGeom>
+          <a:noFill/>
+          <a:extLst>
+            <a:ext uri="{909E8E84-426E-40DD-AFC4-6F175D3DCCD1}">
+              <a14:hiddenFill xmlns:a14="http://schemas.microsoft.com/office/drawing/2010/main">
+                <a:solidFill>
+                  <a:srgbClr val="FFFFFF"/>
+                </a:solidFill>
+              </a14:hiddenFill>
+            </a:ext>
+          </a:extLst>
+        </p:spPr>
+      </p:pic>
+    </p:spTree>
+    <p:extLst>
+      <p:ext uri="{BB962C8B-B14F-4D97-AF65-F5344CB8AC3E}">
+        <p14:creationId xmlns:p14="http://schemas.microsoft.com/office/powerpoint/2010/main" val="3462211655"/>
+      </p:ext>
+    </p:extLst>
+  </p:cSld>
+  <p:clrMapOvr>
+    <a:masterClrMapping/>
+  </p:clrMapOvr>
+</p:sld>
+</file>
+
+<file path=ppt/slides/slide23.xml><?xml version="1.0" encoding="utf-8"?>
+<p:sld xmlns:a="http://schemas.openxmlformats.org/drawingml/2006/main" xmlns:r="http://schemas.openxmlformats.org/officeDocument/2006/relationships" xmlns:p="http://schemas.openxmlformats.org/presentationml/2006/main">
+  <p:cSld>
+    <p:spTree>
+      <p:nvGrpSpPr>
+        <p:cNvPr id="1" name=""/>
+        <p:cNvGrpSpPr/>
+        <p:nvPr/>
+      </p:nvGrpSpPr>
+      <p:grpSpPr>
+        <a:xfrm>
+          <a:off x="0" y="0"/>
+          <a:ext cx="0" cy="0"/>
+          <a:chOff x="0" y="0"/>
+          <a:chExt cx="0" cy="0"/>
+        </a:xfrm>
+      </p:grpSpPr>
+      <p:sp>
+        <p:nvSpPr>
+          <p:cNvPr id="2" name="Title 1">
+            <a:extLst>
+              <a:ext uri="{FF2B5EF4-FFF2-40B4-BE49-F238E27FC236}">
+                <a16:creationId xmlns:a16="http://schemas.microsoft.com/office/drawing/2014/main" id="{F3D77582-2C41-4F4F-B3C6-29B46A02AE77}"/>
+              </a:ext>
+            </a:extLst>
+          </p:cNvPr>
+          <p:cNvSpPr>
+            <a:spLocks noGrp="1"/>
+          </p:cNvSpPr>
+          <p:nvPr>
+            <p:ph type="title"/>
+          </p:nvPr>
+        </p:nvSpPr>
+        <p:spPr/>
+        <p:txBody>
+          <a:bodyPr>
+            <a:normAutofit fontScale="90000"/>
+          </a:bodyPr>
+          <a:lstStyle/>
+          <a:p>
+            <a:r>
+              <a:rPr lang="en-US" b="1" dirty="0"/>
+              <a:t>Definition Recap</a:t>
+            </a:r>
+          </a:p>
+        </p:txBody>
+      </p:sp>
+      <p:sp>
+        <p:nvSpPr>
+          <p:cNvPr id="3" name="Content Placeholder 2">
+            <a:extLst>
+              <a:ext uri="{FF2B5EF4-FFF2-40B4-BE49-F238E27FC236}">
+                <a16:creationId xmlns:a16="http://schemas.microsoft.com/office/drawing/2014/main" id="{AD945F59-D3F1-4C5E-9BB2-14E933A18625}"/>
+              </a:ext>
+            </a:extLst>
+          </p:cNvPr>
+          <p:cNvSpPr>
+            <a:spLocks noGrp="1"/>
+          </p:cNvSpPr>
+          <p:nvPr>
+            <p:ph idx="1"/>
+          </p:nvPr>
+        </p:nvSpPr>
+        <p:spPr>
+          <a:xfrm>
+            <a:off x="838200" y="1825624"/>
+            <a:ext cx="7006389" cy="4835479"/>
+          </a:xfrm>
+        </p:spPr>
+        <p:txBody>
+          <a:bodyPr/>
+          <a:lstStyle/>
+          <a:p>
+            <a:r>
+              <a:rPr lang="en-US" dirty="0"/>
+              <a:t>A function defined in a class</a:t>
+            </a:r>
+            <a:r>
+              <a:rPr lang="en-US" dirty="0">
+                <a:solidFill>
+                  <a:schemeClr val="accent2"/>
+                </a:solidFill>
+              </a:rPr>
+              <a:t>.</a:t>
+            </a:r>
+          </a:p>
+        </p:txBody>
+      </p:sp>
+      <p:sp>
+        <p:nvSpPr>
+          <p:cNvPr id="4" name="TextBox 3">
+            <a:extLst>
+              <a:ext uri="{FF2B5EF4-FFF2-40B4-BE49-F238E27FC236}">
+                <a16:creationId xmlns:a16="http://schemas.microsoft.com/office/drawing/2014/main" id="{94408458-4389-4779-9214-B3D27D684AF3}"/>
+              </a:ext>
+            </a:extLst>
+          </p:cNvPr>
+          <p:cNvSpPr txBox="1"/>
+          <p:nvPr/>
+        </p:nvSpPr>
+        <p:spPr>
+          <a:xfrm>
+            <a:off x="8877154" y="727514"/>
+            <a:ext cx="3035896" cy="5770811"/>
+          </a:xfrm>
+          <a:prstGeom prst="rect">
+            <a:avLst/>
+          </a:prstGeom>
+          <a:noFill/>
+        </p:spPr>
+        <p:txBody>
+          <a:bodyPr wrap="none" rtlCol="0">
+            <a:spAutoFit/>
+          </a:bodyPr>
+          <a:lstStyle/>
+          <a:p>
+            <a:r>
+              <a:rPr lang="en-US" sz="4000" b="1" dirty="0">
+                <a:solidFill>
+                  <a:srgbClr val="444445"/>
+                </a:solidFill>
+              </a:rPr>
+              <a:t>Class</a:t>
+            </a:r>
+          </a:p>
+          <a:p>
+            <a:r>
+              <a:rPr lang="en-US" sz="1400" b="1" dirty="0"/>
+              <a:t>   </a:t>
+            </a:r>
+          </a:p>
+          <a:p>
+            <a:r>
+              <a:rPr lang="en-US" sz="4000" b="1" dirty="0"/>
+              <a:t>Object</a:t>
+            </a:r>
+          </a:p>
+          <a:p>
+            <a:endParaRPr lang="en-US" sz="1400" b="1" dirty="0"/>
+          </a:p>
+          <a:p>
+            <a:r>
+              <a:rPr lang="en-US" sz="4000" b="1" dirty="0"/>
+              <a:t>Instantiate</a:t>
+            </a:r>
+          </a:p>
+          <a:p>
+            <a:endParaRPr lang="en-US" sz="1400" b="1" dirty="0"/>
+          </a:p>
+          <a:p>
+            <a:r>
+              <a:rPr lang="en-US" sz="4000" b="1" dirty="0">
+                <a:solidFill>
+                  <a:schemeClr val="accent6"/>
+                </a:solidFill>
+              </a:rPr>
+              <a:t>Method</a:t>
+            </a:r>
+          </a:p>
+          <a:p>
+            <a:endParaRPr lang="en-US" sz="1400" b="1" dirty="0"/>
+          </a:p>
+          <a:p>
+            <a:r>
+              <a:rPr lang="en-US" sz="4000" b="1" dirty="0"/>
+              <a:t>Attribute</a:t>
+            </a:r>
+          </a:p>
+          <a:p>
+            <a:endParaRPr lang="en-US" sz="1400" b="1" dirty="0"/>
+          </a:p>
+          <a:p>
+            <a:r>
+              <a:rPr lang="en-US" sz="4000" b="1" dirty="0"/>
+              <a:t>Constructor</a:t>
+            </a:r>
+          </a:p>
+          <a:p>
+            <a:endParaRPr lang="en-US" sz="1400" b="1" dirty="0"/>
+          </a:p>
+          <a:p>
+            <a:r>
+              <a:rPr lang="en-US" sz="4000" b="1" dirty="0"/>
+              <a:t>self</a:t>
+            </a:r>
+          </a:p>
+        </p:txBody>
+      </p:sp>
+      <p:sp>
+        <p:nvSpPr>
+          <p:cNvPr id="7" name="TextBox 6">
+            <a:extLst>
+              <a:ext uri="{FF2B5EF4-FFF2-40B4-BE49-F238E27FC236}">
+                <a16:creationId xmlns:a16="http://schemas.microsoft.com/office/drawing/2014/main" id="{46115954-1777-4C44-920A-2D6217BF61BA}"/>
+              </a:ext>
+            </a:extLst>
+          </p:cNvPr>
+          <p:cNvSpPr txBox="1"/>
+          <p:nvPr/>
+        </p:nvSpPr>
+        <p:spPr>
+          <a:xfrm>
+            <a:off x="4091669" y="2663721"/>
+            <a:ext cx="4474815" cy="2554545"/>
+          </a:xfrm>
+          <a:prstGeom prst="rect">
+            <a:avLst/>
+          </a:prstGeom>
+          <a:noFill/>
+        </p:spPr>
+        <p:txBody>
+          <a:bodyPr wrap="square" rtlCol="0">
+            <a:spAutoFit/>
+          </a:bodyPr>
+          <a:lstStyle/>
+          <a:p>
+            <a:r>
+              <a:rPr lang="en-US" sz="2000" b="1" dirty="0">
+                <a:solidFill>
+                  <a:srgbClr val="00FF00"/>
+                </a:solidFill>
+                <a:latin typeface="Courier New" panose="02070309020205020404" pitchFamily="49" charset="0"/>
+                <a:cs typeface="Courier New" panose="02070309020205020404" pitchFamily="49" charset="0"/>
+              </a:rPr>
+              <a:t>class Turtle:</a:t>
+            </a:r>
+          </a:p>
+          <a:p>
+            <a:r>
+              <a:rPr lang="en-US" sz="2000" b="1" dirty="0">
+                <a:solidFill>
+                  <a:srgbClr val="00FF00"/>
+                </a:solidFill>
+                <a:latin typeface="Courier New" panose="02070309020205020404" pitchFamily="49" charset="0"/>
+                <a:cs typeface="Courier New" panose="02070309020205020404" pitchFamily="49" charset="0"/>
+              </a:rPr>
+              <a:t>   </a:t>
+            </a:r>
+          </a:p>
+          <a:p>
+            <a:r>
+              <a:rPr lang="en-US" sz="2000" b="1" dirty="0">
+                <a:solidFill>
+                  <a:srgbClr val="FFD6AD"/>
+                </a:solidFill>
+                <a:latin typeface="Courier New" panose="02070309020205020404" pitchFamily="49" charset="0"/>
+                <a:cs typeface="Courier New" panose="02070309020205020404" pitchFamily="49" charset="0"/>
+              </a:rPr>
+              <a:t>   def __init__(self, x, y):</a:t>
+            </a:r>
+          </a:p>
+          <a:p>
+            <a:r>
+              <a:rPr lang="en-US" sz="2000" b="1" dirty="0">
+                <a:solidFill>
+                  <a:srgbClr val="FFD6AD"/>
+                </a:solidFill>
+                <a:latin typeface="Courier New" panose="02070309020205020404" pitchFamily="49" charset="0"/>
+                <a:cs typeface="Courier New" panose="02070309020205020404" pitchFamily="49" charset="0"/>
+              </a:rPr>
+              <a:t>      self.x = x</a:t>
+            </a:r>
+          </a:p>
+          <a:p>
+            <a:r>
+              <a:rPr lang="en-US" sz="2000" b="1" dirty="0">
+                <a:solidFill>
+                  <a:srgbClr val="FFD6AD"/>
+                </a:solidFill>
+                <a:latin typeface="Courier New" panose="02070309020205020404" pitchFamily="49" charset="0"/>
+                <a:cs typeface="Courier New" panose="02070309020205020404" pitchFamily="49" charset="0"/>
+              </a:rPr>
+              <a:t>	self.y = y</a:t>
+            </a:r>
+          </a:p>
+          <a:p>
+            <a:r>
+              <a:rPr lang="en-US" sz="2000" b="1" dirty="0">
+                <a:solidFill>
+                  <a:srgbClr val="FFD6AD"/>
+                </a:solidFill>
+                <a:latin typeface="Courier New" panose="02070309020205020404" pitchFamily="49" charset="0"/>
+                <a:cs typeface="Courier New" panose="02070309020205020404" pitchFamily="49" charset="0"/>
+              </a:rPr>
+              <a:t>	</a:t>
+            </a:r>
+            <a:endParaRPr lang="en-US" sz="2000" b="1" dirty="0">
+              <a:solidFill>
+                <a:srgbClr val="FF5050"/>
+              </a:solidFill>
+              <a:latin typeface="Courier New" panose="02070309020205020404" pitchFamily="49" charset="0"/>
+              <a:cs typeface="Courier New" panose="02070309020205020404" pitchFamily="49" charset="0"/>
+            </a:endParaRPr>
+          </a:p>
+          <a:p>
+            <a:r>
+              <a:rPr lang="en-US" sz="2000" b="1" dirty="0">
+                <a:solidFill>
+                  <a:srgbClr val="FF5050"/>
+                </a:solidFill>
+                <a:latin typeface="Courier New" panose="02070309020205020404" pitchFamily="49" charset="0"/>
+                <a:cs typeface="Courier New" panose="02070309020205020404" pitchFamily="49" charset="0"/>
+              </a:rPr>
+              <a:t>   def goto(self, x, y):</a:t>
+            </a:r>
+          </a:p>
+          <a:p>
+            <a:r>
+              <a:rPr lang="en-US" sz="2000" b="1" dirty="0">
+                <a:solidFill>
+                  <a:srgbClr val="FF5050"/>
+                </a:solidFill>
+                <a:latin typeface="Courier New" panose="02070309020205020404" pitchFamily="49" charset="0"/>
+                <a:cs typeface="Courier New" panose="02070309020205020404" pitchFamily="49" charset="0"/>
+              </a:rPr>
+              <a:t>      body</a:t>
+            </a:r>
+          </a:p>
+        </p:txBody>
+      </p:sp>
+      <p:sp>
+        <p:nvSpPr>
+          <p:cNvPr id="8" name="TextBox 7">
+            <a:extLst>
+              <a:ext uri="{FF2B5EF4-FFF2-40B4-BE49-F238E27FC236}">
+                <a16:creationId xmlns:a16="http://schemas.microsoft.com/office/drawing/2014/main" id="{61C72DF5-ABFE-444A-9955-C15F4975B8A9}"/>
+              </a:ext>
+            </a:extLst>
+          </p:cNvPr>
+          <p:cNvSpPr txBox="1"/>
+          <p:nvPr/>
+        </p:nvSpPr>
+        <p:spPr>
+          <a:xfrm>
+            <a:off x="278950" y="2663721"/>
+            <a:ext cx="4474815" cy="707886"/>
+          </a:xfrm>
+          <a:prstGeom prst="rect">
+            <a:avLst/>
+          </a:prstGeom>
+          <a:noFill/>
+        </p:spPr>
+        <p:txBody>
+          <a:bodyPr wrap="square" rtlCol="0">
+            <a:spAutoFit/>
+          </a:bodyPr>
+          <a:lstStyle/>
+          <a:p>
+            <a:r>
+              <a:rPr lang="en-US" sz="2000" b="1" dirty="0">
+                <a:solidFill>
+                  <a:srgbClr val="FF5050"/>
+                </a:solidFill>
+                <a:latin typeface="Courier New" panose="02070309020205020404" pitchFamily="49" charset="0"/>
+                <a:cs typeface="Courier New" panose="02070309020205020404" pitchFamily="49" charset="0"/>
+              </a:rPr>
+              <a:t>def goto(x, y):</a:t>
+            </a:r>
+          </a:p>
+          <a:p>
+            <a:r>
+              <a:rPr lang="en-US" sz="2000" b="1" dirty="0">
+                <a:solidFill>
+                  <a:srgbClr val="FF5050"/>
+                </a:solidFill>
+                <a:latin typeface="Courier New" panose="02070309020205020404" pitchFamily="49" charset="0"/>
+                <a:cs typeface="Courier New" panose="02070309020205020404" pitchFamily="49" charset="0"/>
+              </a:rPr>
+              <a:t>   body</a:t>
+            </a:r>
+          </a:p>
+        </p:txBody>
+      </p:sp>
+      <p:sp>
+        <p:nvSpPr>
+          <p:cNvPr id="5" name="TextBox 4">
+            <a:extLst>
+              <a:ext uri="{FF2B5EF4-FFF2-40B4-BE49-F238E27FC236}">
+                <a16:creationId xmlns:a16="http://schemas.microsoft.com/office/drawing/2014/main" id="{66385320-7FED-4100-99E4-A1DA570F0F4E}"/>
+              </a:ext>
+            </a:extLst>
+          </p:cNvPr>
+          <p:cNvSpPr txBox="1"/>
+          <p:nvPr/>
+        </p:nvSpPr>
+        <p:spPr>
+          <a:xfrm>
+            <a:off x="284744" y="5975105"/>
+            <a:ext cx="1659429" cy="523220"/>
+          </a:xfrm>
+          <a:prstGeom prst="rect">
+            <a:avLst/>
+          </a:prstGeom>
+          <a:noFill/>
+        </p:spPr>
+        <p:txBody>
+          <a:bodyPr wrap="none" rtlCol="0">
+            <a:spAutoFit/>
+          </a:bodyPr>
+          <a:lstStyle/>
+          <a:p>
+            <a:r>
+              <a:rPr lang="en-US" sz="2800" b="1" dirty="0">
+                <a:solidFill>
+                  <a:srgbClr val="FFFFFF"/>
+                </a:solidFill>
+              </a:rPr>
+              <a:t>Function</a:t>
+            </a:r>
+          </a:p>
+        </p:txBody>
+      </p:sp>
+      <p:sp>
+        <p:nvSpPr>
+          <p:cNvPr id="9" name="TextBox 8">
+            <a:extLst>
+              <a:ext uri="{FF2B5EF4-FFF2-40B4-BE49-F238E27FC236}">
+                <a16:creationId xmlns:a16="http://schemas.microsoft.com/office/drawing/2014/main" id="{AEF082BA-23A1-476B-B127-7DF3E3EFA700}"/>
+              </a:ext>
+            </a:extLst>
+          </p:cNvPr>
+          <p:cNvSpPr txBox="1"/>
+          <p:nvPr/>
+        </p:nvSpPr>
+        <p:spPr>
+          <a:xfrm>
+            <a:off x="4636173" y="5975105"/>
+            <a:ext cx="1519968" cy="523220"/>
+          </a:xfrm>
+          <a:prstGeom prst="rect">
+            <a:avLst/>
+          </a:prstGeom>
+          <a:noFill/>
+        </p:spPr>
+        <p:txBody>
+          <a:bodyPr wrap="none" rtlCol="0">
+            <a:spAutoFit/>
+          </a:bodyPr>
+          <a:lstStyle/>
+          <a:p>
+            <a:r>
+              <a:rPr lang="en-US" sz="2800" b="1" dirty="0">
+                <a:solidFill>
+                  <a:srgbClr val="FFFFFF"/>
+                </a:solidFill>
+              </a:rPr>
+              <a:t>Method</a:t>
+            </a:r>
+          </a:p>
+        </p:txBody>
+      </p:sp>
+      <p:sp>
+        <p:nvSpPr>
+          <p:cNvPr id="10" name="Arrow: Down 9">
+            <a:extLst>
+              <a:ext uri="{FF2B5EF4-FFF2-40B4-BE49-F238E27FC236}">
+                <a16:creationId xmlns:a16="http://schemas.microsoft.com/office/drawing/2014/main" id="{65780106-D003-4746-8959-5513EBA86092}"/>
+              </a:ext>
+            </a:extLst>
+          </p:cNvPr>
+          <p:cNvSpPr/>
+          <p:nvPr/>
+        </p:nvSpPr>
+        <p:spPr>
+          <a:xfrm rot="10800000">
+            <a:off x="970079" y="3371607"/>
+            <a:ext cx="288758" cy="2560732"/>
+          </a:xfrm>
+          <a:prstGeom prst="downArrow">
+            <a:avLst/>
+          </a:prstGeom>
+        </p:spPr>
+        <p:style>
+          <a:lnRef idx="2">
+            <a:schemeClr val="accent1">
+              <a:shade val="50000"/>
+            </a:schemeClr>
+          </a:lnRef>
+          <a:fillRef idx="1">
+            <a:schemeClr val="accent1"/>
+          </a:fillRef>
+          <a:effectRef idx="0">
+            <a:schemeClr val="accent1"/>
+          </a:effectRef>
+          <a:fontRef idx="minor">
+            <a:schemeClr val="lt1"/>
+          </a:fontRef>
+        </p:style>
+        <p:txBody>
+          <a:bodyPr rtlCol="0" anchor="ctr"/>
+          <a:lstStyle/>
+          <a:p>
+            <a:pPr algn="ctr"/>
+            <a:endParaRPr lang="en-US"/>
+          </a:p>
+        </p:txBody>
+      </p:sp>
+      <p:sp>
+        <p:nvSpPr>
+          <p:cNvPr id="11" name="Arrow: Down 10">
+            <a:extLst>
+              <a:ext uri="{FF2B5EF4-FFF2-40B4-BE49-F238E27FC236}">
+                <a16:creationId xmlns:a16="http://schemas.microsoft.com/office/drawing/2014/main" id="{72B8D4EE-E53C-4425-AAD9-DC69CF765751}"/>
+              </a:ext>
+            </a:extLst>
+          </p:cNvPr>
+          <p:cNvSpPr/>
+          <p:nvPr/>
+        </p:nvSpPr>
+        <p:spPr>
+          <a:xfrm rot="10800000">
+            <a:off x="5241760" y="5218265"/>
+            <a:ext cx="288758" cy="756839"/>
+          </a:xfrm>
+          <a:prstGeom prst="downArrow">
+            <a:avLst/>
+          </a:prstGeom>
+        </p:spPr>
+        <p:style>
+          <a:lnRef idx="2">
+            <a:schemeClr val="accent1">
+              <a:shade val="50000"/>
+            </a:schemeClr>
+          </a:lnRef>
+          <a:fillRef idx="1">
+            <a:schemeClr val="accent1"/>
+          </a:fillRef>
+          <a:effectRef idx="0">
+            <a:schemeClr val="accent1"/>
+          </a:effectRef>
+          <a:fontRef idx="minor">
+            <a:schemeClr val="lt1"/>
+          </a:fontRef>
+        </p:style>
+        <p:txBody>
+          <a:bodyPr rtlCol="0" anchor="ctr"/>
+          <a:lstStyle/>
+          <a:p>
+            <a:pPr algn="ctr"/>
+            <a:endParaRPr lang="en-US"/>
+          </a:p>
+        </p:txBody>
+      </p:sp>
+    </p:spTree>
+    <p:extLst>
+      <p:ext uri="{BB962C8B-B14F-4D97-AF65-F5344CB8AC3E}">
+        <p14:creationId xmlns:p14="http://schemas.microsoft.com/office/powerpoint/2010/main" val="2560003829"/>
+      </p:ext>
+    </p:extLst>
+  </p:cSld>
+  <p:clrMapOvr>
+    <a:masterClrMapping/>
+  </p:clrMapOvr>
+</p:sld>
+</file>
+
+<file path=ppt/slides/slide24.xml><?xml version="1.0" encoding="utf-8"?>
+<p:sld xmlns:a="http://schemas.openxmlformats.org/drawingml/2006/main" xmlns:r="http://schemas.openxmlformats.org/officeDocument/2006/relationships" xmlns:p="http://schemas.openxmlformats.org/presentationml/2006/main">
+  <p:cSld>
+    <p:spTree>
+      <p:nvGrpSpPr>
+        <p:cNvPr id="1" name=""/>
+        <p:cNvGrpSpPr/>
+        <p:nvPr/>
+      </p:nvGrpSpPr>
+      <p:grpSpPr>
+        <a:xfrm>
+          <a:off x="0" y="0"/>
+          <a:ext cx="0" cy="0"/>
+          <a:chOff x="0" y="0"/>
+          <a:chExt cx="0" cy="0"/>
+        </a:xfrm>
+      </p:grpSpPr>
+      <p:sp>
+        <p:nvSpPr>
+          <p:cNvPr id="2" name="Title 1">
+            <a:extLst>
+              <a:ext uri="{FF2B5EF4-FFF2-40B4-BE49-F238E27FC236}">
+                <a16:creationId xmlns:a16="http://schemas.microsoft.com/office/drawing/2014/main" id="{F3D77582-2C41-4F4F-B3C6-29B46A02AE77}"/>
+              </a:ext>
+            </a:extLst>
+          </p:cNvPr>
+          <p:cNvSpPr>
+            <a:spLocks noGrp="1"/>
+          </p:cNvSpPr>
+          <p:nvPr>
+            <p:ph type="title"/>
+          </p:nvPr>
+        </p:nvSpPr>
+        <p:spPr/>
+        <p:txBody>
+          <a:bodyPr>
+            <a:normAutofit fontScale="90000"/>
+          </a:bodyPr>
+          <a:lstStyle/>
+          <a:p>
+            <a:r>
+              <a:rPr lang="en-US" b="1" dirty="0"/>
+              <a:t>Definitions</a:t>
+            </a:r>
+          </a:p>
+        </p:txBody>
+      </p:sp>
+      <p:sp>
+        <p:nvSpPr>
+          <p:cNvPr id="3" name="Content Placeholder 2">
+            <a:extLst>
+              <a:ext uri="{FF2B5EF4-FFF2-40B4-BE49-F238E27FC236}">
+                <a16:creationId xmlns:a16="http://schemas.microsoft.com/office/drawing/2014/main" id="{AD945F59-D3F1-4C5E-9BB2-14E933A18625}"/>
+              </a:ext>
+            </a:extLst>
+          </p:cNvPr>
+          <p:cNvSpPr>
+            <a:spLocks noGrp="1"/>
+          </p:cNvSpPr>
+          <p:nvPr>
+            <p:ph idx="1"/>
+          </p:nvPr>
+        </p:nvSpPr>
+        <p:spPr>
+          <a:xfrm>
+            <a:off x="838199" y="1825624"/>
+            <a:ext cx="3878179" cy="4835479"/>
+          </a:xfrm>
+        </p:spPr>
+        <p:txBody>
+          <a:bodyPr/>
+          <a:lstStyle/>
+          <a:p>
+            <a:r>
+              <a:rPr lang="en-US" dirty="0"/>
+              <a:t>A variable bound to an instance of a class</a:t>
+            </a:r>
+            <a:r>
+              <a:rPr lang="en-US" dirty="0">
+                <a:solidFill>
+                  <a:schemeClr val="accent2"/>
+                </a:solidFill>
+              </a:rPr>
+              <a:t>.</a:t>
+            </a:r>
+          </a:p>
+        </p:txBody>
+      </p:sp>
+      <p:sp>
+        <p:nvSpPr>
+          <p:cNvPr id="4" name="TextBox 3">
+            <a:extLst>
+              <a:ext uri="{FF2B5EF4-FFF2-40B4-BE49-F238E27FC236}">
+                <a16:creationId xmlns:a16="http://schemas.microsoft.com/office/drawing/2014/main" id="{94408458-4389-4779-9214-B3D27D684AF3}"/>
+              </a:ext>
+            </a:extLst>
+          </p:cNvPr>
+          <p:cNvSpPr txBox="1"/>
+          <p:nvPr/>
+        </p:nvSpPr>
+        <p:spPr>
+          <a:xfrm>
+            <a:off x="8877154" y="727514"/>
+            <a:ext cx="3035896" cy="5770811"/>
+          </a:xfrm>
+          <a:prstGeom prst="rect">
+            <a:avLst/>
+          </a:prstGeom>
+          <a:noFill/>
+        </p:spPr>
+        <p:txBody>
+          <a:bodyPr wrap="none" rtlCol="0">
+            <a:spAutoFit/>
+          </a:bodyPr>
+          <a:lstStyle/>
+          <a:p>
+            <a:r>
+              <a:rPr lang="en-US" sz="4000" b="1" dirty="0">
+                <a:solidFill>
+                  <a:srgbClr val="444445"/>
+                </a:solidFill>
+              </a:rPr>
+              <a:t>Class</a:t>
+            </a:r>
+          </a:p>
+          <a:p>
+            <a:r>
+              <a:rPr lang="en-US" sz="1400" b="1" dirty="0"/>
+              <a:t>   </a:t>
+            </a:r>
+          </a:p>
+          <a:p>
+            <a:r>
+              <a:rPr lang="en-US" sz="4000" b="1" dirty="0"/>
+              <a:t>Object</a:t>
+            </a:r>
+          </a:p>
+          <a:p>
+            <a:endParaRPr lang="en-US" sz="1400" b="1" dirty="0"/>
+          </a:p>
+          <a:p>
+            <a:r>
+              <a:rPr lang="en-US" sz="4000" b="1" dirty="0"/>
+              <a:t>Instantiate</a:t>
+            </a:r>
+          </a:p>
+          <a:p>
+            <a:endParaRPr lang="en-US" sz="1400" b="1" dirty="0"/>
+          </a:p>
+          <a:p>
+            <a:r>
+              <a:rPr lang="en-US" sz="4000" b="1" dirty="0"/>
+              <a:t>Method</a:t>
+            </a:r>
+          </a:p>
+          <a:p>
+            <a:endParaRPr lang="en-US" sz="1400" b="1" dirty="0"/>
+          </a:p>
+          <a:p>
+            <a:r>
+              <a:rPr lang="en-US" sz="4000" b="1" dirty="0">
+                <a:solidFill>
+                  <a:schemeClr val="accent6"/>
+                </a:solidFill>
+              </a:rPr>
+              <a:t>Attribute</a:t>
+            </a:r>
+          </a:p>
+          <a:p>
+            <a:endParaRPr lang="en-US" sz="1400" b="1" dirty="0"/>
+          </a:p>
+          <a:p>
+            <a:r>
+              <a:rPr lang="en-US" sz="4000" b="1" dirty="0"/>
+              <a:t>Constructor</a:t>
+            </a:r>
+          </a:p>
+          <a:p>
+            <a:endParaRPr lang="en-US" sz="1400" b="1" dirty="0"/>
+          </a:p>
+          <a:p>
+            <a:r>
+              <a:rPr lang="en-US" sz="4000" b="1" dirty="0"/>
+              <a:t>self</a:t>
+            </a:r>
+          </a:p>
+        </p:txBody>
+      </p:sp>
+      <p:sp>
+        <p:nvSpPr>
+          <p:cNvPr id="7" name="TextBox 6">
+            <a:extLst>
+              <a:ext uri="{FF2B5EF4-FFF2-40B4-BE49-F238E27FC236}">
+                <a16:creationId xmlns:a16="http://schemas.microsoft.com/office/drawing/2014/main" id="{97F41746-9582-4A54-9E8C-81185E2B7A3F}"/>
+              </a:ext>
+            </a:extLst>
+          </p:cNvPr>
+          <p:cNvSpPr txBox="1"/>
+          <p:nvPr/>
+        </p:nvSpPr>
+        <p:spPr>
+          <a:xfrm>
+            <a:off x="263887" y="4474032"/>
+            <a:ext cx="4265911" cy="1384995"/>
+          </a:xfrm>
+          <a:prstGeom prst="rect">
+            <a:avLst/>
+          </a:prstGeom>
+          <a:noFill/>
+        </p:spPr>
+        <p:txBody>
+          <a:bodyPr wrap="none" rtlCol="0">
+            <a:spAutoFit/>
+          </a:bodyPr>
+          <a:lstStyle/>
+          <a:p>
+            <a:r>
+              <a:rPr lang="en-US" sz="2800" b="1" dirty="0">
+                <a:solidFill>
+                  <a:srgbClr val="00FF00"/>
+                </a:solidFill>
+                <a:latin typeface="Courier New" panose="02070309020205020404" pitchFamily="49" charset="0"/>
+                <a:cs typeface="Courier New" panose="02070309020205020404" pitchFamily="49" charset="0"/>
+              </a:rPr>
+              <a:t>alex = Turtle(</a:t>
+            </a:r>
+            <a:r>
+              <a:rPr lang="en-US" sz="2800" b="1" dirty="0">
+                <a:solidFill>
+                  <a:schemeClr val="accent2"/>
+                </a:solidFill>
+                <a:latin typeface="Courier New" panose="02070309020205020404" pitchFamily="49" charset="0"/>
+                <a:cs typeface="Courier New" panose="02070309020205020404" pitchFamily="49" charset="0"/>
+              </a:rPr>
+              <a:t>0</a:t>
+            </a:r>
+            <a:r>
+              <a:rPr lang="en-US" sz="2800" b="1" dirty="0">
+                <a:solidFill>
+                  <a:srgbClr val="00FF00"/>
+                </a:solidFill>
+                <a:latin typeface="Courier New" panose="02070309020205020404" pitchFamily="49" charset="0"/>
+                <a:cs typeface="Courier New" panose="02070309020205020404" pitchFamily="49" charset="0"/>
+              </a:rPr>
+              <a:t>, </a:t>
+            </a:r>
+            <a:r>
+              <a:rPr lang="en-US" sz="2800" b="1" dirty="0">
+                <a:solidFill>
+                  <a:schemeClr val="accent2"/>
+                </a:solidFill>
+                <a:latin typeface="Courier New" panose="02070309020205020404" pitchFamily="49" charset="0"/>
+                <a:cs typeface="Courier New" panose="02070309020205020404" pitchFamily="49" charset="0"/>
+              </a:rPr>
+              <a:t>0</a:t>
+            </a:r>
+            <a:r>
+              <a:rPr lang="en-US" sz="2800" b="1" dirty="0">
+                <a:solidFill>
+                  <a:srgbClr val="00FF00"/>
+                </a:solidFill>
+                <a:latin typeface="Courier New" panose="02070309020205020404" pitchFamily="49" charset="0"/>
+                <a:cs typeface="Courier New" panose="02070309020205020404" pitchFamily="49" charset="0"/>
+              </a:rPr>
+              <a:t>)</a:t>
+            </a:r>
+            <a:endParaRPr lang="en-US" sz="2800" b="1" dirty="0">
+              <a:solidFill>
+                <a:schemeClr val="accent6"/>
+              </a:solidFill>
+              <a:latin typeface="Courier New" panose="02070309020205020404" pitchFamily="49" charset="0"/>
+              <a:cs typeface="Courier New" panose="02070309020205020404" pitchFamily="49" charset="0"/>
+            </a:endParaRPr>
+          </a:p>
+          <a:p>
+            <a:r>
+              <a:rPr lang="en-US" sz="2800" b="1" dirty="0">
+                <a:solidFill>
+                  <a:srgbClr val="00FF00"/>
+                </a:solidFill>
+                <a:latin typeface="Courier New" panose="02070309020205020404" pitchFamily="49" charset="0"/>
+                <a:cs typeface="Courier New" panose="02070309020205020404" pitchFamily="49" charset="0"/>
+              </a:rPr>
+              <a:t>alex.</a:t>
+            </a:r>
+            <a:r>
+              <a:rPr lang="en-US" sz="2800" b="1" dirty="0">
+                <a:solidFill>
+                  <a:schemeClr val="accent2"/>
+                </a:solidFill>
+                <a:latin typeface="Courier New" panose="02070309020205020404" pitchFamily="49" charset="0"/>
+                <a:cs typeface="Courier New" panose="02070309020205020404" pitchFamily="49" charset="0"/>
+              </a:rPr>
+              <a:t>x</a:t>
+            </a:r>
+            <a:endParaRPr lang="en-US" sz="2800" b="1" dirty="0">
+              <a:solidFill>
+                <a:srgbClr val="00FF00"/>
+              </a:solidFill>
+              <a:latin typeface="Courier New" panose="02070309020205020404" pitchFamily="49" charset="0"/>
+              <a:cs typeface="Courier New" panose="02070309020205020404" pitchFamily="49" charset="0"/>
+            </a:endParaRPr>
+          </a:p>
+          <a:p>
+            <a:r>
+              <a:rPr lang="en-US" sz="2800" b="1" dirty="0">
+                <a:solidFill>
+                  <a:srgbClr val="00FF00"/>
+                </a:solidFill>
+                <a:latin typeface="Courier New" panose="02070309020205020404" pitchFamily="49" charset="0"/>
+                <a:cs typeface="Courier New" panose="02070309020205020404" pitchFamily="49" charset="0"/>
+              </a:rPr>
+              <a:t>alex.</a:t>
+            </a:r>
+            <a:r>
+              <a:rPr lang="en-US" sz="2800" b="1" dirty="0">
+                <a:solidFill>
+                  <a:schemeClr val="accent2"/>
+                </a:solidFill>
+                <a:latin typeface="Courier New" panose="02070309020205020404" pitchFamily="49" charset="0"/>
+                <a:cs typeface="Courier New" panose="02070309020205020404" pitchFamily="49" charset="0"/>
+              </a:rPr>
+              <a:t>y</a:t>
+            </a:r>
+            <a:endParaRPr lang="en-US" sz="2800" b="1" dirty="0">
+              <a:solidFill>
+                <a:srgbClr val="00FF00"/>
+              </a:solidFill>
+              <a:latin typeface="Courier New" panose="02070309020205020404" pitchFamily="49" charset="0"/>
+              <a:cs typeface="Courier New" panose="02070309020205020404" pitchFamily="49" charset="0"/>
+            </a:endParaRPr>
+          </a:p>
+        </p:txBody>
+      </p:sp>
+      <p:pic>
+        <p:nvPicPr>
+          <p:cNvPr id="8" name="Picture 4" descr="Turtle Icon | Flat Animal Iconset | Martin Berube">
+            <a:extLst>
+              <a:ext uri="{FF2B5EF4-FFF2-40B4-BE49-F238E27FC236}">
+                <a16:creationId xmlns:a16="http://schemas.microsoft.com/office/drawing/2014/main" id="{540E9AF8-A905-4E88-8AE7-7C44A234C4AD}"/>
+              </a:ext>
+            </a:extLst>
+          </p:cNvPr>
+          <p:cNvPicPr>
+            <a:picLocks noChangeAspect="1" noChangeArrowheads="1"/>
+          </p:cNvPicPr>
+          <p:nvPr/>
+        </p:nvPicPr>
+        <p:blipFill>
+          <a:blip r:embed="rId2">
+            <a:extLst>
+              <a:ext uri="{28A0092B-C50C-407E-A947-70E740481C1C}">
+                <a14:useLocalDpi xmlns:a14="http://schemas.microsoft.com/office/drawing/2010/main" val="0"/>
+              </a:ext>
+            </a:extLst>
+          </a:blip>
+          <a:srcRect/>
+          <a:stretch>
+            <a:fillRect/>
+          </a:stretch>
+        </p:blipFill>
+        <p:spPr bwMode="auto">
+          <a:xfrm>
+            <a:off x="207435" y="2632708"/>
+            <a:ext cx="2109796" cy="2109796"/>
+          </a:xfrm>
+          <a:prstGeom prst="rect">
+            <a:avLst/>
+          </a:prstGeom>
+          <a:noFill/>
+          <a:extLst>
+            <a:ext uri="{909E8E84-426E-40DD-AFC4-6F175D3DCCD1}">
+              <a14:hiddenFill xmlns:a14="http://schemas.microsoft.com/office/drawing/2010/main">
+                <a:solidFill>
+                  <a:srgbClr val="FFFFFF"/>
+                </a:solidFill>
+              </a14:hiddenFill>
+            </a:ext>
+          </a:extLst>
+        </p:spPr>
+      </p:pic>
+      <p:sp>
+        <p:nvSpPr>
+          <p:cNvPr id="9" name="TextBox 8">
+            <a:extLst>
+              <a:ext uri="{FF2B5EF4-FFF2-40B4-BE49-F238E27FC236}">
+                <a16:creationId xmlns:a16="http://schemas.microsoft.com/office/drawing/2014/main" id="{2CAE448A-1DBB-4445-8F17-DC6BA33C6662}"/>
+              </a:ext>
+            </a:extLst>
+          </p:cNvPr>
+          <p:cNvSpPr txBox="1"/>
+          <p:nvPr/>
+        </p:nvSpPr>
+        <p:spPr>
+          <a:xfrm>
+            <a:off x="4368393" y="727514"/>
+            <a:ext cx="6453894" cy="4401205"/>
+          </a:xfrm>
+          <a:prstGeom prst="rect">
+            <a:avLst/>
+          </a:prstGeom>
+          <a:noFill/>
+        </p:spPr>
+        <p:txBody>
+          <a:bodyPr wrap="square" rtlCol="0">
+            <a:spAutoFit/>
+          </a:bodyPr>
+          <a:lstStyle/>
+          <a:p>
+            <a:r>
+              <a:rPr lang="en-US" sz="2000" b="1" dirty="0">
+                <a:solidFill>
+                  <a:srgbClr val="00FF00"/>
+                </a:solidFill>
+                <a:latin typeface="Courier New" panose="02070309020205020404" pitchFamily="49" charset="0"/>
+                <a:cs typeface="Courier New" panose="02070309020205020404" pitchFamily="49" charset="0"/>
+              </a:rPr>
+              <a:t>class Turtle:</a:t>
+            </a:r>
+          </a:p>
+          <a:p>
+            <a:r>
+              <a:rPr lang="en-US" sz="2000" b="1" dirty="0">
+                <a:solidFill>
+                  <a:srgbClr val="00FF00"/>
+                </a:solidFill>
+                <a:latin typeface="Courier New" panose="02070309020205020404" pitchFamily="49" charset="0"/>
+                <a:cs typeface="Courier New" panose="02070309020205020404" pitchFamily="49" charset="0"/>
+              </a:rPr>
+              <a:t>   </a:t>
+            </a:r>
+          </a:p>
+          <a:p>
+            <a:r>
+              <a:rPr lang="en-US" sz="2000" b="1" dirty="0">
+                <a:solidFill>
+                  <a:srgbClr val="FFD6AD"/>
+                </a:solidFill>
+                <a:latin typeface="Courier New" panose="02070309020205020404" pitchFamily="49" charset="0"/>
+                <a:cs typeface="Courier New" panose="02070309020205020404" pitchFamily="49" charset="0"/>
+              </a:rPr>
+              <a:t>   def __init__(self, x, y):</a:t>
+            </a:r>
+          </a:p>
+          <a:p>
+            <a:r>
+              <a:rPr lang="en-US" sz="2000" b="1" dirty="0">
+                <a:solidFill>
+                  <a:srgbClr val="FFD6AD"/>
+                </a:solidFill>
+                <a:latin typeface="Courier New" panose="02070309020205020404" pitchFamily="49" charset="0"/>
+                <a:cs typeface="Courier New" panose="02070309020205020404" pitchFamily="49" charset="0"/>
+              </a:rPr>
+              <a:t>      self.x = x</a:t>
+            </a:r>
+          </a:p>
+          <a:p>
+            <a:r>
+              <a:rPr lang="en-US" sz="2000" b="1" dirty="0">
+                <a:solidFill>
+                  <a:srgbClr val="FFD6AD"/>
+                </a:solidFill>
+                <a:latin typeface="Courier New" panose="02070309020205020404" pitchFamily="49" charset="0"/>
+                <a:cs typeface="Courier New" panose="02070309020205020404" pitchFamily="49" charset="0"/>
+              </a:rPr>
+              <a:t>	self.y = y</a:t>
+            </a:r>
+          </a:p>
+          <a:p>
+            <a:r>
+              <a:rPr lang="en-US" sz="2000" b="1" dirty="0">
+                <a:solidFill>
+                  <a:srgbClr val="FFD6AD"/>
+                </a:solidFill>
+                <a:latin typeface="Courier New" panose="02070309020205020404" pitchFamily="49" charset="0"/>
+                <a:cs typeface="Courier New" panose="02070309020205020404" pitchFamily="49" charset="0"/>
+              </a:rPr>
+              <a:t>	</a:t>
+            </a:r>
+            <a:endParaRPr lang="en-US" sz="2000" b="1" dirty="0">
+              <a:solidFill>
+                <a:srgbClr val="00FF00"/>
+              </a:solidFill>
+              <a:latin typeface="Courier New" panose="02070309020205020404" pitchFamily="49" charset="0"/>
+              <a:cs typeface="Courier New" panose="02070309020205020404" pitchFamily="49" charset="0"/>
+            </a:endParaRPr>
+          </a:p>
+          <a:p>
+            <a:r>
+              <a:rPr lang="en-US" sz="2000" b="1" dirty="0">
+                <a:solidFill>
+                  <a:srgbClr val="00FF00"/>
+                </a:solidFill>
+                <a:latin typeface="Courier New" panose="02070309020205020404" pitchFamily="49" charset="0"/>
+                <a:cs typeface="Courier New" panose="02070309020205020404" pitchFamily="49" charset="0"/>
+              </a:rPr>
+              <a:t>   </a:t>
+            </a:r>
+            <a:r>
+              <a:rPr lang="en-US" sz="2000" b="1" dirty="0">
+                <a:solidFill>
+                  <a:srgbClr val="FF5050"/>
+                </a:solidFill>
+                <a:latin typeface="Courier New" panose="02070309020205020404" pitchFamily="49" charset="0"/>
+                <a:cs typeface="Courier New" panose="02070309020205020404" pitchFamily="49" charset="0"/>
+              </a:rPr>
+              <a:t>def up(self):</a:t>
+            </a:r>
+          </a:p>
+          <a:p>
+            <a:r>
+              <a:rPr lang="en-US" sz="2000" b="1" dirty="0">
+                <a:solidFill>
+                  <a:srgbClr val="FF5050"/>
+                </a:solidFill>
+                <a:latin typeface="Courier New" panose="02070309020205020404" pitchFamily="49" charset="0"/>
+                <a:cs typeface="Courier New" panose="02070309020205020404" pitchFamily="49" charset="0"/>
+              </a:rPr>
+              <a:t>      body</a:t>
+            </a:r>
+          </a:p>
+          <a:p>
+            <a:endParaRPr lang="en-US" sz="2000" b="1" dirty="0">
+              <a:solidFill>
+                <a:srgbClr val="FF5050"/>
+              </a:solidFill>
+              <a:latin typeface="Courier New" panose="02070309020205020404" pitchFamily="49" charset="0"/>
+              <a:cs typeface="Courier New" panose="02070309020205020404" pitchFamily="49" charset="0"/>
+            </a:endParaRPr>
+          </a:p>
+          <a:p>
+            <a:r>
+              <a:rPr lang="en-US" sz="2000" b="1" dirty="0">
+                <a:solidFill>
+                  <a:srgbClr val="FF5050"/>
+                </a:solidFill>
+                <a:latin typeface="Courier New" panose="02070309020205020404" pitchFamily="49" charset="0"/>
+                <a:cs typeface="Courier New" panose="02070309020205020404" pitchFamily="49" charset="0"/>
+              </a:rPr>
+              <a:t>   def goto(self, x, y):</a:t>
+            </a:r>
+          </a:p>
+          <a:p>
+            <a:r>
+              <a:rPr lang="en-US" sz="2000" b="1" dirty="0">
+                <a:solidFill>
+                  <a:srgbClr val="FF5050"/>
+                </a:solidFill>
+                <a:latin typeface="Courier New" panose="02070309020205020404" pitchFamily="49" charset="0"/>
+                <a:cs typeface="Courier New" panose="02070309020205020404" pitchFamily="49" charset="0"/>
+              </a:rPr>
+              <a:t>      body</a:t>
+            </a:r>
+          </a:p>
+          <a:p>
+            <a:endParaRPr lang="en-US" sz="2000" b="1" dirty="0">
+              <a:solidFill>
+                <a:srgbClr val="FF5050"/>
+              </a:solidFill>
+              <a:latin typeface="Courier New" panose="02070309020205020404" pitchFamily="49" charset="0"/>
+              <a:cs typeface="Courier New" panose="02070309020205020404" pitchFamily="49" charset="0"/>
+            </a:endParaRPr>
+          </a:p>
+          <a:p>
+            <a:r>
+              <a:rPr lang="en-US" sz="2000" b="1" dirty="0">
+                <a:solidFill>
+                  <a:srgbClr val="FF5050"/>
+                </a:solidFill>
+                <a:latin typeface="Courier New" panose="02070309020205020404" pitchFamily="49" charset="0"/>
+                <a:cs typeface="Courier New" panose="02070309020205020404" pitchFamily="49" charset="0"/>
+              </a:rPr>
+              <a:t>   def down():</a:t>
+            </a:r>
+          </a:p>
+          <a:p>
+            <a:r>
+              <a:rPr lang="en-US" sz="2000" b="1" dirty="0">
+                <a:solidFill>
+                  <a:srgbClr val="FF5050"/>
+                </a:solidFill>
+                <a:latin typeface="Courier New" panose="02070309020205020404" pitchFamily="49" charset="0"/>
+                <a:cs typeface="Courier New" panose="02070309020205020404" pitchFamily="49" charset="0"/>
+              </a:rPr>
+              <a:t>      body</a:t>
+            </a:r>
+          </a:p>
+        </p:txBody>
+      </p:sp>
+      <p:sp>
+        <p:nvSpPr>
+          <p:cNvPr id="5" name="TextBox 4">
+            <a:extLst>
+              <a:ext uri="{FF2B5EF4-FFF2-40B4-BE49-F238E27FC236}">
+                <a16:creationId xmlns:a16="http://schemas.microsoft.com/office/drawing/2014/main" id="{DF9B2F9B-DD7E-4E34-AE1E-053E1BAF4FD6}"/>
+              </a:ext>
+            </a:extLst>
+          </p:cNvPr>
+          <p:cNvSpPr txBox="1"/>
+          <p:nvPr/>
+        </p:nvSpPr>
+        <p:spPr>
+          <a:xfrm>
+            <a:off x="6637424" y="5975105"/>
+            <a:ext cx="1887889" cy="523220"/>
+          </a:xfrm>
+          <a:prstGeom prst="rect">
+            <a:avLst/>
+          </a:prstGeom>
+          <a:noFill/>
+        </p:spPr>
+        <p:txBody>
+          <a:bodyPr wrap="none" rtlCol="0">
+            <a:spAutoFit/>
+          </a:bodyPr>
+          <a:lstStyle/>
+          <a:p>
+            <a:r>
+              <a:rPr lang="en-US" sz="2800" b="1" dirty="0">
+                <a:solidFill>
+                  <a:srgbClr val="FFFFFF"/>
+                </a:solidFill>
+              </a:rPr>
+              <a:t>Attributes</a:t>
+            </a:r>
+          </a:p>
+        </p:txBody>
+      </p:sp>
+      <p:sp>
+        <p:nvSpPr>
+          <p:cNvPr id="10" name="Oval 9">
+            <a:extLst>
+              <a:ext uri="{FF2B5EF4-FFF2-40B4-BE49-F238E27FC236}">
+                <a16:creationId xmlns:a16="http://schemas.microsoft.com/office/drawing/2014/main" id="{BBD09A65-643C-46F7-8DC7-08AE77186DE6}"/>
+              </a:ext>
+            </a:extLst>
+          </p:cNvPr>
+          <p:cNvSpPr/>
+          <p:nvPr/>
+        </p:nvSpPr>
+        <p:spPr>
+          <a:xfrm>
+            <a:off x="6211902" y="6053707"/>
+            <a:ext cx="345711" cy="345711"/>
+          </a:xfrm>
+          <a:prstGeom prst="ellipse">
+            <a:avLst/>
+          </a:prstGeom>
+        </p:spPr>
+        <p:style>
+          <a:lnRef idx="2">
+            <a:schemeClr val="accent1">
+              <a:shade val="50000"/>
+            </a:schemeClr>
+          </a:lnRef>
+          <a:fillRef idx="1">
+            <a:schemeClr val="accent1"/>
+          </a:fillRef>
+          <a:effectRef idx="0">
+            <a:schemeClr val="accent1"/>
+          </a:effectRef>
+          <a:fontRef idx="minor">
+            <a:schemeClr val="lt1"/>
+          </a:fontRef>
+        </p:style>
+        <p:txBody>
+          <a:bodyPr rtlCol="0" anchor="ctr"/>
+          <a:lstStyle/>
+          <a:p>
+            <a:pPr algn="ctr"/>
+            <a:endParaRPr lang="en-US"/>
+          </a:p>
+        </p:txBody>
+      </p:sp>
+      <p:cxnSp>
+        <p:nvCxnSpPr>
+          <p:cNvPr id="12" name="Straight Arrow Connector 11">
+            <a:extLst>
+              <a:ext uri="{FF2B5EF4-FFF2-40B4-BE49-F238E27FC236}">
+                <a16:creationId xmlns:a16="http://schemas.microsoft.com/office/drawing/2014/main" id="{33CCA912-8248-4E70-B42B-6436369D73CA}"/>
+              </a:ext>
+            </a:extLst>
+          </p:cNvPr>
+          <p:cNvCxnSpPr>
+            <a:stCxn id="10" idx="2"/>
+          </p:cNvCxnSpPr>
+          <p:nvPr/>
+        </p:nvCxnSpPr>
+        <p:spPr>
+          <a:xfrm flipH="1" flipV="1">
+            <a:off x="1732547" y="5678905"/>
+            <a:ext cx="4479355" cy="547658"/>
+          </a:xfrm>
+          <a:prstGeom prst="straightConnector1">
+            <a:avLst/>
+          </a:prstGeom>
+          <a:ln w="57150">
+            <a:tailEnd type="triangle"/>
+          </a:ln>
+        </p:spPr>
+        <p:style>
+          <a:lnRef idx="1">
+            <a:schemeClr val="accent1"/>
+          </a:lnRef>
+          <a:fillRef idx="0">
+            <a:schemeClr val="accent1"/>
+          </a:fillRef>
+          <a:effectRef idx="0">
+            <a:schemeClr val="accent1"/>
+          </a:effectRef>
+          <a:fontRef idx="minor">
+            <a:schemeClr val="tx1"/>
+          </a:fontRef>
+        </p:style>
+      </p:cxnSp>
+      <p:cxnSp>
+        <p:nvCxnSpPr>
+          <p:cNvPr id="13" name="Straight Arrow Connector 12">
+            <a:extLst>
+              <a:ext uri="{FF2B5EF4-FFF2-40B4-BE49-F238E27FC236}">
+                <a16:creationId xmlns:a16="http://schemas.microsoft.com/office/drawing/2014/main" id="{4F69155F-7A06-49E0-93E9-D57B33354C44}"/>
+              </a:ext>
+            </a:extLst>
+          </p:cNvPr>
+          <p:cNvCxnSpPr>
+            <a:cxnSpLocks/>
+            <a:stCxn id="10" idx="2"/>
+          </p:cNvCxnSpPr>
+          <p:nvPr/>
+        </p:nvCxnSpPr>
+        <p:spPr>
+          <a:xfrm flipH="1" flipV="1">
+            <a:off x="1732548" y="5244365"/>
+            <a:ext cx="4479354" cy="982198"/>
+          </a:xfrm>
+          <a:prstGeom prst="straightConnector1">
+            <a:avLst/>
+          </a:prstGeom>
+          <a:ln w="57150">
+            <a:tailEnd type="triangle"/>
+          </a:ln>
+        </p:spPr>
+        <p:style>
+          <a:lnRef idx="1">
+            <a:schemeClr val="accent1"/>
+          </a:lnRef>
+          <a:fillRef idx="0">
+            <a:schemeClr val="accent1"/>
+          </a:fillRef>
+          <a:effectRef idx="0">
+            <a:schemeClr val="accent1"/>
+          </a:effectRef>
+          <a:fontRef idx="minor">
+            <a:schemeClr val="tx1"/>
+          </a:fontRef>
+        </p:style>
+      </p:cxnSp>
+      <p:cxnSp>
+        <p:nvCxnSpPr>
+          <p:cNvPr id="17" name="Straight Arrow Connector 16">
+            <a:extLst>
+              <a:ext uri="{FF2B5EF4-FFF2-40B4-BE49-F238E27FC236}">
+                <a16:creationId xmlns:a16="http://schemas.microsoft.com/office/drawing/2014/main" id="{6F5C9C2F-A729-40DA-8B9E-3E8BF5BAF67E}"/>
+              </a:ext>
+            </a:extLst>
+          </p:cNvPr>
+          <p:cNvCxnSpPr>
+            <a:cxnSpLocks/>
+            <a:stCxn id="10" idx="0"/>
+          </p:cNvCxnSpPr>
+          <p:nvPr/>
+        </p:nvCxnSpPr>
+        <p:spPr>
+          <a:xfrm flipH="1" flipV="1">
+            <a:off x="6211902" y="2320063"/>
+            <a:ext cx="172856" cy="3733644"/>
+          </a:xfrm>
+          <a:prstGeom prst="straightConnector1">
+            <a:avLst/>
+          </a:prstGeom>
+          <a:ln w="57150">
+            <a:tailEnd type="triangle"/>
+          </a:ln>
+        </p:spPr>
+        <p:style>
+          <a:lnRef idx="1">
+            <a:schemeClr val="accent1"/>
+          </a:lnRef>
+          <a:fillRef idx="0">
+            <a:schemeClr val="accent1"/>
+          </a:fillRef>
+          <a:effectRef idx="0">
+            <a:schemeClr val="accent1"/>
+          </a:effectRef>
+          <a:fontRef idx="minor">
+            <a:schemeClr val="tx1"/>
+          </a:fontRef>
+        </p:style>
+      </p:cxnSp>
+    </p:spTree>
+    <p:extLst>
+      <p:ext uri="{BB962C8B-B14F-4D97-AF65-F5344CB8AC3E}">
+        <p14:creationId xmlns:p14="http://schemas.microsoft.com/office/powerpoint/2010/main" val="2902872724"/>
+      </p:ext>
+    </p:extLst>
+  </p:cSld>
+  <p:clrMapOvr>
+    <a:masterClrMapping/>
+  </p:clrMapOvr>
+</p:sld>
+</file>
+
+<file path=ppt/slides/slide25.xml><?xml version="1.0" encoding="utf-8"?>
+<p:sld xmlns:a="http://schemas.openxmlformats.org/drawingml/2006/main" xmlns:r="http://schemas.openxmlformats.org/officeDocument/2006/relationships" xmlns:p="http://schemas.openxmlformats.org/presentationml/2006/main">
+  <p:cSld>
+    <p:spTree>
+      <p:nvGrpSpPr>
+        <p:cNvPr id="1" name=""/>
+        <p:cNvGrpSpPr/>
+        <p:nvPr/>
+      </p:nvGrpSpPr>
+      <p:grpSpPr>
+        <a:xfrm>
+          <a:off x="0" y="0"/>
+          <a:ext cx="0" cy="0"/>
+          <a:chOff x="0" y="0"/>
+          <a:chExt cx="0" cy="0"/>
+        </a:xfrm>
+      </p:grpSpPr>
+      <p:sp>
+        <p:nvSpPr>
+          <p:cNvPr id="2" name="Title 1">
+            <a:extLst>
+              <a:ext uri="{FF2B5EF4-FFF2-40B4-BE49-F238E27FC236}">
+                <a16:creationId xmlns:a16="http://schemas.microsoft.com/office/drawing/2014/main" id="{F3D77582-2C41-4F4F-B3C6-29B46A02AE77}"/>
+              </a:ext>
+            </a:extLst>
+          </p:cNvPr>
+          <p:cNvSpPr>
+            <a:spLocks noGrp="1"/>
+          </p:cNvSpPr>
+          <p:nvPr>
+            <p:ph type="title"/>
+          </p:nvPr>
+        </p:nvSpPr>
+        <p:spPr/>
+        <p:txBody>
+          <a:bodyPr>
+            <a:normAutofit fontScale="90000"/>
+          </a:bodyPr>
+          <a:lstStyle/>
+          <a:p>
+            <a:r>
+              <a:rPr lang="en-US" b="1" dirty="0"/>
+              <a:t>Definitions</a:t>
+            </a:r>
+          </a:p>
+        </p:txBody>
+      </p:sp>
+      <p:sp>
+        <p:nvSpPr>
+          <p:cNvPr id="3" name="Content Placeholder 2">
+            <a:extLst>
+              <a:ext uri="{FF2B5EF4-FFF2-40B4-BE49-F238E27FC236}">
+                <a16:creationId xmlns:a16="http://schemas.microsoft.com/office/drawing/2014/main" id="{AD945F59-D3F1-4C5E-9BB2-14E933A18625}"/>
+              </a:ext>
+            </a:extLst>
+          </p:cNvPr>
+          <p:cNvSpPr>
+            <a:spLocks noGrp="1"/>
+          </p:cNvSpPr>
+          <p:nvPr>
+            <p:ph idx="1"/>
+          </p:nvPr>
+        </p:nvSpPr>
+        <p:spPr>
+          <a:xfrm>
+            <a:off x="838201" y="1825624"/>
+            <a:ext cx="3926304" cy="4835479"/>
+          </a:xfrm>
+        </p:spPr>
+        <p:txBody>
+          <a:bodyPr/>
+          <a:lstStyle/>
+          <a:p>
+            <a:r>
+              <a:rPr lang="en-US" dirty="0"/>
+              <a:t>Responsible for setting up the initial state of a new instance</a:t>
+            </a:r>
+            <a:r>
+              <a:rPr lang="en-US" dirty="0">
+                <a:solidFill>
+                  <a:schemeClr val="accent2"/>
+                </a:solidFill>
+              </a:rPr>
+              <a:t>.</a:t>
+            </a:r>
+          </a:p>
+        </p:txBody>
+      </p:sp>
+      <p:sp>
+        <p:nvSpPr>
+          <p:cNvPr id="4" name="TextBox 3">
+            <a:extLst>
+              <a:ext uri="{FF2B5EF4-FFF2-40B4-BE49-F238E27FC236}">
+                <a16:creationId xmlns:a16="http://schemas.microsoft.com/office/drawing/2014/main" id="{94408458-4389-4779-9214-B3D27D684AF3}"/>
+              </a:ext>
+            </a:extLst>
+          </p:cNvPr>
+          <p:cNvSpPr txBox="1"/>
+          <p:nvPr/>
+        </p:nvSpPr>
+        <p:spPr>
+          <a:xfrm>
+            <a:off x="8877154" y="727514"/>
+            <a:ext cx="3035896" cy="5770811"/>
+          </a:xfrm>
+          <a:prstGeom prst="rect">
+            <a:avLst/>
+          </a:prstGeom>
+          <a:noFill/>
+        </p:spPr>
+        <p:txBody>
+          <a:bodyPr wrap="none" rtlCol="0">
+            <a:spAutoFit/>
+          </a:bodyPr>
+          <a:lstStyle/>
+          <a:p>
+            <a:r>
+              <a:rPr lang="en-US" sz="4000" b="1" dirty="0">
+                <a:solidFill>
+                  <a:srgbClr val="444445"/>
+                </a:solidFill>
+              </a:rPr>
+              <a:t>Class</a:t>
+            </a:r>
+          </a:p>
+          <a:p>
+            <a:r>
+              <a:rPr lang="en-US" sz="1400" b="1" dirty="0"/>
+              <a:t>   </a:t>
+            </a:r>
+          </a:p>
+          <a:p>
+            <a:r>
+              <a:rPr lang="en-US" sz="4000" b="1" dirty="0"/>
+              <a:t>Object</a:t>
+            </a:r>
+          </a:p>
+          <a:p>
+            <a:endParaRPr lang="en-US" sz="1400" b="1" dirty="0"/>
+          </a:p>
+          <a:p>
+            <a:r>
+              <a:rPr lang="en-US" sz="4000" b="1" dirty="0"/>
+              <a:t>Instantiate</a:t>
+            </a:r>
+          </a:p>
+          <a:p>
+            <a:endParaRPr lang="en-US" sz="1400" b="1" dirty="0"/>
+          </a:p>
+          <a:p>
+            <a:r>
+              <a:rPr lang="en-US" sz="4000" b="1" dirty="0"/>
+              <a:t>Method</a:t>
+            </a:r>
+          </a:p>
+          <a:p>
+            <a:endParaRPr lang="en-US" sz="1400" b="1" dirty="0"/>
+          </a:p>
+          <a:p>
+            <a:r>
+              <a:rPr lang="en-US" sz="4000" b="1" dirty="0"/>
+              <a:t>Attribute</a:t>
+            </a:r>
+          </a:p>
+          <a:p>
+            <a:endParaRPr lang="en-US" sz="1400" b="1" dirty="0"/>
+          </a:p>
+          <a:p>
+            <a:r>
+              <a:rPr lang="en-US" sz="4000" b="1" dirty="0">
+                <a:solidFill>
+                  <a:schemeClr val="accent6"/>
+                </a:solidFill>
+              </a:rPr>
+              <a:t>Constructor</a:t>
+            </a:r>
+          </a:p>
+          <a:p>
+            <a:endParaRPr lang="en-US" sz="1400" b="1" dirty="0"/>
+          </a:p>
+          <a:p>
+            <a:r>
+              <a:rPr lang="en-US" sz="4000" b="1" dirty="0"/>
+              <a:t>self</a:t>
+            </a:r>
+          </a:p>
+        </p:txBody>
+      </p:sp>
+      <p:sp>
+        <p:nvSpPr>
+          <p:cNvPr id="7" name="TextBox 6">
+            <a:extLst>
+              <a:ext uri="{FF2B5EF4-FFF2-40B4-BE49-F238E27FC236}">
+                <a16:creationId xmlns:a16="http://schemas.microsoft.com/office/drawing/2014/main" id="{A322BE2F-3355-4F18-943D-1D0BA95F7D24}"/>
+              </a:ext>
+            </a:extLst>
+          </p:cNvPr>
+          <p:cNvSpPr txBox="1"/>
+          <p:nvPr/>
+        </p:nvSpPr>
+        <p:spPr>
+          <a:xfrm>
+            <a:off x="4368393" y="727514"/>
+            <a:ext cx="6453894" cy="4401205"/>
+          </a:xfrm>
+          <a:prstGeom prst="rect">
+            <a:avLst/>
+          </a:prstGeom>
+          <a:noFill/>
+        </p:spPr>
+        <p:txBody>
+          <a:bodyPr wrap="square" rtlCol="0">
+            <a:spAutoFit/>
+          </a:bodyPr>
+          <a:lstStyle/>
+          <a:p>
+            <a:r>
+              <a:rPr lang="en-US" sz="2000" b="1" dirty="0">
+                <a:solidFill>
+                  <a:srgbClr val="00FF00"/>
+                </a:solidFill>
+                <a:latin typeface="Courier New" panose="02070309020205020404" pitchFamily="49" charset="0"/>
+                <a:cs typeface="Courier New" panose="02070309020205020404" pitchFamily="49" charset="0"/>
+              </a:rPr>
+              <a:t>class Turtle:</a:t>
+            </a:r>
+          </a:p>
+          <a:p>
+            <a:r>
+              <a:rPr lang="en-US" sz="2000" b="1" dirty="0">
+                <a:solidFill>
+                  <a:srgbClr val="00FF00"/>
+                </a:solidFill>
+                <a:latin typeface="Courier New" panose="02070309020205020404" pitchFamily="49" charset="0"/>
+                <a:cs typeface="Courier New" panose="02070309020205020404" pitchFamily="49" charset="0"/>
+              </a:rPr>
+              <a:t>   </a:t>
+            </a:r>
+          </a:p>
+          <a:p>
+            <a:r>
+              <a:rPr lang="en-US" sz="2000" b="1" dirty="0">
+                <a:solidFill>
+                  <a:srgbClr val="FFD6AD"/>
+                </a:solidFill>
+                <a:latin typeface="Courier New" panose="02070309020205020404" pitchFamily="49" charset="0"/>
+                <a:cs typeface="Courier New" panose="02070309020205020404" pitchFamily="49" charset="0"/>
+              </a:rPr>
+              <a:t>   def __init__(self, x, y):</a:t>
+            </a:r>
+          </a:p>
+          <a:p>
+            <a:r>
+              <a:rPr lang="en-US" sz="2000" b="1" dirty="0">
+                <a:solidFill>
+                  <a:srgbClr val="FFD6AD"/>
+                </a:solidFill>
+                <a:latin typeface="Courier New" panose="02070309020205020404" pitchFamily="49" charset="0"/>
+                <a:cs typeface="Courier New" panose="02070309020205020404" pitchFamily="49" charset="0"/>
+              </a:rPr>
+              <a:t>      self.x = x</a:t>
+            </a:r>
+          </a:p>
+          <a:p>
+            <a:r>
+              <a:rPr lang="en-US" sz="2000" b="1" dirty="0">
+                <a:solidFill>
+                  <a:srgbClr val="FFD6AD"/>
+                </a:solidFill>
+                <a:latin typeface="Courier New" panose="02070309020205020404" pitchFamily="49" charset="0"/>
+                <a:cs typeface="Courier New" panose="02070309020205020404" pitchFamily="49" charset="0"/>
+              </a:rPr>
+              <a:t>	self.y = y</a:t>
+            </a:r>
+          </a:p>
+          <a:p>
+            <a:r>
+              <a:rPr lang="en-US" sz="2000" b="1" dirty="0">
+                <a:solidFill>
+                  <a:srgbClr val="FFD6AD"/>
+                </a:solidFill>
+                <a:latin typeface="Courier New" panose="02070309020205020404" pitchFamily="49" charset="0"/>
+                <a:cs typeface="Courier New" panose="02070309020205020404" pitchFamily="49" charset="0"/>
+              </a:rPr>
+              <a:t>	</a:t>
+            </a:r>
+            <a:endParaRPr lang="en-US" sz="2000" b="1" dirty="0">
+              <a:solidFill>
+                <a:srgbClr val="00FF00"/>
+              </a:solidFill>
+              <a:latin typeface="Courier New" panose="02070309020205020404" pitchFamily="49" charset="0"/>
+              <a:cs typeface="Courier New" panose="02070309020205020404" pitchFamily="49" charset="0"/>
+            </a:endParaRPr>
+          </a:p>
+          <a:p>
+            <a:r>
+              <a:rPr lang="en-US" sz="2000" b="1" dirty="0">
+                <a:solidFill>
+                  <a:srgbClr val="00FF00"/>
+                </a:solidFill>
+                <a:latin typeface="Courier New" panose="02070309020205020404" pitchFamily="49" charset="0"/>
+                <a:cs typeface="Courier New" panose="02070309020205020404" pitchFamily="49" charset="0"/>
+              </a:rPr>
+              <a:t>   </a:t>
+            </a:r>
+            <a:r>
+              <a:rPr lang="en-US" sz="2000" b="1" dirty="0">
+                <a:solidFill>
+                  <a:srgbClr val="FF5050"/>
+                </a:solidFill>
+                <a:latin typeface="Courier New" panose="02070309020205020404" pitchFamily="49" charset="0"/>
+                <a:cs typeface="Courier New" panose="02070309020205020404" pitchFamily="49" charset="0"/>
+              </a:rPr>
+              <a:t>def up(self):</a:t>
+            </a:r>
+          </a:p>
+          <a:p>
+            <a:r>
+              <a:rPr lang="en-US" sz="2000" b="1" dirty="0">
+                <a:solidFill>
+                  <a:srgbClr val="FF5050"/>
+                </a:solidFill>
+                <a:latin typeface="Courier New" panose="02070309020205020404" pitchFamily="49" charset="0"/>
+                <a:cs typeface="Courier New" panose="02070309020205020404" pitchFamily="49" charset="0"/>
+              </a:rPr>
+              <a:t>      body</a:t>
+            </a:r>
+          </a:p>
+          <a:p>
+            <a:endParaRPr lang="en-US" sz="2000" b="1" dirty="0">
+              <a:solidFill>
+                <a:srgbClr val="FF5050"/>
+              </a:solidFill>
+              <a:latin typeface="Courier New" panose="02070309020205020404" pitchFamily="49" charset="0"/>
+              <a:cs typeface="Courier New" panose="02070309020205020404" pitchFamily="49" charset="0"/>
+            </a:endParaRPr>
+          </a:p>
+          <a:p>
+            <a:r>
+              <a:rPr lang="en-US" sz="2000" b="1" dirty="0">
+                <a:solidFill>
+                  <a:srgbClr val="FF5050"/>
+                </a:solidFill>
+                <a:latin typeface="Courier New" panose="02070309020205020404" pitchFamily="49" charset="0"/>
+                <a:cs typeface="Courier New" panose="02070309020205020404" pitchFamily="49" charset="0"/>
+              </a:rPr>
+              <a:t>   def goto(self, x, y):</a:t>
+            </a:r>
+          </a:p>
+          <a:p>
+            <a:r>
+              <a:rPr lang="en-US" sz="2000" b="1" dirty="0">
+                <a:solidFill>
+                  <a:srgbClr val="FF5050"/>
+                </a:solidFill>
+                <a:latin typeface="Courier New" panose="02070309020205020404" pitchFamily="49" charset="0"/>
+                <a:cs typeface="Courier New" panose="02070309020205020404" pitchFamily="49" charset="0"/>
+              </a:rPr>
+              <a:t>      body</a:t>
+            </a:r>
+          </a:p>
+          <a:p>
+            <a:endParaRPr lang="en-US" sz="2000" b="1" dirty="0">
+              <a:solidFill>
+                <a:srgbClr val="FF5050"/>
+              </a:solidFill>
+              <a:latin typeface="Courier New" panose="02070309020205020404" pitchFamily="49" charset="0"/>
+              <a:cs typeface="Courier New" panose="02070309020205020404" pitchFamily="49" charset="0"/>
+            </a:endParaRPr>
+          </a:p>
+          <a:p>
+            <a:r>
+              <a:rPr lang="en-US" sz="2000" b="1" dirty="0">
+                <a:solidFill>
+                  <a:srgbClr val="FF5050"/>
+                </a:solidFill>
+                <a:latin typeface="Courier New" panose="02070309020205020404" pitchFamily="49" charset="0"/>
+                <a:cs typeface="Courier New" panose="02070309020205020404" pitchFamily="49" charset="0"/>
+              </a:rPr>
+              <a:t>   def down():</a:t>
+            </a:r>
+          </a:p>
+          <a:p>
+            <a:r>
+              <a:rPr lang="en-US" sz="2000" b="1" dirty="0">
+                <a:solidFill>
+                  <a:srgbClr val="FF5050"/>
+                </a:solidFill>
+                <a:latin typeface="Courier New" panose="02070309020205020404" pitchFamily="49" charset="0"/>
+                <a:cs typeface="Courier New" panose="02070309020205020404" pitchFamily="49" charset="0"/>
+              </a:rPr>
+              <a:t>      body</a:t>
+            </a:r>
+          </a:p>
+        </p:txBody>
+      </p:sp>
+      <p:sp>
+        <p:nvSpPr>
+          <p:cNvPr id="8" name="TextBox 7">
+            <a:extLst>
+              <a:ext uri="{FF2B5EF4-FFF2-40B4-BE49-F238E27FC236}">
+                <a16:creationId xmlns:a16="http://schemas.microsoft.com/office/drawing/2014/main" id="{FB1F799E-7EED-4DCD-80FA-31BC38B2C8B1}"/>
+              </a:ext>
+            </a:extLst>
+          </p:cNvPr>
+          <p:cNvSpPr txBox="1"/>
+          <p:nvPr/>
+        </p:nvSpPr>
+        <p:spPr>
+          <a:xfrm>
+            <a:off x="263887" y="5147805"/>
+            <a:ext cx="4265911" cy="1384995"/>
+          </a:xfrm>
+          <a:prstGeom prst="rect">
+            <a:avLst/>
+          </a:prstGeom>
+          <a:noFill/>
+        </p:spPr>
+        <p:txBody>
+          <a:bodyPr wrap="none" rtlCol="0">
+            <a:spAutoFit/>
+          </a:bodyPr>
+          <a:lstStyle/>
+          <a:p>
+            <a:r>
+              <a:rPr lang="en-US" sz="2800" b="1" dirty="0">
+                <a:solidFill>
+                  <a:srgbClr val="00FF00"/>
+                </a:solidFill>
+                <a:latin typeface="Courier New" panose="02070309020205020404" pitchFamily="49" charset="0"/>
+                <a:cs typeface="Courier New" panose="02070309020205020404" pitchFamily="49" charset="0"/>
+              </a:rPr>
+              <a:t>alex = Turtle(</a:t>
+            </a:r>
+            <a:r>
+              <a:rPr lang="en-US" sz="2800" b="1" dirty="0">
+                <a:solidFill>
+                  <a:schemeClr val="accent2"/>
+                </a:solidFill>
+                <a:latin typeface="Courier New" panose="02070309020205020404" pitchFamily="49" charset="0"/>
+                <a:cs typeface="Courier New" panose="02070309020205020404" pitchFamily="49" charset="0"/>
+              </a:rPr>
+              <a:t>0</a:t>
+            </a:r>
+            <a:r>
+              <a:rPr lang="en-US" sz="2800" b="1" dirty="0">
+                <a:solidFill>
+                  <a:srgbClr val="00FF00"/>
+                </a:solidFill>
+                <a:latin typeface="Courier New" panose="02070309020205020404" pitchFamily="49" charset="0"/>
+                <a:cs typeface="Courier New" panose="02070309020205020404" pitchFamily="49" charset="0"/>
+              </a:rPr>
+              <a:t>, </a:t>
+            </a:r>
+            <a:r>
+              <a:rPr lang="en-US" sz="2800" b="1" dirty="0">
+                <a:solidFill>
+                  <a:schemeClr val="accent2"/>
+                </a:solidFill>
+                <a:latin typeface="Courier New" panose="02070309020205020404" pitchFamily="49" charset="0"/>
+                <a:cs typeface="Courier New" panose="02070309020205020404" pitchFamily="49" charset="0"/>
+              </a:rPr>
+              <a:t>0</a:t>
+            </a:r>
+            <a:r>
+              <a:rPr lang="en-US" sz="2800" b="1" dirty="0">
+                <a:solidFill>
+                  <a:srgbClr val="00FF00"/>
+                </a:solidFill>
+                <a:latin typeface="Courier New" panose="02070309020205020404" pitchFamily="49" charset="0"/>
+                <a:cs typeface="Courier New" panose="02070309020205020404" pitchFamily="49" charset="0"/>
+              </a:rPr>
+              <a:t>)</a:t>
+            </a:r>
+            <a:endParaRPr lang="en-US" sz="2800" b="1" dirty="0">
+              <a:solidFill>
+                <a:schemeClr val="accent6"/>
+              </a:solidFill>
+              <a:latin typeface="Courier New" panose="02070309020205020404" pitchFamily="49" charset="0"/>
+              <a:cs typeface="Courier New" panose="02070309020205020404" pitchFamily="49" charset="0"/>
+            </a:endParaRPr>
+          </a:p>
+          <a:p>
+            <a:r>
+              <a:rPr lang="en-US" sz="2800" b="1" dirty="0">
+                <a:solidFill>
+                  <a:srgbClr val="00FF00"/>
+                </a:solidFill>
+                <a:latin typeface="Courier New" panose="02070309020205020404" pitchFamily="49" charset="0"/>
+                <a:cs typeface="Courier New" panose="02070309020205020404" pitchFamily="49" charset="0"/>
+              </a:rPr>
+              <a:t>alex.</a:t>
+            </a:r>
+            <a:r>
+              <a:rPr lang="en-US" sz="2800" b="1" dirty="0">
+                <a:solidFill>
+                  <a:schemeClr val="accent2"/>
+                </a:solidFill>
+                <a:latin typeface="Courier New" panose="02070309020205020404" pitchFamily="49" charset="0"/>
+                <a:cs typeface="Courier New" panose="02070309020205020404" pitchFamily="49" charset="0"/>
+              </a:rPr>
+              <a:t>x</a:t>
+            </a:r>
+            <a:endParaRPr lang="en-US" sz="2800" b="1" dirty="0">
+              <a:solidFill>
+                <a:srgbClr val="00FF00"/>
+              </a:solidFill>
+              <a:latin typeface="Courier New" panose="02070309020205020404" pitchFamily="49" charset="0"/>
+              <a:cs typeface="Courier New" panose="02070309020205020404" pitchFamily="49" charset="0"/>
+            </a:endParaRPr>
+          </a:p>
+          <a:p>
+            <a:r>
+              <a:rPr lang="en-US" sz="2800" b="1" dirty="0">
+                <a:solidFill>
+                  <a:srgbClr val="00FF00"/>
+                </a:solidFill>
+                <a:latin typeface="Courier New" panose="02070309020205020404" pitchFamily="49" charset="0"/>
+                <a:cs typeface="Courier New" panose="02070309020205020404" pitchFamily="49" charset="0"/>
+              </a:rPr>
+              <a:t>alex.</a:t>
+            </a:r>
+            <a:r>
+              <a:rPr lang="en-US" sz="2800" b="1" dirty="0">
+                <a:solidFill>
+                  <a:schemeClr val="accent2"/>
+                </a:solidFill>
+                <a:latin typeface="Courier New" panose="02070309020205020404" pitchFamily="49" charset="0"/>
+                <a:cs typeface="Courier New" panose="02070309020205020404" pitchFamily="49" charset="0"/>
+              </a:rPr>
+              <a:t>y</a:t>
+            </a:r>
+            <a:endParaRPr lang="en-US" sz="2800" b="1" dirty="0">
+              <a:solidFill>
+                <a:srgbClr val="00FF00"/>
+              </a:solidFill>
+              <a:latin typeface="Courier New" panose="02070309020205020404" pitchFamily="49" charset="0"/>
+              <a:cs typeface="Courier New" panose="02070309020205020404" pitchFamily="49" charset="0"/>
+            </a:endParaRPr>
+          </a:p>
+        </p:txBody>
+      </p:sp>
+      <p:pic>
+        <p:nvPicPr>
+          <p:cNvPr id="9" name="Picture 4" descr="Turtle Icon | Flat Animal Iconset | Martin Berube">
+            <a:extLst>
+              <a:ext uri="{FF2B5EF4-FFF2-40B4-BE49-F238E27FC236}">
+                <a16:creationId xmlns:a16="http://schemas.microsoft.com/office/drawing/2014/main" id="{B6DE08C4-D16F-49AD-A7D8-B0B8A46A0337}"/>
+              </a:ext>
+            </a:extLst>
+          </p:cNvPr>
+          <p:cNvPicPr>
+            <a:picLocks noChangeAspect="1" noChangeArrowheads="1"/>
+          </p:cNvPicPr>
+          <p:nvPr/>
+        </p:nvPicPr>
+        <p:blipFill>
+          <a:blip r:embed="rId2">
+            <a:extLst>
+              <a:ext uri="{28A0092B-C50C-407E-A947-70E740481C1C}">
+                <a14:useLocalDpi xmlns:a14="http://schemas.microsoft.com/office/drawing/2010/main" val="0"/>
+              </a:ext>
+            </a:extLst>
+          </a:blip>
+          <a:srcRect/>
+          <a:stretch>
+            <a:fillRect/>
+          </a:stretch>
+        </p:blipFill>
+        <p:spPr bwMode="auto">
+          <a:xfrm>
+            <a:off x="207435" y="3306481"/>
+            <a:ext cx="2109796" cy="2109796"/>
+          </a:xfrm>
+          <a:prstGeom prst="rect">
+            <a:avLst/>
+          </a:prstGeom>
+          <a:noFill/>
+          <a:extLst>
+            <a:ext uri="{909E8E84-426E-40DD-AFC4-6F175D3DCCD1}">
+              <a14:hiddenFill xmlns:a14="http://schemas.microsoft.com/office/drawing/2010/main">
+                <a:solidFill>
+                  <a:srgbClr val="FFFFFF"/>
+                </a:solidFill>
+              </a14:hiddenFill>
+            </a:ext>
+          </a:extLst>
+        </p:spPr>
+      </p:pic>
+      <p:sp>
+        <p:nvSpPr>
+          <p:cNvPr id="10" name="TextBox 9">
+            <a:extLst>
+              <a:ext uri="{FF2B5EF4-FFF2-40B4-BE49-F238E27FC236}">
+                <a16:creationId xmlns:a16="http://schemas.microsoft.com/office/drawing/2014/main" id="{12450BC6-C955-4572-B2CC-063190A1ABF4}"/>
+              </a:ext>
+            </a:extLst>
+          </p:cNvPr>
+          <p:cNvSpPr txBox="1"/>
+          <p:nvPr/>
+        </p:nvSpPr>
+        <p:spPr>
+          <a:xfrm>
+            <a:off x="4893376" y="5432177"/>
+            <a:ext cx="3458796" cy="1200329"/>
+          </a:xfrm>
+          <a:prstGeom prst="rect">
+            <a:avLst/>
+          </a:prstGeom>
+          <a:noFill/>
+        </p:spPr>
+        <p:txBody>
+          <a:bodyPr wrap="square" rtlCol="0">
+            <a:spAutoFit/>
+          </a:bodyPr>
+          <a:lstStyle/>
+          <a:p>
+            <a:r>
+              <a:rPr lang="en-US" sz="2400" b="1" dirty="0">
+                <a:solidFill>
+                  <a:srgbClr val="00FF00"/>
+                </a:solidFill>
+              </a:rPr>
+              <a:t>__init__ </a:t>
+            </a:r>
+            <a:r>
+              <a:rPr lang="en-US" sz="2400" b="1" dirty="0">
+                <a:solidFill>
+                  <a:srgbClr val="FFFFFF"/>
+                </a:solidFill>
+              </a:rPr>
+              <a:t>method is automatically run during instantiation</a:t>
+            </a:r>
+            <a:r>
+              <a:rPr lang="en-US" sz="2400" b="1" dirty="0">
+                <a:solidFill>
+                  <a:schemeClr val="accent2"/>
+                </a:solidFill>
+              </a:rPr>
+              <a:t>.</a:t>
+            </a:r>
+            <a:r>
+              <a:rPr lang="en-US" sz="2400" b="1" dirty="0">
+                <a:solidFill>
+                  <a:srgbClr val="FFFFFF"/>
+                </a:solidFill>
+              </a:rPr>
+              <a:t> </a:t>
+            </a:r>
+          </a:p>
+        </p:txBody>
+      </p:sp>
+      <p:sp>
+        <p:nvSpPr>
+          <p:cNvPr id="11" name="Oval 10">
+            <a:extLst>
+              <a:ext uri="{FF2B5EF4-FFF2-40B4-BE49-F238E27FC236}">
+                <a16:creationId xmlns:a16="http://schemas.microsoft.com/office/drawing/2014/main" id="{3F816BB0-62E3-409D-A883-7051B3890E39}"/>
+              </a:ext>
+            </a:extLst>
+          </p:cNvPr>
+          <p:cNvSpPr/>
+          <p:nvPr/>
+        </p:nvSpPr>
+        <p:spPr>
+          <a:xfrm rot="1286990">
+            <a:off x="7613535" y="5731086"/>
+            <a:ext cx="345711" cy="345711"/>
+          </a:xfrm>
+          <a:prstGeom prst="ellipse">
+            <a:avLst/>
+          </a:prstGeom>
+        </p:spPr>
+        <p:style>
+          <a:lnRef idx="2">
+            <a:schemeClr val="accent1">
+              <a:shade val="50000"/>
+            </a:schemeClr>
+          </a:lnRef>
+          <a:fillRef idx="1">
+            <a:schemeClr val="accent1"/>
+          </a:fillRef>
+          <a:effectRef idx="0">
+            <a:schemeClr val="accent1"/>
+          </a:effectRef>
+          <a:fontRef idx="minor">
+            <a:schemeClr val="lt1"/>
+          </a:fontRef>
+        </p:style>
+        <p:txBody>
+          <a:bodyPr rtlCol="0" anchor="ctr"/>
+          <a:lstStyle/>
+          <a:p>
+            <a:pPr algn="ctr"/>
+            <a:endParaRPr lang="en-US"/>
+          </a:p>
+        </p:txBody>
+      </p:sp>
+      <p:cxnSp>
+        <p:nvCxnSpPr>
+          <p:cNvPr id="12" name="Straight Arrow Connector 11">
+            <a:extLst>
+              <a:ext uri="{FF2B5EF4-FFF2-40B4-BE49-F238E27FC236}">
+                <a16:creationId xmlns:a16="http://schemas.microsoft.com/office/drawing/2014/main" id="{1FC0FA41-164B-4BBA-ADC9-4E8DB33921E5}"/>
+              </a:ext>
+            </a:extLst>
+          </p:cNvPr>
+          <p:cNvCxnSpPr>
+            <a:cxnSpLocks/>
+            <a:stCxn id="11" idx="1"/>
+          </p:cNvCxnSpPr>
+          <p:nvPr/>
+        </p:nvCxnSpPr>
+        <p:spPr>
+          <a:xfrm flipH="1" flipV="1">
+            <a:off x="6256421" y="1628881"/>
+            <a:ext cx="1460905" cy="4116602"/>
+          </a:xfrm>
+          <a:prstGeom prst="straightConnector1">
+            <a:avLst/>
+          </a:prstGeom>
+          <a:ln w="57150">
+            <a:tailEnd type="triangle"/>
+          </a:ln>
+        </p:spPr>
+        <p:style>
+          <a:lnRef idx="1">
+            <a:schemeClr val="accent1"/>
+          </a:lnRef>
+          <a:fillRef idx="0">
+            <a:schemeClr val="accent1"/>
+          </a:fillRef>
+          <a:effectRef idx="0">
+            <a:schemeClr val="accent1"/>
+          </a:effectRef>
+          <a:fontRef idx="minor">
+            <a:schemeClr val="tx1"/>
+          </a:fontRef>
+        </p:style>
+      </p:cxnSp>
+    </p:spTree>
+    <p:extLst>
+      <p:ext uri="{BB962C8B-B14F-4D97-AF65-F5344CB8AC3E}">
+        <p14:creationId xmlns:p14="http://schemas.microsoft.com/office/powerpoint/2010/main" val="4030960316"/>
+      </p:ext>
+    </p:extLst>
+  </p:cSld>
+  <p:clrMapOvr>
+    <a:masterClrMapping/>
+  </p:clrMapOvr>
+</p:sld>
+</file>
+
+<file path=ppt/slides/slide26.xml><?xml version="1.0" encoding="utf-8"?>
+<p:sld xmlns:a="http://schemas.openxmlformats.org/drawingml/2006/main" xmlns:r="http://schemas.openxmlformats.org/officeDocument/2006/relationships" xmlns:p="http://schemas.openxmlformats.org/presentationml/2006/main">
+  <p:cSld>
+    <p:spTree>
+      <p:nvGrpSpPr>
+        <p:cNvPr id="1" name=""/>
+        <p:cNvGrpSpPr/>
+        <p:nvPr/>
+      </p:nvGrpSpPr>
+      <p:grpSpPr>
+        <a:xfrm>
+          <a:off x="0" y="0"/>
+          <a:ext cx="0" cy="0"/>
+          <a:chOff x="0" y="0"/>
+          <a:chExt cx="0" cy="0"/>
+        </a:xfrm>
+      </p:grpSpPr>
+      <p:sp>
+        <p:nvSpPr>
+          <p:cNvPr id="2" name="Title 1">
+            <a:extLst>
+              <a:ext uri="{FF2B5EF4-FFF2-40B4-BE49-F238E27FC236}">
+                <a16:creationId xmlns:a16="http://schemas.microsoft.com/office/drawing/2014/main" id="{F3D77582-2C41-4F4F-B3C6-29B46A02AE77}"/>
+              </a:ext>
+            </a:extLst>
+          </p:cNvPr>
+          <p:cNvSpPr>
+            <a:spLocks noGrp="1"/>
+          </p:cNvSpPr>
+          <p:nvPr>
+            <p:ph type="title"/>
+          </p:nvPr>
+        </p:nvSpPr>
+        <p:spPr/>
+        <p:txBody>
+          <a:bodyPr>
+            <a:normAutofit fontScale="90000"/>
+          </a:bodyPr>
+          <a:lstStyle/>
+          <a:p>
+            <a:r>
+              <a:rPr lang="en-US" b="1" dirty="0"/>
+              <a:t>Definitions</a:t>
+            </a:r>
+          </a:p>
+        </p:txBody>
+      </p:sp>
+      <p:sp>
+        <p:nvSpPr>
+          <p:cNvPr id="3" name="Content Placeholder 2">
+            <a:extLst>
+              <a:ext uri="{FF2B5EF4-FFF2-40B4-BE49-F238E27FC236}">
+                <a16:creationId xmlns:a16="http://schemas.microsoft.com/office/drawing/2014/main" id="{AD945F59-D3F1-4C5E-9BB2-14E933A18625}"/>
+              </a:ext>
+            </a:extLst>
+          </p:cNvPr>
+          <p:cNvSpPr>
+            <a:spLocks noGrp="1"/>
+          </p:cNvSpPr>
+          <p:nvPr>
+            <p:ph idx="1"/>
+          </p:nvPr>
+        </p:nvSpPr>
+        <p:spPr>
+          <a:xfrm>
+            <a:off x="838201" y="1825624"/>
+            <a:ext cx="3854116" cy="4835479"/>
+          </a:xfrm>
+        </p:spPr>
+        <p:txBody>
+          <a:bodyPr/>
+          <a:lstStyle/>
+          <a:p>
+            <a:r>
+              <a:rPr lang="en-US" dirty="0"/>
+              <a:t>Reference to the instance of the class</a:t>
+            </a:r>
+            <a:r>
+              <a:rPr lang="en-US" dirty="0">
+                <a:solidFill>
+                  <a:schemeClr val="accent2"/>
+                </a:solidFill>
+              </a:rPr>
+              <a:t>.</a:t>
+            </a:r>
+          </a:p>
+          <a:p>
+            <a:r>
+              <a:rPr lang="en-US" dirty="0"/>
+              <a:t>Although you do not technically need to use the word self, it is widely adopted and is recommended</a:t>
+            </a:r>
+            <a:r>
+              <a:rPr lang="en-US" dirty="0">
+                <a:solidFill>
+                  <a:schemeClr val="accent2"/>
+                </a:solidFill>
+              </a:rPr>
+              <a:t>.</a:t>
+            </a:r>
+          </a:p>
+          <a:p>
+            <a:r>
+              <a:rPr lang="en-US" dirty="0"/>
+              <a:t>More on this later</a:t>
+            </a:r>
+            <a:r>
+              <a:rPr lang="en-US" dirty="0">
+                <a:solidFill>
+                  <a:schemeClr val="accent2"/>
+                </a:solidFill>
+              </a:rPr>
+              <a:t>.</a:t>
+            </a:r>
+          </a:p>
+          <a:p>
+            <a:endParaRPr lang="en-US" dirty="0">
+              <a:solidFill>
+                <a:schemeClr val="accent2"/>
+              </a:solidFill>
+            </a:endParaRPr>
+          </a:p>
+        </p:txBody>
+      </p:sp>
+      <p:sp>
+        <p:nvSpPr>
+          <p:cNvPr id="4" name="TextBox 3">
+            <a:extLst>
+              <a:ext uri="{FF2B5EF4-FFF2-40B4-BE49-F238E27FC236}">
+                <a16:creationId xmlns:a16="http://schemas.microsoft.com/office/drawing/2014/main" id="{94408458-4389-4779-9214-B3D27D684AF3}"/>
+              </a:ext>
+            </a:extLst>
+          </p:cNvPr>
+          <p:cNvSpPr txBox="1"/>
+          <p:nvPr/>
+        </p:nvSpPr>
+        <p:spPr>
+          <a:xfrm>
+            <a:off x="8877154" y="727514"/>
+            <a:ext cx="3035896" cy="5770811"/>
+          </a:xfrm>
+          <a:prstGeom prst="rect">
+            <a:avLst/>
+          </a:prstGeom>
+          <a:noFill/>
+        </p:spPr>
+        <p:txBody>
+          <a:bodyPr wrap="none" rtlCol="0">
+            <a:spAutoFit/>
+          </a:bodyPr>
+          <a:lstStyle/>
+          <a:p>
+            <a:r>
+              <a:rPr lang="en-US" sz="4000" b="1" dirty="0">
+                <a:solidFill>
+                  <a:srgbClr val="444445"/>
+                </a:solidFill>
+              </a:rPr>
+              <a:t>Class</a:t>
+            </a:r>
+          </a:p>
+          <a:p>
+            <a:r>
+              <a:rPr lang="en-US" sz="1400" b="1" dirty="0"/>
+              <a:t>   </a:t>
+            </a:r>
+          </a:p>
+          <a:p>
+            <a:r>
+              <a:rPr lang="en-US" sz="4000" b="1" dirty="0"/>
+              <a:t>Object</a:t>
+            </a:r>
+          </a:p>
+          <a:p>
+            <a:endParaRPr lang="en-US" sz="1400" b="1" dirty="0"/>
+          </a:p>
+          <a:p>
+            <a:r>
+              <a:rPr lang="en-US" sz="4000" b="1" dirty="0"/>
+              <a:t>Instantiate</a:t>
+            </a:r>
+          </a:p>
+          <a:p>
+            <a:endParaRPr lang="en-US" sz="1400" b="1" dirty="0"/>
+          </a:p>
+          <a:p>
+            <a:r>
+              <a:rPr lang="en-US" sz="4000" b="1" dirty="0"/>
+              <a:t>Method</a:t>
+            </a:r>
+          </a:p>
+          <a:p>
+            <a:endParaRPr lang="en-US" sz="1400" b="1" dirty="0"/>
+          </a:p>
+          <a:p>
+            <a:r>
+              <a:rPr lang="en-US" sz="4000" b="1" dirty="0"/>
+              <a:t>Attribute</a:t>
+            </a:r>
+          </a:p>
+          <a:p>
+            <a:endParaRPr lang="en-US" sz="1400" b="1" dirty="0"/>
+          </a:p>
+          <a:p>
+            <a:r>
+              <a:rPr lang="en-US" sz="4000" b="1" dirty="0"/>
+              <a:t>Constructor</a:t>
+            </a:r>
+          </a:p>
+          <a:p>
+            <a:endParaRPr lang="en-US" sz="1400" b="1" dirty="0"/>
+          </a:p>
+          <a:p>
+            <a:r>
+              <a:rPr lang="en-US" sz="4000" b="1" dirty="0">
+                <a:solidFill>
+                  <a:schemeClr val="accent6"/>
+                </a:solidFill>
+              </a:rPr>
+              <a:t>self</a:t>
+            </a:r>
+          </a:p>
+        </p:txBody>
+      </p:sp>
+      <p:sp>
+        <p:nvSpPr>
+          <p:cNvPr id="7" name="TextBox 6">
+            <a:extLst>
+              <a:ext uri="{FF2B5EF4-FFF2-40B4-BE49-F238E27FC236}">
+                <a16:creationId xmlns:a16="http://schemas.microsoft.com/office/drawing/2014/main" id="{76D1472D-DC3F-4634-943B-32AA6BA72181}"/>
+              </a:ext>
+            </a:extLst>
+          </p:cNvPr>
+          <p:cNvSpPr txBox="1"/>
+          <p:nvPr/>
+        </p:nvSpPr>
+        <p:spPr>
+          <a:xfrm>
+            <a:off x="4368393" y="727514"/>
+            <a:ext cx="6453894" cy="4401205"/>
+          </a:xfrm>
+          <a:prstGeom prst="rect">
+            <a:avLst/>
+          </a:prstGeom>
+          <a:noFill/>
+        </p:spPr>
+        <p:txBody>
+          <a:bodyPr wrap="square" rtlCol="0">
+            <a:spAutoFit/>
+          </a:bodyPr>
+          <a:lstStyle/>
+          <a:p>
+            <a:r>
+              <a:rPr lang="en-US" sz="2000" b="1" dirty="0">
+                <a:solidFill>
+                  <a:srgbClr val="00FF00"/>
+                </a:solidFill>
+                <a:latin typeface="Courier New" panose="02070309020205020404" pitchFamily="49" charset="0"/>
+                <a:cs typeface="Courier New" panose="02070309020205020404" pitchFamily="49" charset="0"/>
+              </a:rPr>
+              <a:t>class Turtle:</a:t>
+            </a:r>
+          </a:p>
+          <a:p>
+            <a:r>
+              <a:rPr lang="en-US" sz="2000" b="1" dirty="0">
+                <a:solidFill>
+                  <a:srgbClr val="00FF00"/>
+                </a:solidFill>
+                <a:latin typeface="Courier New" panose="02070309020205020404" pitchFamily="49" charset="0"/>
+                <a:cs typeface="Courier New" panose="02070309020205020404" pitchFamily="49" charset="0"/>
+              </a:rPr>
+              <a:t>   </a:t>
+            </a:r>
+          </a:p>
+          <a:p>
+            <a:r>
+              <a:rPr lang="en-US" sz="2000" b="1" dirty="0">
+                <a:solidFill>
+                  <a:srgbClr val="FFD6AD"/>
+                </a:solidFill>
+                <a:latin typeface="Courier New" panose="02070309020205020404" pitchFamily="49" charset="0"/>
+                <a:cs typeface="Courier New" panose="02070309020205020404" pitchFamily="49" charset="0"/>
+              </a:rPr>
+              <a:t>   def __init__(self, x, y):</a:t>
+            </a:r>
+          </a:p>
+          <a:p>
+            <a:r>
+              <a:rPr lang="en-US" sz="2000" b="1" dirty="0">
+                <a:solidFill>
+                  <a:srgbClr val="FFD6AD"/>
+                </a:solidFill>
+                <a:latin typeface="Courier New" panose="02070309020205020404" pitchFamily="49" charset="0"/>
+                <a:cs typeface="Courier New" panose="02070309020205020404" pitchFamily="49" charset="0"/>
+              </a:rPr>
+              <a:t>      self.x = x</a:t>
+            </a:r>
+          </a:p>
+          <a:p>
+            <a:r>
+              <a:rPr lang="en-US" sz="2000" b="1" dirty="0">
+                <a:solidFill>
+                  <a:srgbClr val="FFD6AD"/>
+                </a:solidFill>
+                <a:latin typeface="Courier New" panose="02070309020205020404" pitchFamily="49" charset="0"/>
+                <a:cs typeface="Courier New" panose="02070309020205020404" pitchFamily="49" charset="0"/>
+              </a:rPr>
+              <a:t>	self.y = y</a:t>
+            </a:r>
+          </a:p>
+          <a:p>
+            <a:r>
+              <a:rPr lang="en-US" sz="2000" b="1" dirty="0">
+                <a:solidFill>
+                  <a:srgbClr val="FFD6AD"/>
+                </a:solidFill>
+                <a:latin typeface="Courier New" panose="02070309020205020404" pitchFamily="49" charset="0"/>
+                <a:cs typeface="Courier New" panose="02070309020205020404" pitchFamily="49" charset="0"/>
+              </a:rPr>
+              <a:t>	</a:t>
+            </a:r>
+            <a:endParaRPr lang="en-US" sz="2000" b="1" dirty="0">
+              <a:solidFill>
+                <a:srgbClr val="00FF00"/>
+              </a:solidFill>
+              <a:latin typeface="Courier New" panose="02070309020205020404" pitchFamily="49" charset="0"/>
+              <a:cs typeface="Courier New" panose="02070309020205020404" pitchFamily="49" charset="0"/>
+            </a:endParaRPr>
+          </a:p>
+          <a:p>
+            <a:r>
+              <a:rPr lang="en-US" sz="2000" b="1" dirty="0">
+                <a:solidFill>
+                  <a:srgbClr val="00FF00"/>
+                </a:solidFill>
+                <a:latin typeface="Courier New" panose="02070309020205020404" pitchFamily="49" charset="0"/>
+                <a:cs typeface="Courier New" panose="02070309020205020404" pitchFamily="49" charset="0"/>
+              </a:rPr>
+              <a:t>   </a:t>
+            </a:r>
+            <a:r>
+              <a:rPr lang="en-US" sz="2000" b="1" dirty="0">
+                <a:solidFill>
+                  <a:srgbClr val="FF5050"/>
+                </a:solidFill>
+                <a:latin typeface="Courier New" panose="02070309020205020404" pitchFamily="49" charset="0"/>
+                <a:cs typeface="Courier New" panose="02070309020205020404" pitchFamily="49" charset="0"/>
+              </a:rPr>
+              <a:t>def up(self):</a:t>
+            </a:r>
+          </a:p>
+          <a:p>
+            <a:r>
+              <a:rPr lang="en-US" sz="2000" b="1" dirty="0">
+                <a:solidFill>
+                  <a:srgbClr val="FF5050"/>
+                </a:solidFill>
+                <a:latin typeface="Courier New" panose="02070309020205020404" pitchFamily="49" charset="0"/>
+                <a:cs typeface="Courier New" panose="02070309020205020404" pitchFamily="49" charset="0"/>
+              </a:rPr>
+              <a:t>      body</a:t>
+            </a:r>
+          </a:p>
+          <a:p>
+            <a:endParaRPr lang="en-US" sz="2000" b="1" dirty="0">
+              <a:solidFill>
+                <a:srgbClr val="FF5050"/>
+              </a:solidFill>
+              <a:latin typeface="Courier New" panose="02070309020205020404" pitchFamily="49" charset="0"/>
+              <a:cs typeface="Courier New" panose="02070309020205020404" pitchFamily="49" charset="0"/>
+            </a:endParaRPr>
+          </a:p>
+          <a:p>
+            <a:r>
+              <a:rPr lang="en-US" sz="2000" b="1" dirty="0">
+                <a:solidFill>
+                  <a:srgbClr val="FF5050"/>
+                </a:solidFill>
+                <a:latin typeface="Courier New" panose="02070309020205020404" pitchFamily="49" charset="0"/>
+                <a:cs typeface="Courier New" panose="02070309020205020404" pitchFamily="49" charset="0"/>
+              </a:rPr>
+              <a:t>   def goto(self, x, y):</a:t>
+            </a:r>
+          </a:p>
+          <a:p>
+            <a:r>
+              <a:rPr lang="en-US" sz="2000" b="1" dirty="0">
+                <a:solidFill>
+                  <a:srgbClr val="FF5050"/>
+                </a:solidFill>
+                <a:latin typeface="Courier New" panose="02070309020205020404" pitchFamily="49" charset="0"/>
+                <a:cs typeface="Courier New" panose="02070309020205020404" pitchFamily="49" charset="0"/>
+              </a:rPr>
+              <a:t>      body</a:t>
+            </a:r>
+          </a:p>
+          <a:p>
+            <a:endParaRPr lang="en-US" sz="2000" b="1" dirty="0">
+              <a:solidFill>
+                <a:srgbClr val="FF5050"/>
+              </a:solidFill>
+              <a:latin typeface="Courier New" panose="02070309020205020404" pitchFamily="49" charset="0"/>
+              <a:cs typeface="Courier New" panose="02070309020205020404" pitchFamily="49" charset="0"/>
+            </a:endParaRPr>
+          </a:p>
+          <a:p>
+            <a:r>
+              <a:rPr lang="en-US" sz="2000" b="1" dirty="0">
+                <a:solidFill>
+                  <a:srgbClr val="FF5050"/>
+                </a:solidFill>
+                <a:latin typeface="Courier New" panose="02070309020205020404" pitchFamily="49" charset="0"/>
+                <a:cs typeface="Courier New" panose="02070309020205020404" pitchFamily="49" charset="0"/>
+              </a:rPr>
+              <a:t>   def down():</a:t>
+            </a:r>
+          </a:p>
+          <a:p>
+            <a:r>
+              <a:rPr lang="en-US" sz="2000" b="1" dirty="0">
+                <a:solidFill>
+                  <a:srgbClr val="FF5050"/>
+                </a:solidFill>
+                <a:latin typeface="Courier New" panose="02070309020205020404" pitchFamily="49" charset="0"/>
+                <a:cs typeface="Courier New" panose="02070309020205020404" pitchFamily="49" charset="0"/>
+              </a:rPr>
+              <a:t>      body</a:t>
+            </a:r>
+          </a:p>
+        </p:txBody>
+      </p:sp>
+    </p:spTree>
+    <p:extLst>
+      <p:ext uri="{BB962C8B-B14F-4D97-AF65-F5344CB8AC3E}">
+        <p14:creationId xmlns:p14="http://schemas.microsoft.com/office/powerpoint/2010/main" val="2626673164"/>
+      </p:ext>
+    </p:extLst>
+  </p:cSld>
+  <p:clrMapOvr>
+    <a:masterClrMapping/>
+  </p:clrMapOvr>
+</p:sld>
+</file>
+
+<file path=ppt/slides/slide27.xml><?xml version="1.0" encoding="utf-8"?>
+<p:sld xmlns:a="http://schemas.openxmlformats.org/drawingml/2006/main" xmlns:r="http://schemas.openxmlformats.org/officeDocument/2006/relationships" xmlns:p="http://schemas.openxmlformats.org/presentationml/2006/main">
+  <p:cSld>
+    <p:spTree>
+      <p:nvGrpSpPr>
+        <p:cNvPr id="1" name=""/>
+        <p:cNvGrpSpPr/>
+        <p:nvPr/>
+      </p:nvGrpSpPr>
+      <p:grpSpPr>
+        <a:xfrm>
+          <a:off x="0" y="0"/>
+          <a:ext cx="0" cy="0"/>
+          <a:chOff x="0" y="0"/>
+          <a:chExt cx="0" cy="0"/>
+        </a:xfrm>
+      </p:grpSpPr>
+      <p:sp>
+        <p:nvSpPr>
+          <p:cNvPr id="4" name="Title 3">
+            <a:extLst>
+              <a:ext uri="{FF2B5EF4-FFF2-40B4-BE49-F238E27FC236}">
+                <a16:creationId xmlns:a16="http://schemas.microsoft.com/office/drawing/2014/main" id="{0C118C3C-13F5-4EA8-9EA9-3448AC35375E}"/>
+              </a:ext>
+            </a:extLst>
+          </p:cNvPr>
+          <p:cNvSpPr>
+            <a:spLocks noGrp="1"/>
+          </p:cNvSpPr>
+          <p:nvPr>
+            <p:ph type="title"/>
+          </p:nvPr>
+        </p:nvSpPr>
+        <p:spPr/>
+        <p:txBody>
+          <a:bodyPr>
+            <a:normAutofit fontScale="90000"/>
+          </a:bodyPr>
+          <a:lstStyle/>
+          <a:p>
+            <a:r>
+              <a:rPr lang="en-US" b="1" dirty="0"/>
+              <a:t>Classes</a:t>
+            </a:r>
+          </a:p>
+        </p:txBody>
+      </p:sp>
+      <p:sp>
+        <p:nvSpPr>
           <p:cNvPr id="8" name="Content Placeholder 2">
             <a:extLst>
               <a:ext uri="{FF2B5EF4-FFF2-40B4-BE49-F238E27FC236}">
@@ -7648,7 +12374,202 @@
 </p:sld>
 </file>
 
-<file path=ppt/slides/slide19.xml><?xml version="1.0" encoding="utf-8"?>
+<file path=ppt/slides/slide28.xml><?xml version="1.0" encoding="utf-8"?>
+<p:sld xmlns:a="http://schemas.openxmlformats.org/drawingml/2006/main" xmlns:r="http://schemas.openxmlformats.org/officeDocument/2006/relationships" xmlns:p="http://schemas.openxmlformats.org/presentationml/2006/main">
+  <p:cSld>
+    <p:spTree>
+      <p:nvGrpSpPr>
+        <p:cNvPr id="1" name=""/>
+        <p:cNvGrpSpPr/>
+        <p:nvPr/>
+      </p:nvGrpSpPr>
+      <p:grpSpPr>
+        <a:xfrm>
+          <a:off x="0" y="0"/>
+          <a:ext cx="0" cy="0"/>
+          <a:chOff x="0" y="0"/>
+          <a:chExt cx="0" cy="0"/>
+        </a:xfrm>
+      </p:grpSpPr>
+      <p:sp>
+        <p:nvSpPr>
+          <p:cNvPr id="4" name="Title 3">
+            <a:extLst>
+              <a:ext uri="{FF2B5EF4-FFF2-40B4-BE49-F238E27FC236}">
+                <a16:creationId xmlns:a16="http://schemas.microsoft.com/office/drawing/2014/main" id="{0C118C3C-13F5-4EA8-9EA9-3448AC35375E}"/>
+              </a:ext>
+            </a:extLst>
+          </p:cNvPr>
+          <p:cNvSpPr>
+            <a:spLocks noGrp="1"/>
+          </p:cNvSpPr>
+          <p:nvPr>
+            <p:ph type="title"/>
+          </p:nvPr>
+        </p:nvSpPr>
+        <p:spPr/>
+        <p:txBody>
+          <a:bodyPr>
+            <a:normAutofit fontScale="90000"/>
+          </a:bodyPr>
+          <a:lstStyle/>
+          <a:p>
+            <a:r>
+              <a:rPr lang="en-US" b="1" dirty="0"/>
+              <a:t>Classes</a:t>
+            </a:r>
+          </a:p>
+        </p:txBody>
+      </p:sp>
+      <p:sp>
+        <p:nvSpPr>
+          <p:cNvPr id="8" name="Content Placeholder 2">
+            <a:extLst>
+              <a:ext uri="{FF2B5EF4-FFF2-40B4-BE49-F238E27FC236}">
+                <a16:creationId xmlns:a16="http://schemas.microsoft.com/office/drawing/2014/main" id="{9EF1E632-EB44-4712-B35B-CF93D4F2CB8A}"/>
+              </a:ext>
+            </a:extLst>
+          </p:cNvPr>
+          <p:cNvSpPr>
+            <a:spLocks noGrp="1"/>
+          </p:cNvSpPr>
+          <p:nvPr>
+            <p:ph idx="1"/>
+          </p:nvPr>
+        </p:nvSpPr>
+        <p:spPr>
+          <a:xfrm>
+            <a:off x="838199" y="1825624"/>
+            <a:ext cx="10122569" cy="4835479"/>
+          </a:xfrm>
+        </p:spPr>
+        <p:txBody>
+          <a:bodyPr>
+            <a:normAutofit/>
+          </a:bodyPr>
+          <a:lstStyle/>
+          <a:p>
+            <a:r>
+              <a:rPr lang="en-US" sz="3600" dirty="0"/>
+              <a:t>Before we create the </a:t>
+            </a:r>
+            <a:r>
+              <a:rPr lang="en-US" sz="3600" dirty="0">
+                <a:solidFill>
+                  <a:srgbClr val="00FF00"/>
+                </a:solidFill>
+              </a:rPr>
+              <a:t>Point </a:t>
+            </a:r>
+            <a:r>
+              <a:rPr lang="en-US" sz="3600" dirty="0"/>
+              <a:t>class</a:t>
+            </a:r>
+            <a:r>
+              <a:rPr lang="en-US" sz="3600" dirty="0">
+                <a:solidFill>
+                  <a:schemeClr val="accent1"/>
+                </a:solidFill>
+              </a:rPr>
+              <a:t>,</a:t>
+            </a:r>
+            <a:r>
+              <a:rPr lang="en-US" sz="3600" dirty="0"/>
+              <a:t> a quick not on naming conventions for classes</a:t>
+            </a:r>
+            <a:r>
+              <a:rPr lang="en-US" sz="3600" dirty="0">
+                <a:solidFill>
+                  <a:schemeClr val="accent2"/>
+                </a:solidFill>
+              </a:rPr>
+              <a:t>.</a:t>
+            </a:r>
+          </a:p>
+          <a:p>
+            <a:r>
+              <a:rPr lang="en-US" sz="3600" dirty="0"/>
+              <a:t>The convention in Python is to use camel case</a:t>
+            </a:r>
+            <a:r>
+              <a:rPr lang="en-US" sz="3600" dirty="0">
+                <a:solidFill>
+                  <a:schemeClr val="accent2"/>
+                </a:solidFill>
+              </a:rPr>
+              <a:t>.</a:t>
+            </a:r>
+          </a:p>
+          <a:p>
+            <a:endParaRPr lang="en-US" sz="3600" dirty="0">
+              <a:solidFill>
+                <a:schemeClr val="accent2"/>
+              </a:solidFill>
+            </a:endParaRPr>
+          </a:p>
+          <a:p>
+            <a:r>
+              <a:rPr lang="en-US" sz="3600" b="1" dirty="0">
+                <a:solidFill>
+                  <a:schemeClr val="accent6"/>
+                </a:solidFill>
+              </a:rPr>
+              <a:t>MyClass</a:t>
+            </a:r>
+          </a:p>
+          <a:p>
+            <a:r>
+              <a:rPr lang="en-US" sz="3600" b="1" dirty="0">
+                <a:solidFill>
+                  <a:schemeClr val="accent6"/>
+                </a:solidFill>
+              </a:rPr>
+              <a:t>AccountNumber</a:t>
+            </a:r>
+          </a:p>
+          <a:p>
+            <a:r>
+              <a:rPr lang="en-US" sz="3600" b="1" dirty="0">
+                <a:solidFill>
+                  <a:schemeClr val="accent6"/>
+                </a:solidFill>
+              </a:rPr>
+              <a:t>XRayImage</a:t>
+            </a:r>
+          </a:p>
+          <a:p>
+            <a:endParaRPr lang="en-US" sz="3600" dirty="0"/>
+          </a:p>
+          <a:p>
+            <a:endParaRPr lang="en-US" sz="3600" dirty="0">
+              <a:solidFill>
+                <a:schemeClr val="accent2"/>
+              </a:solidFill>
+            </a:endParaRPr>
+          </a:p>
+          <a:p>
+            <a:endParaRPr lang="en-US" sz="3600" dirty="0">
+              <a:solidFill>
+                <a:schemeClr val="accent2"/>
+              </a:solidFill>
+            </a:endParaRPr>
+          </a:p>
+        </p:txBody>
+      </p:sp>
+    </p:spTree>
+    <p:extLst>
+      <p:ext uri="{BB962C8B-B14F-4D97-AF65-F5344CB8AC3E}">
+        <p14:creationId xmlns:p14="http://schemas.microsoft.com/office/powerpoint/2010/main" val="2496427933"/>
+      </p:ext>
+    </p:extLst>
+  </p:cSld>
+  <p:clrMapOvr>
+    <a:masterClrMapping/>
+  </p:clrMapOvr>
+</p:sld>
+</file>
+
+<file path=ppt/slides/slide29.xml><?xml version="1.0" encoding="utf-8"?>
 <p:sld xmlns:a="http://schemas.openxmlformats.org/drawingml/2006/main" xmlns:r="http://schemas.openxmlformats.org/officeDocument/2006/relationships" xmlns:p="http://schemas.openxmlformats.org/presentationml/2006/main">
   <p:cSld>
     <p:spTree>
@@ -8129,7 +13050,7 @@
 </p:sld>
 </file>
 
-<file path=ppt/slides/slide2.xml><?xml version="1.0" encoding="utf-8"?>
+<file path=ppt/slides/slide3.xml><?xml version="1.0" encoding="utf-8"?>
 <p:sld xmlns:a="http://schemas.openxmlformats.org/drawingml/2006/main" xmlns:r="http://schemas.openxmlformats.org/officeDocument/2006/relationships" xmlns:p="http://schemas.openxmlformats.org/presentationml/2006/main">
   <p:cSld>
     <p:spTree>
@@ -8151,7 +13072,7 @@
           <p:cNvPr id="2" name="Title 1">
             <a:extLst>
               <a:ext uri="{FF2B5EF4-FFF2-40B4-BE49-F238E27FC236}">
-                <a16:creationId xmlns:a16="http://schemas.microsoft.com/office/drawing/2014/main" id="{8969A57B-21DC-4557-9D2E-36BBF1E923C9}"/>
+                <a16:creationId xmlns:a16="http://schemas.microsoft.com/office/drawing/2014/main" id="{CEB26662-8226-4558-9E14-0F2DC74919D2}"/>
               </a:ext>
             </a:extLst>
           </p:cNvPr>
@@ -8171,20 +13092,33 @@
           <a:p>
             <a:r>
               <a:rPr lang="en-US" b="1" dirty="0"/>
-              <a:t>This Week</a:t>
+              <a:t>Procedural </a:t>
             </a:r>
             <a:r>
               <a:rPr lang="en-US" b="1" dirty="0">
                 <a:solidFill>
-                  <a:schemeClr val="accent1"/>
-                </a:solidFill>
-              </a:rPr>
-              <a:t>’</a:t>
+                  <a:schemeClr val="accent2"/>
+                </a:solidFill>
+              </a:rPr>
+              <a:t>vs</a:t>
             </a:r>
             <a:r>
               <a:rPr lang="en-US" b="1" dirty="0"/>
-              <a:t>s Content</a:t>
-            </a:r>
+              <a:t> Object</a:t>
+            </a:r>
+            <a:r>
+              <a:rPr lang="en-US" b="1" dirty="0">
+                <a:solidFill>
+                  <a:schemeClr val="accent2"/>
+                </a:solidFill>
+              </a:rPr>
+              <a:t>-</a:t>
+            </a:r>
+            <a:r>
+              <a:rPr lang="en-US" b="1" dirty="0"/>
+              <a:t>Oriented</a:t>
+            </a:r>
+            <a:endParaRPr lang="en-US" dirty="0"/>
           </a:p>
         </p:txBody>
       </p:sp>
@@ -8193,7 +13127,7 @@
           <p:cNvPr id="3" name="Content Placeholder 2">
             <a:extLst>
               <a:ext uri="{FF2B5EF4-FFF2-40B4-BE49-F238E27FC236}">
-                <a16:creationId xmlns:a16="http://schemas.microsoft.com/office/drawing/2014/main" id="{7AB50049-8F6C-4DF3-BA59-31343B218CF3}"/>
+                <a16:creationId xmlns:a16="http://schemas.microsoft.com/office/drawing/2014/main" id="{8C569A56-A721-4A35-B0F5-BABF32CBFC72}"/>
               </a:ext>
             </a:extLst>
           </p:cNvPr>
@@ -8210,91 +13144,294 @@
           <a:lstStyle/>
           <a:p>
             <a:r>
-              <a:rPr lang="en-US" b="1" dirty="0"/>
-              <a:t>Lecture </a:t>
+              <a:rPr lang="en-US" i="1" dirty="0">
+                <a:solidFill>
+                  <a:schemeClr val="accent6"/>
+                </a:solidFill>
+              </a:rPr>
+              <a:t>“</a:t>
+            </a:r>
+            <a:r>
+              <a:rPr lang="en-US" i="1" dirty="0"/>
+              <a:t>Object</a:t>
+            </a:r>
+            <a:r>
+              <a:rPr lang="en-US" i="1" dirty="0">
+                <a:solidFill>
+                  <a:schemeClr val="accent2"/>
+                </a:solidFill>
+              </a:rPr>
+              <a:t>-</a:t>
+            </a:r>
+            <a:r>
+              <a:rPr lang="en-US" i="1" dirty="0"/>
+              <a:t>oriented programming </a:t>
+            </a:r>
+            <a:r>
+              <a:rPr lang="en-US" i="1" dirty="0">
+                <a:solidFill>
+                  <a:schemeClr val="accent2"/>
+                </a:solidFill>
+              </a:rPr>
+              <a:t>(</a:t>
+            </a:r>
+            <a:r>
+              <a:rPr lang="en-US" i="1" dirty="0"/>
+              <a:t>OOP</a:t>
+            </a:r>
+            <a:r>
+              <a:rPr lang="en-US" i="1" dirty="0">
+                <a:solidFill>
+                  <a:schemeClr val="accent2"/>
+                </a:solidFill>
+              </a:rPr>
+              <a:t>)</a:t>
+            </a:r>
+            <a:r>
+              <a:rPr lang="en-US" i="1" dirty="0"/>
+              <a:t> is a programming paradigm based on the concept of “objects”</a:t>
+            </a:r>
+            <a:r>
+              <a:rPr lang="en-US" i="1" dirty="0">
+                <a:solidFill>
+                  <a:schemeClr val="accent2"/>
+                </a:solidFill>
+              </a:rPr>
+              <a:t>,</a:t>
+            </a:r>
+            <a:r>
+              <a:rPr lang="en-US" i="1" dirty="0"/>
+              <a:t> which may contain data</a:t>
+            </a:r>
+            <a:r>
+              <a:rPr lang="en-US" i="1" dirty="0">
+                <a:solidFill>
+                  <a:schemeClr val="accent2"/>
+                </a:solidFill>
+              </a:rPr>
+              <a:t>,</a:t>
+            </a:r>
+            <a:r>
+              <a:rPr lang="en-US" i="1" dirty="0"/>
+              <a:t> in the form of fields</a:t>
+            </a:r>
+            <a:r>
+              <a:rPr lang="en-US" i="1" dirty="0">
+                <a:solidFill>
+                  <a:schemeClr val="accent2"/>
+                </a:solidFill>
+              </a:rPr>
+              <a:t>,</a:t>
+            </a:r>
+            <a:r>
+              <a:rPr lang="en-US" i="1" dirty="0"/>
+              <a:t> often known as attributes</a:t>
+            </a:r>
+            <a:r>
+              <a:rPr lang="en-US" i="1" dirty="0">
+                <a:solidFill>
+                  <a:schemeClr val="accent2"/>
+                </a:solidFill>
+              </a:rPr>
+              <a:t>;</a:t>
+            </a:r>
+            <a:r>
+              <a:rPr lang="en-US" i="1" dirty="0"/>
+              <a:t> and code</a:t>
+            </a:r>
+            <a:r>
+              <a:rPr lang="en-US" i="1" dirty="0">
+                <a:solidFill>
+                  <a:schemeClr val="accent2"/>
+                </a:solidFill>
+              </a:rPr>
+              <a:t>,</a:t>
+            </a:r>
+            <a:r>
+              <a:rPr lang="en-US" i="1" dirty="0"/>
+              <a:t> in the form of procedures</a:t>
+            </a:r>
+            <a:r>
+              <a:rPr lang="en-US" i="1" dirty="0">
+                <a:solidFill>
+                  <a:schemeClr val="accent2"/>
+                </a:solidFill>
+              </a:rPr>
+              <a:t>,</a:t>
+            </a:r>
+            <a:r>
+              <a:rPr lang="en-US" i="1" dirty="0"/>
+              <a:t> often known as methods</a:t>
+            </a:r>
+            <a:r>
+              <a:rPr lang="en-US" i="1" dirty="0">
+                <a:solidFill>
+                  <a:schemeClr val="accent2"/>
+                </a:solidFill>
+              </a:rPr>
+              <a:t>.</a:t>
+            </a:r>
+            <a:r>
+              <a:rPr lang="en-US" i="1" dirty="0">
+                <a:solidFill>
+                  <a:schemeClr val="accent6"/>
+                </a:solidFill>
+              </a:rPr>
+              <a:t>”</a:t>
+            </a:r>
+            <a:r>
+              <a:rPr lang="en-US" i="1" dirty="0"/>
+              <a:t>                       </a:t>
             </a:r>
             <a:r>
               <a:rPr lang="en-US" b="1" dirty="0">
                 <a:solidFill>
-                  <a:schemeClr val="accent1"/>
-                </a:solidFill>
-              </a:rPr>
-              <a:t>10.1</a:t>
-            </a:r>
-          </a:p>
-          <a:p>
-            <a:pPr lvl="1"/>
-            <a:r>
-              <a:rPr lang="en-US" dirty="0"/>
-              <a:t>Midterm Review</a:t>
-            </a:r>
-          </a:p>
-          <a:p>
-            <a:r>
-              <a:rPr lang="en-US" b="1" dirty="0"/>
-              <a:t>Lecture </a:t>
+                  <a:schemeClr val="accent6"/>
+                </a:solidFill>
+              </a:rPr>
+              <a:t>— Wikipedia  </a:t>
+            </a:r>
+            <a:r>
+              <a:rPr lang="en-US" dirty="0">
+                <a:solidFill>
+                  <a:schemeClr val="accent6"/>
+                </a:solidFill>
+              </a:rPr>
+              <a:t> </a:t>
+            </a:r>
+          </a:p>
+          <a:p>
+            <a:r>
+              <a:rPr lang="en-US" i="1" dirty="0">
+                <a:solidFill>
+                  <a:schemeClr val="accent6"/>
+                </a:solidFill>
+              </a:rPr>
+              <a:t>“</a:t>
+            </a:r>
+            <a:r>
+              <a:rPr lang="en-US" i="1" dirty="0"/>
+              <a:t>Procedural programming is a programming paradigm</a:t>
+            </a:r>
+            <a:r>
+              <a:rPr lang="en-US" i="1" dirty="0">
+                <a:solidFill>
+                  <a:schemeClr val="accent2"/>
+                </a:solidFill>
+              </a:rPr>
+              <a:t>,</a:t>
+            </a:r>
+            <a:r>
+              <a:rPr lang="en-US" i="1" dirty="0"/>
+              <a:t> derived from structured programming</a:t>
+            </a:r>
+            <a:r>
+              <a:rPr lang="en-US" i="1" dirty="0">
+                <a:solidFill>
+                  <a:schemeClr val="accent2"/>
+                </a:solidFill>
+              </a:rPr>
+              <a:t>,</a:t>
+            </a:r>
+            <a:r>
+              <a:rPr lang="en-US" i="1" dirty="0"/>
+              <a:t> based upon the concept of the procedure call</a:t>
+            </a:r>
+            <a:r>
+              <a:rPr lang="en-US" i="1" dirty="0">
+                <a:solidFill>
+                  <a:schemeClr val="accent2"/>
+                </a:solidFill>
+              </a:rPr>
+              <a:t>.</a:t>
+            </a:r>
+            <a:r>
+              <a:rPr lang="en-US" i="1" dirty="0"/>
+              <a:t> Procedures</a:t>
+            </a:r>
+            <a:r>
+              <a:rPr lang="en-US" i="1" dirty="0">
+                <a:solidFill>
+                  <a:schemeClr val="accent2"/>
+                </a:solidFill>
+              </a:rPr>
+              <a:t>,</a:t>
+            </a:r>
+            <a:r>
+              <a:rPr lang="en-US" i="1" dirty="0"/>
+              <a:t> also known as routines</a:t>
+            </a:r>
+            <a:r>
+              <a:rPr lang="en-US" i="1" dirty="0">
+                <a:solidFill>
+                  <a:schemeClr val="accent2"/>
+                </a:solidFill>
+              </a:rPr>
+              <a:t>,</a:t>
+            </a:r>
+            <a:r>
+              <a:rPr lang="en-US" i="1" dirty="0"/>
+              <a:t> subroutines</a:t>
+            </a:r>
+            <a:r>
+              <a:rPr lang="en-US" i="1" dirty="0">
+                <a:solidFill>
+                  <a:schemeClr val="accent2"/>
+                </a:solidFill>
+              </a:rPr>
+              <a:t>,</a:t>
+            </a:r>
+            <a:r>
+              <a:rPr lang="en-US" i="1" dirty="0"/>
+              <a:t> or functions</a:t>
+            </a:r>
+            <a:r>
+              <a:rPr lang="en-US" i="1" dirty="0">
+                <a:solidFill>
+                  <a:schemeClr val="accent2"/>
+                </a:solidFill>
+              </a:rPr>
+              <a:t>,</a:t>
+            </a:r>
+            <a:r>
+              <a:rPr lang="en-US" i="1" dirty="0"/>
+              <a:t> simply contain a series of computational steps to be carried out</a:t>
+            </a:r>
+            <a:r>
+              <a:rPr lang="en-US" i="1" dirty="0">
+                <a:solidFill>
+                  <a:schemeClr val="accent2"/>
+                </a:solidFill>
+              </a:rPr>
+              <a:t>.</a:t>
+            </a:r>
+            <a:r>
+              <a:rPr lang="en-US" i="1" dirty="0">
+                <a:solidFill>
+                  <a:schemeClr val="accent6"/>
+                </a:solidFill>
+              </a:rPr>
+              <a:t>”</a:t>
+            </a:r>
+            <a:r>
+              <a:rPr lang="en-US" i="1" dirty="0"/>
+              <a:t>                                                                                 </a:t>
             </a:r>
             <a:r>
               <a:rPr lang="en-US" b="1" dirty="0">
                 <a:solidFill>
-                  <a:schemeClr val="accent1"/>
-                </a:solidFill>
-              </a:rPr>
-              <a:t>10.2</a:t>
-            </a:r>
-          </a:p>
-          <a:p>
-            <a:pPr lvl="1"/>
-            <a:r>
-              <a:rPr lang="en-US" b="1" dirty="0"/>
-              <a:t>objects, classes, and methods</a:t>
-            </a:r>
-          </a:p>
-          <a:p>
-            <a:pPr lvl="1"/>
-            <a:r>
-              <a:rPr lang="en-US" b="1" dirty="0"/>
-              <a:t>Reading: Chapter 14</a:t>
-            </a:r>
-          </a:p>
-          <a:p>
-            <a:r>
-              <a:rPr lang="en-US" b="1" dirty="0"/>
-              <a:t>Lecture </a:t>
-            </a:r>
-            <a:r>
-              <a:rPr lang="en-US" b="1" dirty="0">
-                <a:solidFill>
-                  <a:schemeClr val="accent1"/>
-                </a:solidFill>
-              </a:rPr>
-              <a:t>10.3</a:t>
-            </a:r>
-          </a:p>
-          <a:p>
-            <a:pPr lvl="1"/>
-            <a:r>
-              <a:rPr lang="en-US" dirty="0"/>
-              <a:t>Classes in Classes, Functions, and Collections</a:t>
-            </a:r>
-          </a:p>
-          <a:p>
-            <a:pPr lvl="1"/>
-            <a:r>
-              <a:rPr lang="en-US" dirty="0"/>
-              <a:t>Reading: Chapter 14</a:t>
-            </a:r>
-          </a:p>
-          <a:p>
-            <a:pPr lvl="1"/>
-            <a:endParaRPr lang="en-US" dirty="0"/>
+                  <a:schemeClr val="accent6"/>
+                </a:solidFill>
+              </a:rPr>
+              <a:t>— Wikipedia</a:t>
+            </a:r>
           </a:p>
         </p:txBody>
       </p:sp>
     </p:spTree>
     <p:extLst>
       <p:ext uri="{BB962C8B-B14F-4D97-AF65-F5344CB8AC3E}">
-        <p14:creationId xmlns:p14="http://schemas.microsoft.com/office/powerpoint/2010/main" val="2832463924"/>
+        <p14:creationId xmlns:p14="http://schemas.microsoft.com/office/powerpoint/2010/main" val="3667075208"/>
       </p:ext>
     </p:extLst>
   </p:cSld>
@@ -8304,7 +13441,7 @@
 </p:sld>
 </file>
 
-<file path=ppt/slides/slide20.xml><?xml version="1.0" encoding="utf-8"?>
+<file path=ppt/slides/slide30.xml><?xml version="1.0" encoding="utf-8"?>
 <p:sld xmlns:a="http://schemas.openxmlformats.org/drawingml/2006/main" xmlns:r="http://schemas.openxmlformats.org/officeDocument/2006/relationships" xmlns:p="http://schemas.openxmlformats.org/presentationml/2006/main">
   <p:cSld>
     <p:spTree>
@@ -8424,6 +13561,21 @@
             <a:r>
               <a:rPr lang="en-US" sz="2800" dirty="0"/>
               <a:t>Be able to calculate the distance between the Point instance and another point</a:t>
+            </a:r>
+            <a:r>
+              <a:rPr lang="en-US" sz="2800" dirty="0">
+                <a:solidFill>
+                  <a:schemeClr val="accent2"/>
+                </a:solidFill>
+              </a:rPr>
+              <a:t>.</a:t>
+            </a:r>
+          </a:p>
+          <a:p>
+            <a:pPr lvl="1"/>
+            <a:r>
+              <a:rPr lang="en-US" sz="2800" dirty="0"/>
+              <a:t>Be able to calculate distance between the Point and the origin</a:t>
             </a:r>
             <a:r>
               <a:rPr lang="en-US" sz="2800" dirty="0">
@@ -8637,12 +13789,34 @@
           <a:p>
             <a:pPr algn="ctr"/>
             <a:r>
-              <a:rPr lang="en-US" sz="2800" b="1" dirty="0">
-                <a:solidFill>
-                  <a:srgbClr val="FFFFFF"/>
-                </a:solidFill>
-              </a:rPr>
-              <a:t>calc_distance</a:t>
+              <a:rPr lang="en-US" b="1" dirty="0">
+                <a:solidFill>
+                  <a:srgbClr val="FFFFFF"/>
+                </a:solidFill>
+              </a:rPr>
+              <a:t>distance between points</a:t>
+            </a:r>
+          </a:p>
+          <a:p>
+            <a:pPr algn="ctr"/>
+            <a:r>
+              <a:rPr lang="en-US" b="1" dirty="0">
+                <a:solidFill>
+                  <a:srgbClr val="FFFFFF"/>
+                </a:solidFill>
+              </a:rPr>
+              <a:t>distance from the origin</a:t>
+            </a:r>
+          </a:p>
+          <a:p>
+            <a:pPr algn="ctr"/>
+            <a:r>
+              <a:rPr lang="en-US" b="1" dirty="0">
+                <a:solidFill>
+                  <a:srgbClr val="FFFFFF"/>
+                </a:solidFill>
+              </a:rPr>
+              <a:t>midpoint between points</a:t>
             </a:r>
           </a:p>
         </p:txBody>
@@ -8660,7 +13834,7 @@
 </p:sld>
 </file>
 
-<file path=ppt/slides/slide21.xml><?xml version="1.0" encoding="utf-8"?>
+<file path=ppt/slides/slide31.xml><?xml version="1.0" encoding="utf-8"?>
 <p:sld xmlns:a="http://schemas.openxmlformats.org/drawingml/2006/main" xmlns:r="http://schemas.openxmlformats.org/officeDocument/2006/relationships" xmlns:p="http://schemas.openxmlformats.org/presentationml/2006/main">
   <p:cSld>
     <p:spTree>
@@ -8765,21 +13939,6 @@
             <a:r>
               <a:rPr lang="en-US" sz="2800" dirty="0"/>
               <a:t>Contain data about the location of a Point instance</a:t>
-            </a:r>
-            <a:r>
-              <a:rPr lang="en-US" sz="2800" dirty="0">
-                <a:solidFill>
-                  <a:schemeClr val="accent2"/>
-                </a:solidFill>
-              </a:rPr>
-              <a:t>.</a:t>
-            </a:r>
-          </a:p>
-          <a:p>
-            <a:pPr lvl="1"/>
-            <a:r>
-              <a:rPr lang="en-US" sz="2800" dirty="0"/>
-              <a:t>Be able to calculate the distance between the Point instance and another point</a:t>
             </a:r>
             <a:r>
               <a:rPr lang="en-US" sz="2800" dirty="0">
@@ -8926,7 +14085,7 @@
                   <a:schemeClr val="accent6"/>
                 </a:solidFill>
               </a:rPr>
-              <a:t>1. </a:t>
+              <a:t>2. </a:t>
             </a:r>
             <a:r>
               <a:rPr lang="en-US" sz="2600" b="1" dirty="0">
@@ -8952,7 +14111,7 @@
 </p:sld>
 </file>
 
-<file path=ppt/slides/slide22.xml><?xml version="1.0" encoding="utf-8"?>
+<file path=ppt/slides/slide32.xml><?xml version="1.0" encoding="utf-8"?>
 <p:sld xmlns:a="http://schemas.openxmlformats.org/drawingml/2006/main" xmlns:r="http://schemas.openxmlformats.org/officeDocument/2006/relationships" xmlns:p="http://schemas.openxmlformats.org/presentationml/2006/main">
   <p:cSld>
     <p:spTree>
@@ -9006,7 +14165,7 @@
             </a:r>
             <a:r>
               <a:rPr lang="en-US" b="1" dirty="0"/>
-              <a:t> Constructor</a:t>
+              <a:t> Methods</a:t>
             </a:r>
           </a:p>
         </p:txBody>
@@ -9056,7 +14215,7 @@
             <a:pPr lvl="1"/>
             <a:r>
               <a:rPr lang="en-US" sz="2800" dirty="0"/>
-              <a:t>Contain data about the location of a Point instance</a:t>
+              <a:t>Be able to calculate the distance between the Point instance and another point</a:t>
             </a:r>
             <a:r>
               <a:rPr lang="en-US" sz="2800" dirty="0">
@@ -9071,7 +14230,22 @@
             <a:pPr lvl="1"/>
             <a:r>
               <a:rPr lang="en-US" sz="2800" dirty="0"/>
-              <a:t>Be able to calculate the distance between the Point instance and another point</a:t>
+              <a:t>Be able to calculate distance between the Point and the origin</a:t>
+            </a:r>
+            <a:r>
+              <a:rPr lang="en-US" sz="2800" dirty="0">
+                <a:solidFill>
+                  <a:schemeClr val="accent2"/>
+                </a:solidFill>
+              </a:rPr>
+              <a:t>.</a:t>
+            </a:r>
+          </a:p>
+          <a:p>
+            <a:pPr lvl="1"/>
+            <a:r>
+              <a:rPr lang="en-US" sz="2800" dirty="0"/>
+              <a:t>Be able to calculate the midpoint between the Point instance and another point</a:t>
             </a:r>
             <a:r>
               <a:rPr lang="en-US" sz="2800" dirty="0">
@@ -9097,7 +14271,7 @@
             </a:r>
             <a:r>
               <a:rPr lang="en-US" sz="3200" dirty="0"/>
-              <a:t>s start with the </a:t>
+              <a:t>s now write the </a:t>
             </a:r>
             <a:r>
               <a:rPr lang="en-US" sz="3200" dirty="0">
@@ -9105,19 +14279,7 @@
                   <a:schemeClr val="accent6"/>
                 </a:solidFill>
               </a:rPr>
-              <a:t>attributes</a:t>
-            </a:r>
-            <a:r>
-              <a:rPr lang="en-US" sz="3200" dirty="0"/>
-              <a:t> and the </a:t>
-            </a:r>
-            <a:r>
-              <a:rPr lang="en-US" sz="3200" dirty="0">
-                <a:solidFill>
-                  <a:schemeClr val="accent6"/>
-                </a:solidFill>
-              </a:rPr>
-              <a:t>constructor</a:t>
+              <a:t>methods</a:t>
             </a:r>
             <a:r>
               <a:rPr lang="en-US" sz="3200" dirty="0">
@@ -9218,7 +14380,7 @@
                   <a:schemeClr val="accent6"/>
                 </a:solidFill>
               </a:rPr>
-              <a:t>2. </a:t>
+              <a:t>3. </a:t>
             </a:r>
             <a:r>
               <a:rPr lang="en-US" sz="2600" b="1" dirty="0">
@@ -9244,7 +14406,7 @@
 </p:sld>
 </file>
 
-<file path=ppt/slides/slide23.xml><?xml version="1.0" encoding="utf-8"?>
+<file path=ppt/slides/slide33.xml><?xml version="1.0" encoding="utf-8"?>
 <p:sld xmlns:a="http://schemas.openxmlformats.org/drawingml/2006/main" xmlns:r="http://schemas.openxmlformats.org/officeDocument/2006/relationships" xmlns:p="http://schemas.openxmlformats.org/presentationml/2006/main">
   <p:cSld>
     <p:spTree>
@@ -9266,7 +14428,7 @@
           <p:cNvPr id="2" name="Title 1">
             <a:extLst>
               <a:ext uri="{FF2B5EF4-FFF2-40B4-BE49-F238E27FC236}">
-                <a16:creationId xmlns:a16="http://schemas.microsoft.com/office/drawing/2014/main" id="{057F06F2-AC3E-484E-9926-59D4F59092CE}"/>
+                <a16:creationId xmlns:a16="http://schemas.microsoft.com/office/drawing/2014/main" id="{D9DA742D-1B93-4351-9522-5F2B39F3DEF7}"/>
               </a:ext>
             </a:extLst>
           </p:cNvPr>
@@ -9274,49 +14436,29 @@
             <a:spLocks noGrp="1"/>
           </p:cNvSpPr>
           <p:nvPr>
-            <p:ph type="ctrTitle"/>
+            <p:ph type="title"/>
           </p:nvPr>
         </p:nvSpPr>
         <p:spPr/>
         <p:txBody>
           <a:bodyPr>
-            <a:normAutofit/>
+            <a:normAutofit fontScale="90000"/>
           </a:bodyPr>
           <a:lstStyle/>
           <a:p>
             <a:r>
-              <a:rPr lang="en-US" dirty="0"/>
-              <a:t>tuples</a:t>
-            </a:r>
-            <a:r>
-              <a:rPr lang="en-US" dirty="0">
-                <a:solidFill>
-                  <a:schemeClr val="accent6"/>
-                </a:solidFill>
-              </a:rPr>
-              <a:t> and </a:t>
-            </a:r>
-            <a:r>
-              <a:rPr lang="en-US" dirty="0"/>
-              <a:t>sets</a:t>
-            </a:r>
-            <a:r>
-              <a:rPr lang="en-US" dirty="0">
-                <a:solidFill>
-                  <a:schemeClr val="accent1"/>
-                </a:solidFill>
-              </a:rPr>
-              <a:t>.</a:t>
+              <a:rPr lang="en-US" b="1" dirty="0"/>
+              <a:t>Encapsulation</a:t>
             </a:r>
           </a:p>
         </p:txBody>
       </p:sp>
       <p:sp>
         <p:nvSpPr>
-          <p:cNvPr id="3" name="Subtitle 2">
-            <a:extLst>
-              <a:ext uri="{FF2B5EF4-FFF2-40B4-BE49-F238E27FC236}">
-                <a16:creationId xmlns:a16="http://schemas.microsoft.com/office/drawing/2014/main" id="{99B07687-F068-40FC-84A1-E7860490CACD}"/>
+          <p:cNvPr id="3" name="Content Placeholder 2">
+            <a:extLst>
+              <a:ext uri="{FF2B5EF4-FFF2-40B4-BE49-F238E27FC236}">
+                <a16:creationId xmlns:a16="http://schemas.microsoft.com/office/drawing/2014/main" id="{410BCDD1-56E6-4389-AFFE-26A42FD638E2}"/>
               </a:ext>
             </a:extLst>
           </p:cNvPr>
@@ -9324,17 +14466,36 @@
             <a:spLocks noGrp="1"/>
           </p:cNvSpPr>
           <p:nvPr>
-            <p:ph type="subTitle" idx="1"/>
+            <p:ph idx="1"/>
           </p:nvPr>
         </p:nvSpPr>
-        <p:spPr/>
+        <p:spPr>
+          <a:xfrm>
+            <a:off x="838200" y="1825624"/>
+            <a:ext cx="6789821" cy="4835479"/>
+          </a:xfrm>
+        </p:spPr>
         <p:txBody>
-          <a:bodyPr/>
+          <a:bodyPr>
+            <a:normAutofit/>
+          </a:bodyPr>
           <a:lstStyle/>
           <a:p>
             <a:r>
-              <a:rPr lang="en-US" b="1" dirty="0"/>
-              <a:t>Week </a:t>
+              <a:rPr lang="en-US" dirty="0"/>
+              <a:t>The core of object</a:t>
+            </a:r>
+            <a:r>
+              <a:rPr lang="en-US" dirty="0">
+                <a:solidFill>
+                  <a:schemeClr val="accent1"/>
+                </a:solidFill>
+              </a:rPr>
+              <a:t>-</a:t>
+            </a:r>
+            <a:r>
+              <a:rPr lang="en-US" dirty="0"/>
+              <a:t>oriented programming is the organization of the program by </a:t>
             </a:r>
             <a:r>
               <a:rPr lang="en-US" b="1" dirty="0">
@@ -9342,67 +14503,331 @@
                   <a:schemeClr val="accent6"/>
                 </a:solidFill>
               </a:rPr>
-              <a:t>8</a:t>
-            </a:r>
-            <a:r>
-              <a:rPr lang="en-US" b="1" dirty="0"/>
+              <a:t>encapsulating</a:t>
+            </a:r>
+            <a:r>
+              <a:rPr lang="en-US" dirty="0"/>
+              <a:t> related data and functions together in an object</a:t>
+            </a:r>
+            <a:r>
+              <a:rPr lang="en-US" dirty="0">
+                <a:solidFill>
+                  <a:schemeClr val="accent1"/>
+                </a:solidFill>
+              </a:rPr>
+              <a:t>.</a:t>
+            </a:r>
+          </a:p>
+          <a:p>
+            <a:r>
+              <a:rPr lang="en-US" dirty="0"/>
+              <a:t>To encapsulate something means to enclose it in some kind of container</a:t>
+            </a:r>
+            <a:r>
+              <a:rPr lang="en-US" dirty="0">
+                <a:solidFill>
+                  <a:schemeClr val="accent2"/>
+                </a:solidFill>
+              </a:rPr>
+              <a:t>.</a:t>
+            </a:r>
+            <a:r>
+              <a:rPr lang="en-US" dirty="0"/>
               <a:t> </a:t>
             </a:r>
+          </a:p>
+          <a:p>
+            <a:r>
+              <a:rPr lang="en-US" dirty="0"/>
+              <a:t>In programming</a:t>
+            </a:r>
             <a:r>
               <a:rPr lang="en-US" dirty="0">
                 <a:solidFill>
                   <a:schemeClr val="accent2"/>
                 </a:solidFill>
               </a:rPr>
-              <a:t>|</a:t>
+              <a:t>,</a:t>
             </a:r>
             <a:r>
               <a:rPr lang="en-US" dirty="0"/>
-              <a:t> Lecture </a:t>
+              <a:t> encapsulation means keeping data and the code that uses it in one place and hiding the details of exactly how they work together</a:t>
             </a:r>
             <a:r>
               <a:rPr lang="en-US" dirty="0">
                 <a:solidFill>
-                  <a:schemeClr val="accent6"/>
-                </a:solidFill>
-              </a:rPr>
-              <a:t>1 </a:t>
-            </a:r>
-            <a:r>
-              <a:rPr lang="en-US" dirty="0">
-                <a:solidFill>
-                  <a:schemeClr val="accent1"/>
-                </a:solidFill>
-              </a:rPr>
-              <a:t>(</a:t>
-            </a:r>
-            <a:r>
-              <a:rPr lang="en-US" dirty="0">
-                <a:solidFill>
-                  <a:schemeClr val="accent6"/>
-                </a:solidFill>
-              </a:rPr>
-              <a:t>8</a:t>
-            </a:r>
-            <a:r>
-              <a:rPr lang="en-US" dirty="0"/>
+                  <a:schemeClr val="accent2"/>
+                </a:solidFill>
+              </a:rPr>
               <a:t>.</a:t>
             </a:r>
-            <a:r>
-              <a:rPr lang="en-US" dirty="0">
-                <a:solidFill>
-                  <a:schemeClr val="accent6"/>
-                </a:solidFill>
-              </a:rPr>
-              <a:t>1</a:t>
-            </a:r>
-            <a:r>
-              <a:rPr lang="en-US" dirty="0">
-                <a:solidFill>
-                  <a:schemeClr val="accent1"/>
-                </a:solidFill>
-              </a:rPr>
-              <a:t>)</a:t>
+          </a:p>
+        </p:txBody>
+      </p:sp>
+      <p:sp>
+        <p:nvSpPr>
+          <p:cNvPr id="5" name="Rectangle: Rounded Corners 4">
+            <a:extLst>
+              <a:ext uri="{FF2B5EF4-FFF2-40B4-BE49-F238E27FC236}">
+                <a16:creationId xmlns:a16="http://schemas.microsoft.com/office/drawing/2014/main" id="{D6E815B5-A0F6-4AB7-A3AC-6D77EC275801}"/>
+              </a:ext>
+            </a:extLst>
+          </p:cNvPr>
+          <p:cNvSpPr/>
+          <p:nvPr/>
+        </p:nvSpPr>
+        <p:spPr>
+          <a:xfrm>
+            <a:off x="8688874" y="1801561"/>
+            <a:ext cx="2283924" cy="557769"/>
+          </a:xfrm>
+          <a:prstGeom prst="roundRect">
+            <a:avLst/>
+          </a:prstGeom>
+          <a:noFill/>
+          <a:ln w="57150">
+            <a:solidFill>
+              <a:schemeClr val="accent3"/>
+            </a:solidFill>
+          </a:ln>
+        </p:spPr>
+        <p:style>
+          <a:lnRef idx="2">
+            <a:schemeClr val="accent1">
+              <a:shade val="50000"/>
+            </a:schemeClr>
+          </a:lnRef>
+          <a:fillRef idx="1">
+            <a:schemeClr val="accent1"/>
+          </a:fillRef>
+          <a:effectRef idx="0">
+            <a:schemeClr val="accent1"/>
+          </a:effectRef>
+          <a:fontRef idx="minor">
+            <a:schemeClr val="lt1"/>
+          </a:fontRef>
+        </p:style>
+        <p:txBody>
+          <a:bodyPr rtlCol="0" anchor="ctr"/>
+          <a:lstStyle/>
+          <a:p>
+            <a:pPr algn="ctr"/>
+            <a:r>
+              <a:rPr lang="en-US" sz="2800" b="1" dirty="0">
+                <a:solidFill>
+                  <a:srgbClr val="FFFFFF"/>
+                </a:solidFill>
+              </a:rPr>
+              <a:t>Class</a:t>
+            </a:r>
+          </a:p>
+        </p:txBody>
+      </p:sp>
+      <p:sp>
+        <p:nvSpPr>
+          <p:cNvPr id="6" name="Rectangle: Rounded Corners 5">
+            <a:extLst>
+              <a:ext uri="{FF2B5EF4-FFF2-40B4-BE49-F238E27FC236}">
+                <a16:creationId xmlns:a16="http://schemas.microsoft.com/office/drawing/2014/main" id="{AD7D26D2-32C8-4EC8-B895-03F10F8D9AE4}"/>
+              </a:ext>
+            </a:extLst>
+          </p:cNvPr>
+          <p:cNvSpPr/>
+          <p:nvPr/>
+        </p:nvSpPr>
+        <p:spPr>
+          <a:xfrm>
+            <a:off x="8688874" y="2600779"/>
+            <a:ext cx="2283924" cy="1477636"/>
+          </a:xfrm>
+          <a:prstGeom prst="roundRect">
+            <a:avLst/>
+          </a:prstGeom>
+          <a:noFill/>
+          <a:ln w="57150">
+            <a:solidFill>
+              <a:schemeClr val="accent6"/>
+            </a:solidFill>
+          </a:ln>
+        </p:spPr>
+        <p:style>
+          <a:lnRef idx="2">
+            <a:schemeClr val="accent1">
+              <a:shade val="50000"/>
+            </a:schemeClr>
+          </a:lnRef>
+          <a:fillRef idx="1">
+            <a:schemeClr val="accent1"/>
+          </a:fillRef>
+          <a:effectRef idx="0">
+            <a:schemeClr val="accent1"/>
+          </a:effectRef>
+          <a:fontRef idx="minor">
+            <a:schemeClr val="lt1"/>
+          </a:fontRef>
+        </p:style>
+        <p:txBody>
+          <a:bodyPr rtlCol="0" anchor="ctr"/>
+          <a:lstStyle/>
+          <a:p>
+            <a:pPr algn="ctr"/>
+            <a:r>
+              <a:rPr lang="en-US" sz="2800" b="1" dirty="0">
+                <a:solidFill>
+                  <a:srgbClr val="FFFFFF"/>
+                </a:solidFill>
+              </a:rPr>
+              <a:t>Attributes</a:t>
+            </a:r>
+          </a:p>
+        </p:txBody>
+      </p:sp>
+      <p:sp>
+        <p:nvSpPr>
+          <p:cNvPr id="7" name="Rectangle: Rounded Corners 6">
+            <a:extLst>
+              <a:ext uri="{FF2B5EF4-FFF2-40B4-BE49-F238E27FC236}">
+                <a16:creationId xmlns:a16="http://schemas.microsoft.com/office/drawing/2014/main" id="{710962CE-A6B5-4B3C-85DE-1B9CA7B379B6}"/>
+              </a:ext>
+            </a:extLst>
+          </p:cNvPr>
+          <p:cNvSpPr/>
+          <p:nvPr/>
+        </p:nvSpPr>
+        <p:spPr>
+          <a:xfrm>
+            <a:off x="8688874" y="4319864"/>
+            <a:ext cx="2283924" cy="1637197"/>
+          </a:xfrm>
+          <a:prstGeom prst="roundRect">
+            <a:avLst/>
+          </a:prstGeom>
+          <a:noFill/>
+          <a:ln w="57150">
+            <a:solidFill>
+              <a:srgbClr val="00B050"/>
+            </a:solidFill>
+          </a:ln>
+        </p:spPr>
+        <p:style>
+          <a:lnRef idx="2">
+            <a:schemeClr val="accent1">
+              <a:shade val="50000"/>
+            </a:schemeClr>
+          </a:lnRef>
+          <a:fillRef idx="1">
+            <a:schemeClr val="accent1"/>
+          </a:fillRef>
+          <a:effectRef idx="0">
+            <a:schemeClr val="accent1"/>
+          </a:effectRef>
+          <a:fontRef idx="minor">
+            <a:schemeClr val="lt1"/>
+          </a:fontRef>
+        </p:style>
+        <p:txBody>
+          <a:bodyPr rtlCol="0" anchor="ctr"/>
+          <a:lstStyle/>
+          <a:p>
+            <a:pPr algn="ctr"/>
+            <a:r>
+              <a:rPr lang="en-US" sz="2800" b="1" dirty="0">
+                <a:solidFill>
+                  <a:srgbClr val="FFFFFF"/>
+                </a:solidFill>
+              </a:rPr>
+              <a:t>Methods</a:t>
+            </a:r>
+          </a:p>
+        </p:txBody>
+      </p:sp>
+      <p:sp>
+        <p:nvSpPr>
+          <p:cNvPr id="10" name="Oval 9">
+            <a:extLst>
+              <a:ext uri="{FF2B5EF4-FFF2-40B4-BE49-F238E27FC236}">
+                <a16:creationId xmlns:a16="http://schemas.microsoft.com/office/drawing/2014/main" id="{1EBBE01C-C44B-4EE8-9F05-595BAC0B7A7F}"/>
+              </a:ext>
+            </a:extLst>
+          </p:cNvPr>
+          <p:cNvSpPr/>
+          <p:nvPr/>
+        </p:nvSpPr>
+        <p:spPr>
+          <a:xfrm>
+            <a:off x="7598978" y="1191126"/>
+            <a:ext cx="4463716" cy="5378116"/>
+          </a:xfrm>
+          <a:prstGeom prst="ellipse">
+            <a:avLst/>
+          </a:prstGeom>
+          <a:noFill/>
+          <a:ln w="38100">
+            <a:solidFill>
+              <a:srgbClr val="E00BE5"/>
+            </a:solidFill>
+          </a:ln>
+        </p:spPr>
+        <p:style>
+          <a:lnRef idx="2">
+            <a:schemeClr val="accent1">
+              <a:shade val="50000"/>
+            </a:schemeClr>
+          </a:lnRef>
+          <a:fillRef idx="1">
+            <a:schemeClr val="accent1"/>
+          </a:fillRef>
+          <a:effectRef idx="0">
+            <a:schemeClr val="accent1"/>
+          </a:effectRef>
+          <a:fontRef idx="minor">
+            <a:schemeClr val="lt1"/>
+          </a:fontRef>
+        </p:style>
+        <p:txBody>
+          <a:bodyPr rtlCol="0" anchor="ctr"/>
+          <a:lstStyle/>
+          <a:p>
+            <a:pPr algn="ctr"/>
+            <a:endParaRPr lang="en-US"/>
+          </a:p>
+        </p:txBody>
+      </p:sp>
+      <p:sp>
+        <p:nvSpPr>
+          <p:cNvPr id="11" name="TextBox 10">
+            <a:extLst>
+              <a:ext uri="{FF2B5EF4-FFF2-40B4-BE49-F238E27FC236}">
+                <a16:creationId xmlns:a16="http://schemas.microsoft.com/office/drawing/2014/main" id="{08EDF094-E06A-4842-8081-7F4CC8DF2303}"/>
+              </a:ext>
+            </a:extLst>
+          </p:cNvPr>
+          <p:cNvSpPr txBox="1"/>
+          <p:nvPr/>
+        </p:nvSpPr>
+        <p:spPr>
+          <a:xfrm>
+            <a:off x="8562700" y="578945"/>
+            <a:ext cx="2536272" cy="523220"/>
+          </a:xfrm>
+          <a:prstGeom prst="rect">
+            <a:avLst/>
+          </a:prstGeom>
+          <a:noFill/>
+        </p:spPr>
+        <p:txBody>
+          <a:bodyPr wrap="none" rtlCol="0">
+            <a:spAutoFit/>
+          </a:bodyPr>
+          <a:lstStyle/>
+          <a:p>
+            <a:r>
+              <a:rPr lang="en-US" sz="2800" b="1" dirty="0">
+                <a:solidFill>
+                  <a:srgbClr val="E00BE5"/>
+                </a:solidFill>
+              </a:rPr>
+              <a:t>Encapsulation</a:t>
             </a:r>
           </a:p>
         </p:txBody>
@@ -9410,7 +14835,7 @@
     </p:spTree>
     <p:extLst>
       <p:ext uri="{BB962C8B-B14F-4D97-AF65-F5344CB8AC3E}">
-        <p14:creationId xmlns:p14="http://schemas.microsoft.com/office/powerpoint/2010/main" val="2820120620"/>
+        <p14:creationId xmlns:p14="http://schemas.microsoft.com/office/powerpoint/2010/main" val="4328558"/>
       </p:ext>
     </p:extLst>
   </p:cSld>
@@ -9420,7 +14845,7 @@
 </p:sld>
 </file>
 
-<file path=ppt/slides/slide3.xml><?xml version="1.0" encoding="utf-8"?>
+<file path=ppt/slides/slide34.xml><?xml version="1.0" encoding="utf-8"?>
 <p:sld xmlns:a="http://schemas.openxmlformats.org/drawingml/2006/main" xmlns:r="http://schemas.openxmlformats.org/officeDocument/2006/relationships" xmlns:p="http://schemas.openxmlformats.org/presentationml/2006/main">
   <p:cSld>
     <p:spTree>
@@ -9442,7 +14867,7 @@
           <p:cNvPr id="2" name="Title 1">
             <a:extLst>
               <a:ext uri="{FF2B5EF4-FFF2-40B4-BE49-F238E27FC236}">
-                <a16:creationId xmlns:a16="http://schemas.microsoft.com/office/drawing/2014/main" id="{CEB26662-8226-4558-9E14-0F2DC74919D2}"/>
+                <a16:creationId xmlns:a16="http://schemas.microsoft.com/office/drawing/2014/main" id="{D9DA742D-1B93-4351-9522-5F2B39F3DEF7}"/>
               </a:ext>
             </a:extLst>
           </p:cNvPr>
@@ -9462,33 +14887,8 @@
           <a:p>
             <a:r>
               <a:rPr lang="en-US" b="1" dirty="0"/>
-              <a:t>Procedural </a:t>
-            </a:r>
-            <a:r>
-              <a:rPr lang="en-US" b="1" dirty="0">
-                <a:solidFill>
-                  <a:schemeClr val="accent2"/>
-                </a:solidFill>
-              </a:rPr>
-              <a:t>vs</a:t>
-            </a:r>
-            <a:r>
-              <a:rPr lang="en-US" b="1" dirty="0"/>
-              <a:t> Object</a:t>
-            </a:r>
-            <a:r>
-              <a:rPr lang="en-US" b="1" dirty="0">
-                <a:solidFill>
-                  <a:schemeClr val="accent2"/>
-                </a:solidFill>
-              </a:rPr>
-              <a:t>-</a:t>
-            </a:r>
-            <a:r>
-              <a:rPr lang="en-US" b="1" dirty="0"/>
-              <a:t>Oriented</a:t>
-            </a:r>
-            <a:endParaRPr lang="en-US" dirty="0"/>
+              <a:t>Encapsulation</a:t>
+            </a:r>
           </a:p>
         </p:txBody>
       </p:sp>
@@ -9497,7 +14897,351 @@
           <p:cNvPr id="3" name="Content Placeholder 2">
             <a:extLst>
               <a:ext uri="{FF2B5EF4-FFF2-40B4-BE49-F238E27FC236}">
-                <a16:creationId xmlns:a16="http://schemas.microsoft.com/office/drawing/2014/main" id="{8C569A56-A721-4A35-B0F5-BABF32CBFC72}"/>
+                <a16:creationId xmlns:a16="http://schemas.microsoft.com/office/drawing/2014/main" id="{410BCDD1-56E6-4389-AFFE-26A42FD638E2}"/>
+              </a:ext>
+            </a:extLst>
+          </p:cNvPr>
+          <p:cNvSpPr>
+            <a:spLocks noGrp="1"/>
+          </p:cNvSpPr>
+          <p:nvPr>
+            <p:ph idx="1"/>
+          </p:nvPr>
+        </p:nvSpPr>
+        <p:spPr>
+          <a:xfrm>
+            <a:off x="838200" y="1825624"/>
+            <a:ext cx="6789821" cy="4835479"/>
+          </a:xfrm>
+        </p:spPr>
+        <p:txBody>
+          <a:bodyPr>
+            <a:normAutofit/>
+          </a:bodyPr>
+          <a:lstStyle/>
+          <a:p>
+            <a:r>
+              <a:rPr lang="en-US" dirty="0"/>
+              <a:t>Let</a:t>
+            </a:r>
+            <a:r>
+              <a:rPr lang="en-US" dirty="0">
+                <a:solidFill>
+                  <a:schemeClr val="accent2"/>
+                </a:solidFill>
+              </a:rPr>
+              <a:t>’</a:t>
+            </a:r>
+            <a:r>
+              <a:rPr lang="en-US" dirty="0"/>
+              <a:t>s highlight the value of encapsulation with a bank </a:t>
+            </a:r>
+            <a:r>
+              <a:rPr lang="en-US" b="1" dirty="0">
+                <a:solidFill>
+                  <a:schemeClr val="accent6"/>
+                </a:solidFill>
+              </a:rPr>
+              <a:t>Account </a:t>
+            </a:r>
+            <a:r>
+              <a:rPr lang="en-US" dirty="0"/>
+              <a:t>class</a:t>
+            </a:r>
+            <a:r>
+              <a:rPr lang="en-US" dirty="0">
+                <a:solidFill>
+                  <a:schemeClr val="accent2"/>
+                </a:solidFill>
+              </a:rPr>
+              <a:t>.</a:t>
+            </a:r>
+          </a:p>
+          <a:p>
+            <a:r>
+              <a:rPr lang="en-US" dirty="0"/>
+              <a:t>Attributes</a:t>
+            </a:r>
+            <a:r>
+              <a:rPr lang="en-US" dirty="0">
+                <a:solidFill>
+                  <a:schemeClr val="accent2"/>
+                </a:solidFill>
+              </a:rPr>
+              <a:t>:</a:t>
+            </a:r>
+          </a:p>
+          <a:p>
+            <a:pPr lvl="1"/>
+            <a:r>
+              <a:rPr lang="en-US" dirty="0"/>
+              <a:t>Account owner</a:t>
+            </a:r>
+            <a:r>
+              <a:rPr lang="en-US" dirty="0">
+                <a:solidFill>
+                  <a:schemeClr val="accent2"/>
+                </a:solidFill>
+              </a:rPr>
+              <a:t>’</a:t>
+            </a:r>
+            <a:r>
+              <a:rPr lang="en-US" dirty="0"/>
+              <a:t>s name</a:t>
+            </a:r>
+            <a:r>
+              <a:rPr lang="en-US" dirty="0">
+                <a:solidFill>
+                  <a:schemeClr val="accent2"/>
+                </a:solidFill>
+              </a:rPr>
+              <a:t>.</a:t>
+            </a:r>
+          </a:p>
+          <a:p>
+            <a:pPr lvl="1"/>
+            <a:r>
+              <a:rPr lang="en-US" dirty="0"/>
+              <a:t>Current account balance</a:t>
+            </a:r>
+            <a:r>
+              <a:rPr lang="en-US" dirty="0">
+                <a:solidFill>
+                  <a:schemeClr val="accent2"/>
+                </a:solidFill>
+              </a:rPr>
+              <a:t>.</a:t>
+            </a:r>
+          </a:p>
+          <a:p>
+            <a:r>
+              <a:rPr lang="en-US" dirty="0"/>
+              <a:t>Methods</a:t>
+            </a:r>
+            <a:r>
+              <a:rPr lang="en-US" dirty="0">
+                <a:solidFill>
+                  <a:schemeClr val="accent2"/>
+                </a:solidFill>
+              </a:rPr>
+              <a:t>:</a:t>
+            </a:r>
+          </a:p>
+          <a:p>
+            <a:pPr lvl="1"/>
+            <a:r>
+              <a:rPr lang="en-US" dirty="0"/>
+              <a:t>Deposit money</a:t>
+            </a:r>
+            <a:r>
+              <a:rPr lang="en-US" dirty="0">
+                <a:solidFill>
+                  <a:schemeClr val="accent2"/>
+                </a:solidFill>
+              </a:rPr>
+              <a:t>.</a:t>
+            </a:r>
+          </a:p>
+          <a:p>
+            <a:pPr lvl="1"/>
+            <a:r>
+              <a:rPr lang="en-US" dirty="0"/>
+              <a:t>Withdraw money</a:t>
+            </a:r>
+            <a:r>
+              <a:rPr lang="en-US" dirty="0">
+                <a:solidFill>
+                  <a:schemeClr val="accent2"/>
+                </a:solidFill>
+              </a:rPr>
+              <a:t>.</a:t>
+            </a:r>
+          </a:p>
+          <a:p>
+            <a:pPr lvl="1"/>
+            <a:r>
+              <a:rPr lang="en-US" dirty="0"/>
+              <a:t>Print account balance</a:t>
+            </a:r>
+            <a:r>
+              <a:rPr lang="en-US" dirty="0">
+                <a:solidFill>
+                  <a:schemeClr val="accent2"/>
+                </a:solidFill>
+              </a:rPr>
+              <a:t>.</a:t>
+            </a:r>
+          </a:p>
+        </p:txBody>
+      </p:sp>
+      <p:sp>
+        <p:nvSpPr>
+          <p:cNvPr id="4" name="Rectangle: Rounded Corners 3">
+            <a:extLst>
+              <a:ext uri="{FF2B5EF4-FFF2-40B4-BE49-F238E27FC236}">
+                <a16:creationId xmlns:a16="http://schemas.microsoft.com/office/drawing/2014/main" id="{B8923EF2-9582-4193-875D-585C41741E6F}"/>
+              </a:ext>
+            </a:extLst>
+          </p:cNvPr>
+          <p:cNvSpPr/>
+          <p:nvPr/>
+        </p:nvSpPr>
+        <p:spPr>
+          <a:xfrm>
+            <a:off x="7844590" y="1949006"/>
+            <a:ext cx="3958389" cy="4418765"/>
+          </a:xfrm>
+          <a:prstGeom prst="roundRect">
+            <a:avLst/>
+          </a:prstGeom>
+          <a:noFill/>
+          <a:ln w="76200">
+            <a:solidFill>
+              <a:schemeClr val="accent2"/>
+            </a:solidFill>
+          </a:ln>
+        </p:spPr>
+        <p:style>
+          <a:lnRef idx="2">
+            <a:schemeClr val="accent1">
+              <a:shade val="50000"/>
+            </a:schemeClr>
+          </a:lnRef>
+          <a:fillRef idx="1">
+            <a:schemeClr val="accent1"/>
+          </a:fillRef>
+          <a:effectRef idx="0">
+            <a:schemeClr val="accent1"/>
+          </a:effectRef>
+          <a:fontRef idx="minor">
+            <a:schemeClr val="lt1"/>
+          </a:fontRef>
+        </p:style>
+        <p:txBody>
+          <a:bodyPr rtlCol="0" anchor="ctr"/>
+          <a:lstStyle/>
+          <a:p>
+            <a:r>
+              <a:rPr lang="en-US" sz="4400" b="1" dirty="0">
+                <a:solidFill>
+                  <a:srgbClr val="FFFFFF"/>
+                </a:solidFill>
+              </a:rPr>
+              <a:t>Open your notebook</a:t>
+            </a:r>
+          </a:p>
+          <a:p>
+            <a:endParaRPr lang="en-US" sz="4400" b="1" dirty="0">
+              <a:solidFill>
+                <a:srgbClr val="FFFFFF"/>
+              </a:solidFill>
+            </a:endParaRPr>
+          </a:p>
+          <a:p>
+            <a:r>
+              <a:rPr lang="en-US" sz="2800" b="1" dirty="0">
+                <a:solidFill>
+                  <a:srgbClr val="FFFFFF"/>
+                </a:solidFill>
+              </a:rPr>
+              <a:t>Click Link</a:t>
+            </a:r>
+            <a:r>
+              <a:rPr lang="en-US" sz="2800" b="1" dirty="0">
+                <a:solidFill>
+                  <a:schemeClr val="accent6"/>
+                </a:solidFill>
+              </a:rPr>
+              <a:t>:</a:t>
+            </a:r>
+          </a:p>
+          <a:p>
+            <a:r>
+              <a:rPr lang="en-US" sz="2800" b="1" dirty="0">
+                <a:solidFill>
+                  <a:schemeClr val="accent6"/>
+                </a:solidFill>
+              </a:rPr>
+              <a:t>4. </a:t>
+            </a:r>
+            <a:r>
+              <a:rPr lang="en-US" sz="2600" b="1" dirty="0">
+                <a:solidFill>
+                  <a:schemeClr val="accent6"/>
+                </a:solidFill>
+              </a:rPr>
+              <a:t>Bank Account Class</a:t>
+            </a:r>
+          </a:p>
+        </p:txBody>
+      </p:sp>
+    </p:spTree>
+    <p:extLst>
+      <p:ext uri="{BB962C8B-B14F-4D97-AF65-F5344CB8AC3E}">
+        <p14:creationId xmlns:p14="http://schemas.microsoft.com/office/powerpoint/2010/main" val="2082033278"/>
+      </p:ext>
+    </p:extLst>
+  </p:cSld>
+  <p:clrMapOvr>
+    <a:masterClrMapping/>
+  </p:clrMapOvr>
+</p:sld>
+</file>
+
+<file path=ppt/slides/slide35.xml><?xml version="1.0" encoding="utf-8"?>
+<p:sld xmlns:a="http://schemas.openxmlformats.org/drawingml/2006/main" xmlns:r="http://schemas.openxmlformats.org/officeDocument/2006/relationships" xmlns:p="http://schemas.openxmlformats.org/presentationml/2006/main">
+  <p:cSld>
+    <p:spTree>
+      <p:nvGrpSpPr>
+        <p:cNvPr id="1" name=""/>
+        <p:cNvGrpSpPr/>
+        <p:nvPr/>
+      </p:nvGrpSpPr>
+      <p:grpSpPr>
+        <a:xfrm>
+          <a:off x="0" y="0"/>
+          <a:ext cx="0" cy="0"/>
+          <a:chOff x="0" y="0"/>
+          <a:chExt cx="0" cy="0"/>
+        </a:xfrm>
+      </p:grpSpPr>
+      <p:sp>
+        <p:nvSpPr>
+          <p:cNvPr id="2" name="Title 1">
+            <a:extLst>
+              <a:ext uri="{FF2B5EF4-FFF2-40B4-BE49-F238E27FC236}">
+                <a16:creationId xmlns:a16="http://schemas.microsoft.com/office/drawing/2014/main" id="{35671E54-3BE4-4B22-8B6B-40DEEFD44E55}"/>
+              </a:ext>
+            </a:extLst>
+          </p:cNvPr>
+          <p:cNvSpPr>
+            <a:spLocks noGrp="1"/>
+          </p:cNvSpPr>
+          <p:nvPr>
+            <p:ph type="title"/>
+          </p:nvPr>
+        </p:nvSpPr>
+        <p:spPr/>
+        <p:txBody>
+          <a:bodyPr>
+            <a:normAutofit fontScale="90000"/>
+          </a:bodyPr>
+          <a:lstStyle/>
+          <a:p>
+            <a:r>
+              <a:rPr lang="en-US" b="1" dirty="0"/>
+              <a:t>Lecture Recap</a:t>
+            </a:r>
+            <a:endParaRPr lang="en-US" dirty="0"/>
+          </a:p>
+        </p:txBody>
+      </p:sp>
+      <p:sp>
+        <p:nvSpPr>
+          <p:cNvPr id="3" name="Content Placeholder 2">
+            <a:extLst>
+              <a:ext uri="{FF2B5EF4-FFF2-40B4-BE49-F238E27FC236}">
+                <a16:creationId xmlns:a16="http://schemas.microsoft.com/office/drawing/2014/main" id="{0996E1D5-26BC-425F-B001-BA0A32775822}"/>
               </a:ext>
             </a:extLst>
           </p:cNvPr>
@@ -9514,286 +15258,106 @@
           <a:lstStyle/>
           <a:p>
             <a:r>
-              <a:rPr lang="en-US" i="1" dirty="0">
-                <a:solidFill>
-                  <a:schemeClr val="accent6"/>
-                </a:solidFill>
-              </a:rPr>
-              <a:t>“</a:t>
-            </a:r>
-            <a:r>
-              <a:rPr lang="en-US" i="1" dirty="0"/>
-              <a:t>Object</a:t>
-            </a:r>
-            <a:r>
-              <a:rPr lang="en-US" i="1" dirty="0">
+              <a:rPr lang="en-US" dirty="0"/>
+              <a:t>Object Oriented programming: a new way to think about programs</a:t>
+            </a:r>
+            <a:r>
+              <a:rPr lang="en-US" dirty="0">
+                <a:solidFill>
+                  <a:schemeClr val="accent1"/>
+                </a:solidFill>
+              </a:rPr>
+              <a:t>.</a:t>
+            </a:r>
+          </a:p>
+          <a:p>
+            <a:r>
+              <a:rPr lang="en-US" dirty="0"/>
+              <a:t>A class is an object template</a:t>
+            </a:r>
+            <a:r>
+              <a:rPr lang="en-US" dirty="0">
                 <a:solidFill>
                   <a:schemeClr val="accent2"/>
                 </a:solidFill>
               </a:rPr>
-              <a:t>-</a:t>
-            </a:r>
-            <a:r>
-              <a:rPr lang="en-US" i="1" dirty="0"/>
-              <a:t>oriented programming </a:t>
-            </a:r>
-            <a:r>
-              <a:rPr lang="en-US" i="1" dirty="0">
-                <a:solidFill>
-                  <a:schemeClr val="accent2"/>
-                </a:solidFill>
-              </a:rPr>
-              <a:t>(</a:t>
-            </a:r>
-            <a:r>
-              <a:rPr lang="en-US" i="1" dirty="0"/>
-              <a:t>OOP</a:t>
-            </a:r>
-            <a:r>
-              <a:rPr lang="en-US" i="1" dirty="0">
-                <a:solidFill>
-                  <a:schemeClr val="accent2"/>
-                </a:solidFill>
-              </a:rPr>
-              <a:t>)</a:t>
-            </a:r>
-            <a:r>
-              <a:rPr lang="en-US" i="1" dirty="0"/>
-              <a:t> is a programming paradigm based on the concept of “objects”</a:t>
-            </a:r>
-            <a:r>
-              <a:rPr lang="en-US" i="1" dirty="0">
-                <a:solidFill>
-                  <a:schemeClr val="accent2"/>
+              <a:t>.</a:t>
+            </a:r>
+          </a:p>
+          <a:p>
+            <a:r>
+              <a:rPr lang="en-US" dirty="0"/>
+              <a:t>Class</a:t>
+            </a:r>
+            <a:r>
+              <a:rPr lang="en-US" dirty="0">
+                <a:solidFill>
+                  <a:schemeClr val="accent1"/>
                 </a:solidFill>
               </a:rPr>
               <a:t>,</a:t>
             </a:r>
             <a:r>
-              <a:rPr lang="en-US" i="1" dirty="0"/>
-              <a:t> which may contain data</a:t>
-            </a:r>
-            <a:r>
-              <a:rPr lang="en-US" i="1" dirty="0">
-                <a:solidFill>
-                  <a:schemeClr val="accent2"/>
+              <a:rPr lang="en-US" dirty="0"/>
+              <a:t> instance</a:t>
+            </a:r>
+            <a:r>
+              <a:rPr lang="en-US" dirty="0">
+                <a:solidFill>
+                  <a:schemeClr val="accent1"/>
                 </a:solidFill>
               </a:rPr>
               <a:t>,</a:t>
             </a:r>
             <a:r>
-              <a:rPr lang="en-US" i="1" dirty="0"/>
-              <a:t> in the form of fields</a:t>
-            </a:r>
-            <a:r>
-              <a:rPr lang="en-US" i="1" dirty="0">
-                <a:solidFill>
-                  <a:schemeClr val="accent2"/>
+              <a:rPr lang="en-US" dirty="0"/>
+              <a:t> object</a:t>
+            </a:r>
+            <a:r>
+              <a:rPr lang="en-US" dirty="0">
+                <a:solidFill>
+                  <a:schemeClr val="accent1"/>
+                </a:solidFill>
+              </a:rPr>
+              <a:t>.</a:t>
+            </a:r>
+          </a:p>
+          <a:p>
+            <a:r>
+              <a:rPr lang="en-US" dirty="0"/>
+              <a:t>Defining classes</a:t>
+            </a:r>
+            <a:r>
+              <a:rPr lang="en-US" dirty="0">
+                <a:solidFill>
+                  <a:schemeClr val="accent1"/>
                 </a:solidFill>
               </a:rPr>
               <a:t>,</a:t>
             </a:r>
             <a:r>
-              <a:rPr lang="en-US" i="1" dirty="0"/>
-              <a:t> often known as attributes</a:t>
-            </a:r>
-            <a:r>
-              <a:rPr lang="en-US" i="1" dirty="0">
-                <a:solidFill>
-                  <a:schemeClr val="accent2"/>
-                </a:solidFill>
-              </a:rPr>
-              <a:t>;</a:t>
-            </a:r>
-            <a:r>
-              <a:rPr lang="en-US" i="1" dirty="0"/>
-              <a:t> and code</a:t>
-            </a:r>
-            <a:r>
-              <a:rPr lang="en-US" i="1" dirty="0">
-                <a:solidFill>
-                  <a:schemeClr val="accent2"/>
+              <a:rPr lang="en-US" dirty="0"/>
+              <a:t> data attributes</a:t>
+            </a:r>
+            <a:r>
+              <a:rPr lang="en-US" dirty="0">
+                <a:solidFill>
+                  <a:schemeClr val="accent1"/>
                 </a:solidFill>
               </a:rPr>
               <a:t>,</a:t>
             </a:r>
             <a:r>
-              <a:rPr lang="en-US" i="1" dirty="0"/>
-              <a:t> in the form of procedures</a:t>
-            </a:r>
-            <a:r>
-              <a:rPr lang="en-US" i="1" dirty="0">
-                <a:solidFill>
-                  <a:schemeClr val="accent2"/>
-                </a:solidFill>
-              </a:rPr>
-              <a:t>,</a:t>
-            </a:r>
-            <a:r>
-              <a:rPr lang="en-US" i="1" dirty="0"/>
-              <a:t> often known as methods</a:t>
-            </a:r>
-            <a:r>
-              <a:rPr lang="en-US" i="1" dirty="0">
-                <a:solidFill>
-                  <a:schemeClr val="accent2"/>
+              <a:rPr lang="en-US" dirty="0"/>
+              <a:t> etc</a:t>
+            </a:r>
+            <a:r>
+              <a:rPr lang="en-US" dirty="0">
+                <a:solidFill>
+                  <a:schemeClr val="accent1"/>
                 </a:solidFill>
               </a:rPr>
               <a:t>.</a:t>
-            </a:r>
-            <a:r>
-              <a:rPr lang="en-US" i="1" dirty="0">
-                <a:solidFill>
-                  <a:schemeClr val="accent6"/>
-                </a:solidFill>
-              </a:rPr>
-              <a:t>”</a:t>
-            </a:r>
-            <a:r>
-              <a:rPr lang="en-US" i="1" dirty="0"/>
-              <a:t>                       </a:t>
-            </a:r>
-            <a:r>
-              <a:rPr lang="en-US" b="1" dirty="0">
-                <a:solidFill>
-                  <a:schemeClr val="accent6"/>
-                </a:solidFill>
-              </a:rPr>
-              <a:t>— Wikipedia  </a:t>
-            </a:r>
-            <a:r>
-              <a:rPr lang="en-US" dirty="0">
-                <a:solidFill>
-                  <a:schemeClr val="accent6"/>
-                </a:solidFill>
-              </a:rPr>
-              <a:t> </a:t>
-            </a:r>
-          </a:p>
-          <a:p>
-            <a:r>
-              <a:rPr lang="en-US" i="1" dirty="0">
-                <a:solidFill>
-                  <a:schemeClr val="accent6"/>
-                </a:solidFill>
-              </a:rPr>
-              <a:t>“</a:t>
-            </a:r>
-            <a:r>
-              <a:rPr lang="en-US" i="1" dirty="0"/>
-              <a:t>Procedural programming is a programming paradigm</a:t>
-            </a:r>
-            <a:r>
-              <a:rPr lang="en-US" i="1" dirty="0">
-                <a:solidFill>
-                  <a:schemeClr val="accent2"/>
-                </a:solidFill>
-              </a:rPr>
-              <a:t>,</a:t>
-            </a:r>
-            <a:r>
-              <a:rPr lang="en-US" i="1" dirty="0"/>
-              <a:t> derived from structured programming</a:t>
-            </a:r>
-            <a:r>
-              <a:rPr lang="en-US" i="1" dirty="0">
-                <a:solidFill>
-                  <a:schemeClr val="accent2"/>
-                </a:solidFill>
-              </a:rPr>
-              <a:t>,</a:t>
-            </a:r>
-            <a:r>
-              <a:rPr lang="en-US" i="1" dirty="0"/>
-              <a:t> based upon the concept of the procedure call</a:t>
-            </a:r>
-            <a:r>
-              <a:rPr lang="en-US" i="1" dirty="0">
-                <a:solidFill>
-                  <a:schemeClr val="accent2"/>
-                </a:solidFill>
-              </a:rPr>
-              <a:t>.</a:t>
-            </a:r>
-            <a:r>
-              <a:rPr lang="en-US" i="1" dirty="0"/>
-              <a:t> Procedures</a:t>
-            </a:r>
-            <a:r>
-              <a:rPr lang="en-US" i="1" dirty="0">
-                <a:solidFill>
-                  <a:schemeClr val="accent2"/>
-                </a:solidFill>
-              </a:rPr>
-              <a:t>,</a:t>
-            </a:r>
-            <a:r>
-              <a:rPr lang="en-US" i="1" dirty="0"/>
-              <a:t> also known as routines</a:t>
-            </a:r>
-            <a:r>
-              <a:rPr lang="en-US" i="1" dirty="0">
-                <a:solidFill>
-                  <a:schemeClr val="accent2"/>
-                </a:solidFill>
-              </a:rPr>
-              <a:t>,</a:t>
-            </a:r>
-            <a:r>
-              <a:rPr lang="en-US" i="1" dirty="0"/>
-              <a:t> subroutines</a:t>
-            </a:r>
-            <a:r>
-              <a:rPr lang="en-US" i="1" dirty="0">
-                <a:solidFill>
-                  <a:schemeClr val="accent2"/>
-                </a:solidFill>
-              </a:rPr>
-              <a:t>,</a:t>
-            </a:r>
-            <a:r>
-              <a:rPr lang="en-US" i="1" dirty="0"/>
-              <a:t> or functions</a:t>
-            </a:r>
-            <a:r>
-              <a:rPr lang="en-US" i="1" dirty="0">
-                <a:solidFill>
-                  <a:schemeClr val="accent2"/>
-                </a:solidFill>
-              </a:rPr>
-              <a:t>,</a:t>
-            </a:r>
-            <a:r>
-              <a:rPr lang="en-US" i="1" dirty="0"/>
-              <a:t> simply contain a series of computational steps to be carried out</a:t>
-            </a:r>
-            <a:r>
-              <a:rPr lang="en-US" i="1" dirty="0">
-                <a:solidFill>
-                  <a:schemeClr val="accent2"/>
-                </a:solidFill>
-              </a:rPr>
-              <a:t>.</a:t>
-            </a:r>
-            <a:r>
-              <a:rPr lang="en-US" i="1" dirty="0">
-                <a:solidFill>
-                  <a:schemeClr val="accent6"/>
-                </a:solidFill>
-              </a:rPr>
-              <a:t>”</a:t>
-            </a:r>
-            <a:r>
-              <a:rPr lang="en-US" i="1" dirty="0"/>
-              <a:t>                                                                                 </a:t>
-            </a:r>
-            <a:r>
-              <a:rPr lang="en-US" b="1" dirty="0">
-                <a:solidFill>
-                  <a:schemeClr val="accent6"/>
-                </a:solidFill>
-              </a:rPr>
-              <a:t>— Wikipedia</a:t>
             </a:r>
           </a:p>
         </p:txBody>
@@ -9801,7 +15365,183 @@
     </p:spTree>
     <p:extLst>
       <p:ext uri="{BB962C8B-B14F-4D97-AF65-F5344CB8AC3E}">
-        <p14:creationId xmlns:p14="http://schemas.microsoft.com/office/powerpoint/2010/main" val="3667075208"/>
+        <p14:creationId xmlns:p14="http://schemas.microsoft.com/office/powerpoint/2010/main" val="859323793"/>
+      </p:ext>
+    </p:extLst>
+  </p:cSld>
+  <p:clrMapOvr>
+    <a:masterClrMapping/>
+  </p:clrMapOvr>
+</p:sld>
+</file>
+
+<file path=ppt/slides/slide36.xml><?xml version="1.0" encoding="utf-8"?>
+<p:sld xmlns:a="http://schemas.openxmlformats.org/drawingml/2006/main" xmlns:r="http://schemas.openxmlformats.org/officeDocument/2006/relationships" xmlns:p="http://schemas.openxmlformats.org/presentationml/2006/main">
+  <p:cSld>
+    <p:spTree>
+      <p:nvGrpSpPr>
+        <p:cNvPr id="1" name=""/>
+        <p:cNvGrpSpPr/>
+        <p:nvPr/>
+      </p:nvGrpSpPr>
+      <p:grpSpPr>
+        <a:xfrm>
+          <a:off x="0" y="0"/>
+          <a:ext cx="0" cy="0"/>
+          <a:chOff x="0" y="0"/>
+          <a:chExt cx="0" cy="0"/>
+        </a:xfrm>
+      </p:grpSpPr>
+      <p:sp>
+        <p:nvSpPr>
+          <p:cNvPr id="2" name="Title 1">
+            <a:extLst>
+              <a:ext uri="{FF2B5EF4-FFF2-40B4-BE49-F238E27FC236}">
+                <a16:creationId xmlns:a16="http://schemas.microsoft.com/office/drawing/2014/main" id="{057F06F2-AC3E-484E-9926-59D4F59092CE}"/>
+              </a:ext>
+            </a:extLst>
+          </p:cNvPr>
+          <p:cNvSpPr>
+            <a:spLocks noGrp="1"/>
+          </p:cNvSpPr>
+          <p:nvPr>
+            <p:ph type="ctrTitle"/>
+          </p:nvPr>
+        </p:nvSpPr>
+        <p:spPr/>
+        <p:txBody>
+          <a:bodyPr>
+            <a:normAutofit/>
+          </a:bodyPr>
+          <a:lstStyle/>
+          <a:p>
+            <a:r>
+              <a:rPr lang="en-US" dirty="0"/>
+              <a:t>tuples</a:t>
+            </a:r>
+            <a:r>
+              <a:rPr lang="en-US" dirty="0">
+                <a:solidFill>
+                  <a:schemeClr val="accent6"/>
+                </a:solidFill>
+              </a:rPr>
+              <a:t> and </a:t>
+            </a:r>
+            <a:r>
+              <a:rPr lang="en-US" dirty="0"/>
+              <a:t>sets</a:t>
+            </a:r>
+            <a:r>
+              <a:rPr lang="en-US" dirty="0">
+                <a:solidFill>
+                  <a:schemeClr val="accent1"/>
+                </a:solidFill>
+              </a:rPr>
+              <a:t>.</a:t>
+            </a:r>
+          </a:p>
+        </p:txBody>
+      </p:sp>
+      <p:sp>
+        <p:nvSpPr>
+          <p:cNvPr id="3" name="Subtitle 2">
+            <a:extLst>
+              <a:ext uri="{FF2B5EF4-FFF2-40B4-BE49-F238E27FC236}">
+                <a16:creationId xmlns:a16="http://schemas.microsoft.com/office/drawing/2014/main" id="{99B07687-F068-40FC-84A1-E7860490CACD}"/>
+              </a:ext>
+            </a:extLst>
+          </p:cNvPr>
+          <p:cNvSpPr>
+            <a:spLocks noGrp="1"/>
+          </p:cNvSpPr>
+          <p:nvPr>
+            <p:ph type="subTitle" idx="1"/>
+          </p:nvPr>
+        </p:nvSpPr>
+        <p:spPr/>
+        <p:txBody>
+          <a:bodyPr/>
+          <a:lstStyle/>
+          <a:p>
+            <a:r>
+              <a:rPr lang="en-US" b="1" dirty="0"/>
+              <a:t>Week </a:t>
+            </a:r>
+            <a:r>
+              <a:rPr lang="en-US" b="1" dirty="0">
+                <a:solidFill>
+                  <a:schemeClr val="accent6"/>
+                </a:solidFill>
+              </a:rPr>
+              <a:t>8</a:t>
+            </a:r>
+            <a:r>
+              <a:rPr lang="en-US" b="1" dirty="0"/>
+              <a:t> </a:t>
+            </a:r>
+            <a:r>
+              <a:rPr lang="en-US" dirty="0">
+                <a:solidFill>
+                  <a:schemeClr val="accent2"/>
+                </a:solidFill>
+              </a:rPr>
+              <a:t>|</a:t>
+            </a:r>
+            <a:r>
+              <a:rPr lang="en-US" dirty="0"/>
+              <a:t> Lecture </a:t>
+            </a:r>
+            <a:r>
+              <a:rPr lang="en-US" dirty="0">
+                <a:solidFill>
+                  <a:schemeClr val="accent6"/>
+                </a:solidFill>
+              </a:rPr>
+              <a:t>1 </a:t>
+            </a:r>
+            <a:r>
+              <a:rPr lang="en-US" dirty="0">
+                <a:solidFill>
+                  <a:schemeClr val="accent1"/>
+                </a:solidFill>
+              </a:rPr>
+              <a:t>(</a:t>
+            </a:r>
+            <a:r>
+              <a:rPr lang="en-US" dirty="0">
+                <a:solidFill>
+                  <a:schemeClr val="accent6"/>
+                </a:solidFill>
+              </a:rPr>
+              <a:t>8</a:t>
+            </a:r>
+            <a:r>
+              <a:rPr lang="en-US" dirty="0"/>
+              <a:t>.</a:t>
+            </a:r>
+            <a:r>
+              <a:rPr lang="en-US" dirty="0">
+                <a:solidFill>
+                  <a:schemeClr val="accent6"/>
+                </a:solidFill>
+              </a:rPr>
+              <a:t>1</a:t>
+            </a:r>
+            <a:r>
+              <a:rPr lang="en-US" dirty="0">
+                <a:solidFill>
+                  <a:schemeClr val="accent1"/>
+                </a:solidFill>
+              </a:rPr>
+              <a:t>)</a:t>
+            </a:r>
+          </a:p>
+        </p:txBody>
+      </p:sp>
+    </p:spTree>
+    <p:extLst>
+      <p:ext uri="{BB962C8B-B14F-4D97-AF65-F5344CB8AC3E}">
+        <p14:creationId xmlns:p14="http://schemas.microsoft.com/office/powerpoint/2010/main" val="2820120620"/>
       </p:ext>
     </p:extLst>
   </p:cSld>
@@ -14150,8 +19890,8 @@
         </p:nvSpPr>
         <p:spPr>
           <a:xfrm>
-            <a:off x="9874192" y="822163"/>
-            <a:ext cx="1835591" cy="954107"/>
+            <a:off x="9288380" y="822163"/>
+            <a:ext cx="2421404" cy="1200329"/>
           </a:xfrm>
           <a:prstGeom prst="rect">
             <a:avLst/>
@@ -14166,7 +19906,7 @@
           <a:p>
             <a:pPr algn="r"/>
             <a:r>
-              <a:rPr lang="en-US" sz="2800" b="1" dirty="0">
+              <a:rPr lang="en-US" sz="3600" b="1" dirty="0">
                 <a:solidFill>
                   <a:schemeClr val="accent2"/>
                 </a:solidFill>
@@ -14177,7 +19917,7 @@
           <a:p>
             <a:pPr algn="r"/>
             <a:r>
-              <a:rPr lang="en-US" sz="2800" b="1" dirty="0">
+              <a:rPr lang="en-US" sz="3600" b="1" dirty="0">
                 <a:solidFill>
                   <a:schemeClr val="accent6"/>
                 </a:solidFill>

--- a/lectures/week10/lecture2/slides/week10_lecture2.pptx
+++ b/lectures/week10/lecture2/slides/week10_lecture2.pptx
@@ -40,7 +40,7 @@
     <p:sldId id="356" r:id="rId34"/>
     <p:sldId id="359" r:id="rId35"/>
     <p:sldId id="358" r:id="rId36"/>
-    <p:sldId id="325" r:id="rId37"/>
+    <p:sldId id="360" r:id="rId37"/>
   </p:sldIdLst>
   <p:sldSz cx="12192000" cy="6858000"/>
   <p:notesSz cx="6858000" cy="9144000"/>
@@ -179,7 +179,7 @@
             <p14:sldId id="356"/>
             <p14:sldId id="359"/>
             <p14:sldId id="358"/>
-            <p14:sldId id="325"/>
+            <p14:sldId id="360"/>
           </p14:sldIdLst>
         </p14:section>
       </p14:sectionLst>
@@ -13571,44 +13571,6 @@
               <a:t>.</a:t>
             </a:r>
           </a:p>
-          <a:p>
-            <a:pPr lvl="1"/>
-            <a:r>
-              <a:rPr lang="en-US" sz="2800" dirty="0"/>
-              <a:t>Be able to calculate distance between the Point and the origin</a:t>
-            </a:r>
-            <a:r>
-              <a:rPr lang="en-US" sz="2800" dirty="0">
-                <a:solidFill>
-                  <a:schemeClr val="accent2"/>
-                </a:solidFill>
-              </a:rPr>
-              <a:t>.</a:t>
-            </a:r>
-          </a:p>
-          <a:p>
-            <a:pPr lvl="1"/>
-            <a:r>
-              <a:rPr lang="en-US" sz="2800" dirty="0"/>
-              <a:t>Be able to calculate the midpoint between the Point instance and another point</a:t>
-            </a:r>
-            <a:r>
-              <a:rPr lang="en-US" sz="2800" dirty="0">
-                <a:solidFill>
-                  <a:schemeClr val="accent2"/>
-                </a:solidFill>
-              </a:rPr>
-              <a:t>.</a:t>
-            </a:r>
-          </a:p>
-          <a:p>
-            <a:pPr lvl="1"/>
-            <a:endParaRPr lang="en-US" sz="2800" dirty="0">
-              <a:solidFill>
-                <a:schemeClr val="accent2"/>
-              </a:solidFill>
-            </a:endParaRPr>
-          </a:p>
         </p:txBody>
       </p:sp>
       <p:sp>
@@ -13797,28 +13759,6 @@
               <a:t>distance between points</a:t>
             </a:r>
           </a:p>
-          <a:p>
-            <a:pPr algn="ctr"/>
-            <a:r>
-              <a:rPr lang="en-US" b="1" dirty="0">
-                <a:solidFill>
-                  <a:srgbClr val="FFFFFF"/>
-                </a:solidFill>
-              </a:rPr>
-              <a:t>distance from the origin</a:t>
-            </a:r>
-          </a:p>
-          <a:p>
-            <a:pPr algn="ctr"/>
-            <a:r>
-              <a:rPr lang="en-US" b="1" dirty="0">
-                <a:solidFill>
-                  <a:srgbClr val="FFFFFF"/>
-                </a:solidFill>
-              </a:rPr>
-              <a:t>midpoint between points</a:t>
-            </a:r>
-          </a:p>
         </p:txBody>
       </p:sp>
     </p:spTree>
@@ -14227,36 +14167,6 @@
             </a:r>
           </a:p>
           <a:p>
-            <a:pPr lvl="1"/>
-            <a:r>
-              <a:rPr lang="en-US" sz="2800" dirty="0"/>
-              <a:t>Be able to calculate distance between the Point and the origin</a:t>
-            </a:r>
-            <a:r>
-              <a:rPr lang="en-US" sz="2800" dirty="0">
-                <a:solidFill>
-                  <a:schemeClr val="accent2"/>
-                </a:solidFill>
-              </a:rPr>
-              <a:t>.</a:t>
-            </a:r>
-          </a:p>
-          <a:p>
-            <a:pPr lvl="1"/>
-            <a:r>
-              <a:rPr lang="en-US" sz="2800" dirty="0"/>
-              <a:t>Be able to calculate the midpoint between the Point instance and another point</a:t>
-            </a:r>
-            <a:r>
-              <a:rPr lang="en-US" sz="2800" dirty="0">
-                <a:solidFill>
-                  <a:schemeClr val="accent2"/>
-                </a:solidFill>
-              </a:rPr>
-              <a:t>.</a:t>
-            </a:r>
-          </a:p>
-          <a:p>
             <a:r>
               <a:rPr lang="en-US" sz="3200" dirty="0"/>
               <a:t>Let</a:t>
@@ -14279,7 +14189,7 @@
                   <a:schemeClr val="accent6"/>
                 </a:solidFill>
               </a:rPr>
-              <a:t>methods</a:t>
+              <a:t>method</a:t>
             </a:r>
             <a:r>
               <a:rPr lang="en-US" sz="3200" dirty="0">
@@ -14507,7 +14417,31 @@
             </a:r>
             <a:r>
               <a:rPr lang="en-US" dirty="0"/>
-              <a:t> related data and functions together in an object</a:t>
+              <a:t> related </a:t>
+            </a:r>
+            <a:r>
+              <a:rPr lang="en-US" dirty="0">
+                <a:solidFill>
+                  <a:schemeClr val="accent6"/>
+                </a:solidFill>
+              </a:rPr>
+              <a:t>data</a:t>
+            </a:r>
+            <a:r>
+              <a:rPr lang="en-US" dirty="0"/>
+              <a:t> and </a:t>
+            </a:r>
+            <a:r>
+              <a:rPr lang="en-US" dirty="0">
+                <a:solidFill>
+                  <a:schemeClr val="accent6"/>
+                </a:solidFill>
+              </a:rPr>
+              <a:t>functions</a:t>
+            </a:r>
+            <a:r>
+              <a:rPr lang="en-US" dirty="0"/>
+              <a:t> together in an object</a:t>
             </a:r>
             <a:r>
               <a:rPr lang="en-US" dirty="0">
@@ -15175,6 +15109,53 @@
           </a:p>
         </p:txBody>
       </p:sp>
+      <p:pic>
+        <p:nvPicPr>
+          <p:cNvPr id="1026" name="Picture 2" descr="RBC Mobile App - RBC Royal Bank">
+            <a:extLst>
+              <a:ext uri="{FF2B5EF4-FFF2-40B4-BE49-F238E27FC236}">
+                <a16:creationId xmlns:a16="http://schemas.microsoft.com/office/drawing/2014/main" id="{F43C3A75-EA07-4F83-979A-0837F12F9532}"/>
+              </a:ext>
+            </a:extLst>
+          </p:cNvPr>
+          <p:cNvPicPr>
+            <a:picLocks noChangeAspect="1" noChangeArrowheads="1"/>
+          </p:cNvPicPr>
+          <p:nvPr/>
+        </p:nvPicPr>
+        <p:blipFill>
+          <a:blip r:embed="rId2">
+            <a:extLst>
+              <a:ext uri="{28A0092B-C50C-407E-A947-70E740481C1C}">
+                <a14:useLocalDpi xmlns:a14="http://schemas.microsoft.com/office/drawing/2010/main" val="0"/>
+              </a:ext>
+            </a:extLst>
+          </a:blip>
+          <a:srcRect/>
+          <a:stretch>
+            <a:fillRect/>
+          </a:stretch>
+        </p:blipFill>
+        <p:spPr bwMode="auto">
+          <a:xfrm>
+            <a:off x="5143335" y="2890107"/>
+            <a:ext cx="1642477" cy="3315655"/>
+          </a:xfrm>
+          <a:prstGeom prst="rect">
+            <a:avLst/>
+          </a:prstGeom>
+          <a:noFill/>
+          <a:extLst>
+            <a:ext uri="{909E8E84-426E-40DD-AFC4-6F175D3DCCD1}">
+              <a14:hiddenFill xmlns:a14="http://schemas.microsoft.com/office/drawing/2010/main">
+                <a:solidFill>
+                  <a:srgbClr val="FFFFFF"/>
+                </a:solidFill>
+              </a14:hiddenFill>
+            </a:ext>
+          </a:extLst>
+        </p:spPr>
+      </p:pic>
     </p:spTree>
     <p:extLst>
       <p:ext uri="{BB962C8B-B14F-4D97-AF65-F5344CB8AC3E}">
@@ -15417,19 +15398,43 @@
           <a:p>
             <a:r>
               <a:rPr lang="en-US" dirty="0"/>
-              <a:t>tuples</a:t>
+              <a:t>objects</a:t>
             </a:r>
             <a:r>
               <a:rPr lang="en-US" dirty="0">
                 <a:solidFill>
+                  <a:schemeClr val="accent1"/>
+                </a:solidFill>
+              </a:rPr>
+              <a:t>,</a:t>
+            </a:r>
+            <a:r>
+              <a:rPr lang="en-US" dirty="0"/>
+              <a:t> classes</a:t>
+            </a:r>
+            <a:r>
+              <a:rPr lang="en-US" dirty="0">
+                <a:solidFill>
+                  <a:schemeClr val="accent1"/>
+                </a:solidFill>
+              </a:rPr>
+              <a:t>,</a:t>
+            </a:r>
+            <a:r>
+              <a:rPr lang="en-US" dirty="0"/>
+              <a:t> </a:t>
+            </a:r>
+            <a:r>
+              <a:rPr lang="en-US" dirty="0">
+                <a:solidFill>
                   <a:schemeClr val="accent6"/>
                 </a:solidFill>
               </a:rPr>
-              <a:t> and </a:t>
+              <a:t>and</a:t>
             </a:r>
             <a:r>
               <a:rPr lang="en-US" dirty="0"/>
-              <a:t>sets</a:t>
+              <a:t> methods</a:t>
             </a:r>
             <a:r>
               <a:rPr lang="en-US" dirty="0">
@@ -15473,7 +15478,7 @@
                   <a:schemeClr val="accent6"/>
                 </a:solidFill>
               </a:rPr>
-              <a:t>8</a:t>
+              <a:t>10</a:t>
             </a:r>
             <a:r>
               <a:rPr lang="en-US" b="1" dirty="0"/>
@@ -15497,7 +15502,7 @@
                   <a:schemeClr val="accent6"/>
                 </a:solidFill>
               </a:rPr>
-              <a:t>1 </a:t>
+              <a:t>2 </a:t>
             </a:r>
             <a:r>
               <a:rPr lang="en-US" dirty="0">
@@ -15513,7 +15518,7 @@
                   <a:schemeClr val="accent6"/>
                 </a:solidFill>
               </a:rPr>
-              <a:t>8</a:t>
+              <a:t>10</a:t>
             </a:r>
             <a:r>
               <a:rPr lang="en-US" dirty="0"/>
@@ -15525,7 +15530,7 @@
                   <a:schemeClr val="accent6"/>
                 </a:solidFill>
               </a:rPr>
-              <a:t>1</a:t>
+              <a:t>2</a:t>
             </a:r>
             <a:r>
               <a:rPr lang="en-US" dirty="0">
@@ -15541,7 +15546,7 @@
     </p:spTree>
     <p:extLst>
       <p:ext uri="{BB962C8B-B14F-4D97-AF65-F5344CB8AC3E}">
-        <p14:creationId xmlns:p14="http://schemas.microsoft.com/office/powerpoint/2010/main" val="2820120620"/>
+        <p14:creationId xmlns:p14="http://schemas.microsoft.com/office/powerpoint/2010/main" val="2329329627"/>
       </p:ext>
     </p:extLst>
   </p:cSld>
